--- a/2014_2015/DS_12_GPS_PPM_Poulie/Figures.pptx
+++ b/2014_2015/DS_12_GPS_PPM_Poulie/Figures.pptx
@@ -6,6 +6,13 @@
   </p:sldMasterIdLst>
   <p:sldIdLst>
     <p:sldId id="256" r:id="rId2"/>
+    <p:sldId id="257" r:id="rId3"/>
+    <p:sldId id="258" r:id="rId4"/>
+    <p:sldId id="260" r:id="rId5"/>
+    <p:sldId id="261" r:id="rId6"/>
+    <p:sldId id="262" r:id="rId7"/>
+    <p:sldId id="263" r:id="rId8"/>
+    <p:sldId id="259" r:id="rId9"/>
   </p:sldIdLst>
   <p:sldSz cx="9144000" cy="6858000" type="screen4x3"/>
   <p:notesSz cx="6858000" cy="9144000"/>
@@ -288,7 +295,7 @@
           <a:p>
             <a:fld id="{AA309A6D-C09C-4548-B29A-6CF363A7E532}" type="datetimeFigureOut">
               <a:rPr lang="fr-FR" smtClean="0"/>
-              <a:t>12/06/2015</a:t>
+              <a:t>14/06/2015</a:t>
             </a:fld>
             <a:endParaRPr lang="fr-BE"/>
           </a:p>
@@ -453,7 +460,7 @@
           <a:p>
             <a:fld id="{AA309A6D-C09C-4548-B29A-6CF363A7E532}" type="datetimeFigureOut">
               <a:rPr lang="fr-FR" smtClean="0"/>
-              <a:t>12/06/2015</a:t>
+              <a:t>14/06/2015</a:t>
             </a:fld>
             <a:endParaRPr lang="fr-BE"/>
           </a:p>
@@ -628,7 +635,7 @@
           <a:p>
             <a:fld id="{AA309A6D-C09C-4548-B29A-6CF363A7E532}" type="datetimeFigureOut">
               <a:rPr lang="fr-FR" smtClean="0"/>
-              <a:t>12/06/2015</a:t>
+              <a:t>14/06/2015</a:t>
             </a:fld>
             <a:endParaRPr lang="fr-BE"/>
           </a:p>
@@ -793,7 +800,7 @@
           <a:p>
             <a:fld id="{AA309A6D-C09C-4548-B29A-6CF363A7E532}" type="datetimeFigureOut">
               <a:rPr lang="fr-FR" smtClean="0"/>
-              <a:t>12/06/2015</a:t>
+              <a:t>14/06/2015</a:t>
             </a:fld>
             <a:endParaRPr lang="fr-BE"/>
           </a:p>
@@ -1034,7 +1041,7 @@
           <a:p>
             <a:fld id="{AA309A6D-C09C-4548-B29A-6CF363A7E532}" type="datetimeFigureOut">
               <a:rPr lang="fr-FR" smtClean="0"/>
-              <a:t>12/06/2015</a:t>
+              <a:t>14/06/2015</a:t>
             </a:fld>
             <a:endParaRPr lang="fr-BE"/>
           </a:p>
@@ -1317,7 +1324,7 @@
           <a:p>
             <a:fld id="{AA309A6D-C09C-4548-B29A-6CF363A7E532}" type="datetimeFigureOut">
               <a:rPr lang="fr-FR" smtClean="0"/>
-              <a:t>12/06/2015</a:t>
+              <a:t>14/06/2015</a:t>
             </a:fld>
             <a:endParaRPr lang="fr-BE"/>
           </a:p>
@@ -1734,7 +1741,7 @@
           <a:p>
             <a:fld id="{AA309A6D-C09C-4548-B29A-6CF363A7E532}" type="datetimeFigureOut">
               <a:rPr lang="fr-FR" smtClean="0"/>
-              <a:t>12/06/2015</a:t>
+              <a:t>14/06/2015</a:t>
             </a:fld>
             <a:endParaRPr lang="fr-BE"/>
           </a:p>
@@ -1847,7 +1854,7 @@
           <a:p>
             <a:fld id="{AA309A6D-C09C-4548-B29A-6CF363A7E532}" type="datetimeFigureOut">
               <a:rPr lang="fr-FR" smtClean="0"/>
-              <a:t>12/06/2015</a:t>
+              <a:t>14/06/2015</a:t>
             </a:fld>
             <a:endParaRPr lang="fr-BE"/>
           </a:p>
@@ -1937,7 +1944,7 @@
           <a:p>
             <a:fld id="{AA309A6D-C09C-4548-B29A-6CF363A7E532}" type="datetimeFigureOut">
               <a:rPr lang="fr-FR" smtClean="0"/>
-              <a:t>12/06/2015</a:t>
+              <a:t>14/06/2015</a:t>
             </a:fld>
             <a:endParaRPr lang="fr-BE"/>
           </a:p>
@@ -2209,7 +2216,7 @@
           <a:p>
             <a:fld id="{AA309A6D-C09C-4548-B29A-6CF363A7E532}" type="datetimeFigureOut">
               <a:rPr lang="fr-FR" smtClean="0"/>
-              <a:t>12/06/2015</a:t>
+              <a:t>14/06/2015</a:t>
             </a:fld>
             <a:endParaRPr lang="fr-BE"/>
           </a:p>
@@ -2457,7 +2464,7 @@
           <a:p>
             <a:fld id="{AA309A6D-C09C-4548-B29A-6CF363A7E532}" type="datetimeFigureOut">
               <a:rPr lang="fr-FR" smtClean="0"/>
-              <a:t>12/06/2015</a:t>
+              <a:t>14/06/2015</a:t>
             </a:fld>
             <a:endParaRPr lang="fr-BE"/>
           </a:p>
@@ -2665,7 +2672,7 @@
           <a:p>
             <a:fld id="{AA309A6D-C09C-4548-B29A-6CF363A7E532}" type="datetimeFigureOut">
               <a:rPr lang="fr-FR" smtClean="0"/>
-              <a:t>12/06/2015</a:t>
+              <a:t>14/06/2015</a:t>
             </a:fld>
             <a:endParaRPr lang="fr-BE"/>
           </a:p>
@@ -3897,6 +3904,5601 @@
     <p:extLst>
       <p:ext uri="{BB962C8B-B14F-4D97-AF65-F5344CB8AC3E}">
         <p14:creationId xmlns:p14="http://schemas.microsoft.com/office/powerpoint/2010/main" val="2102187820"/>
+      </p:ext>
+    </p:extLst>
+  </p:cSld>
+  <p:clrMapOvr>
+    <a:masterClrMapping/>
+  </p:clrMapOvr>
+</p:sld>
+</file>
+
+<file path=ppt/slides/slide2.xml><?xml version="1.0" encoding="utf-8"?>
+<p:sld xmlns:a="http://schemas.openxmlformats.org/drawingml/2006/main" xmlns:r="http://schemas.openxmlformats.org/officeDocument/2006/relationships" xmlns:p="http://schemas.openxmlformats.org/presentationml/2006/main">
+  <p:cSld>
+    <p:spTree>
+      <p:nvGrpSpPr>
+        <p:cNvPr id="1" name=""/>
+        <p:cNvGrpSpPr/>
+        <p:nvPr/>
+      </p:nvGrpSpPr>
+      <p:grpSpPr>
+        <a:xfrm>
+          <a:off x="0" y="0"/>
+          <a:ext cx="0" cy="0"/>
+          <a:chOff x="0" y="0"/>
+          <a:chExt cx="0" cy="0"/>
+        </a:xfrm>
+      </p:grpSpPr>
+      <p:pic>
+        <p:nvPicPr>
+          <p:cNvPr id="1026" name="Picture 2"/>
+          <p:cNvPicPr>
+            <a:picLocks noChangeAspect="1" noChangeArrowheads="1"/>
+          </p:cNvPicPr>
+          <p:nvPr/>
+        </p:nvPicPr>
+        <p:blipFill rotWithShape="1">
+          <a:blip r:embed="rId2">
+            <a:extLst>
+              <a:ext uri="{28A0092B-C50C-407E-A947-70E740481C1C}">
+                <a14:useLocalDpi xmlns:a14="http://schemas.microsoft.com/office/drawing/2010/main" val="0"/>
+              </a:ext>
+            </a:extLst>
+          </a:blip>
+          <a:srcRect t="15909" r="45496" b="8891"/>
+          <a:stretch/>
+        </p:blipFill>
+        <p:spPr bwMode="auto">
+          <a:xfrm>
+            <a:off x="438150" y="1885950"/>
+            <a:ext cx="4505325" cy="3571875"/>
+          </a:xfrm>
+          <a:prstGeom prst="rect">
+            <a:avLst/>
+          </a:prstGeom>
+          <a:noFill/>
+          <a:ln>
+            <a:noFill/>
+          </a:ln>
+          <a:effectLst/>
+          <a:extLst>
+            <a:ext uri="{909E8E84-426E-40DD-AFC4-6F175D3DCCD1}">
+              <a14:hiddenFill xmlns:a14="http://schemas.microsoft.com/office/drawing/2010/main">
+                <a:solidFill>
+                  <a:schemeClr val="accent1"/>
+                </a:solidFill>
+              </a14:hiddenFill>
+            </a:ext>
+            <a:ext uri="{91240B29-F687-4F45-9708-019B960494DF}">
+              <a14:hiddenLine xmlns:a14="http://schemas.microsoft.com/office/drawing/2010/main" w="9525">
+                <a:solidFill>
+                  <a:schemeClr val="tx1"/>
+                </a:solidFill>
+                <a:miter lim="800000"/>
+                <a:headEnd/>
+                <a:tailEnd/>
+              </a14:hiddenLine>
+            </a:ext>
+            <a:ext uri="{AF507438-7753-43E0-B8FC-AC1667EBCBE1}">
+              <a14:hiddenEffects xmlns:a14="http://schemas.microsoft.com/office/drawing/2010/main">
+                <a:effectLst>
+                  <a:outerShdw dist="35921" dir="2700000" algn="ctr" rotWithShape="0">
+                    <a:schemeClr val="bg2"/>
+                  </a:outerShdw>
+                </a:effectLst>
+              </a14:hiddenEffects>
+            </a:ext>
+          </a:extLst>
+        </p:spPr>
+      </p:pic>
+      <p:grpSp>
+        <p:nvGrpSpPr>
+          <p:cNvPr id="5" name="Groupe 4"/>
+          <p:cNvGrpSpPr/>
+          <p:nvPr/>
+        </p:nvGrpSpPr>
+        <p:grpSpPr>
+          <a:xfrm>
+            <a:off x="539552" y="1988840"/>
+            <a:ext cx="4248473" cy="1296144"/>
+            <a:chOff x="539552" y="1988840"/>
+            <a:chExt cx="4248473" cy="1296144"/>
+          </a:xfrm>
+        </p:grpSpPr>
+        <p:sp>
+          <p:nvSpPr>
+            <p:cNvPr id="4" name="Rectangle 3"/>
+            <p:cNvSpPr/>
+            <p:nvPr/>
+          </p:nvSpPr>
+          <p:spPr>
+            <a:xfrm>
+              <a:off x="1115617" y="2780928"/>
+              <a:ext cx="3672408" cy="504056"/>
+            </a:xfrm>
+            <a:prstGeom prst="rect">
+              <a:avLst/>
+            </a:prstGeom>
+          </p:spPr>
+          <p:style>
+            <a:lnRef idx="2">
+              <a:schemeClr val="accent1">
+                <a:shade val="50000"/>
+              </a:schemeClr>
+            </a:lnRef>
+            <a:fillRef idx="1">
+              <a:schemeClr val="accent1"/>
+            </a:fillRef>
+            <a:effectRef idx="0">
+              <a:schemeClr val="accent1"/>
+            </a:effectRef>
+            <a:fontRef idx="minor">
+              <a:schemeClr val="lt1"/>
+            </a:fontRef>
+          </p:style>
+          <p:txBody>
+            <a:bodyPr rtlCol="0" anchor="ctr"/>
+            <a:lstStyle/>
+            <a:p>
+              <a:pPr algn="ctr"/>
+              <a:endParaRPr lang="fr-FR"/>
+            </a:p>
+          </p:txBody>
+        </p:sp>
+        <p:sp>
+          <p:nvSpPr>
+            <p:cNvPr id="6" name="Rectangle 5"/>
+            <p:cNvSpPr/>
+            <p:nvPr/>
+          </p:nvSpPr>
+          <p:spPr>
+            <a:xfrm>
+              <a:off x="539552" y="1988840"/>
+              <a:ext cx="576064" cy="1296144"/>
+            </a:xfrm>
+            <a:prstGeom prst="rect">
+              <a:avLst/>
+            </a:prstGeom>
+          </p:spPr>
+          <p:style>
+            <a:lnRef idx="2">
+              <a:schemeClr val="accent1">
+                <a:shade val="50000"/>
+              </a:schemeClr>
+            </a:lnRef>
+            <a:fillRef idx="1">
+              <a:schemeClr val="accent1"/>
+            </a:fillRef>
+            <a:effectRef idx="0">
+              <a:schemeClr val="accent1"/>
+            </a:effectRef>
+            <a:fontRef idx="minor">
+              <a:schemeClr val="lt1"/>
+            </a:fontRef>
+          </p:style>
+          <p:txBody>
+            <a:bodyPr rtlCol="0" anchor="ctr"/>
+            <a:lstStyle/>
+            <a:p>
+              <a:pPr algn="ctr"/>
+              <a:endParaRPr lang="fr-FR"/>
+            </a:p>
+          </p:txBody>
+        </p:sp>
+      </p:grpSp>
+      <p:grpSp>
+        <p:nvGrpSpPr>
+          <p:cNvPr id="8" name="Groupe 7"/>
+          <p:cNvGrpSpPr/>
+          <p:nvPr/>
+        </p:nvGrpSpPr>
+        <p:grpSpPr>
+          <a:xfrm flipV="1">
+            <a:off x="539552" y="4005064"/>
+            <a:ext cx="4248473" cy="1296144"/>
+            <a:chOff x="539552" y="1988840"/>
+            <a:chExt cx="4248473" cy="1296144"/>
+          </a:xfrm>
+        </p:grpSpPr>
+        <p:sp>
+          <p:nvSpPr>
+            <p:cNvPr id="9" name="Rectangle 8"/>
+            <p:cNvSpPr/>
+            <p:nvPr/>
+          </p:nvSpPr>
+          <p:spPr>
+            <a:xfrm>
+              <a:off x="1115617" y="2780928"/>
+              <a:ext cx="3672408" cy="504056"/>
+            </a:xfrm>
+            <a:prstGeom prst="rect">
+              <a:avLst/>
+            </a:prstGeom>
+          </p:spPr>
+          <p:style>
+            <a:lnRef idx="2">
+              <a:schemeClr val="accent1">
+                <a:shade val="50000"/>
+              </a:schemeClr>
+            </a:lnRef>
+            <a:fillRef idx="1">
+              <a:schemeClr val="accent1"/>
+            </a:fillRef>
+            <a:effectRef idx="0">
+              <a:schemeClr val="accent1"/>
+            </a:effectRef>
+            <a:fontRef idx="minor">
+              <a:schemeClr val="lt1"/>
+            </a:fontRef>
+          </p:style>
+          <p:txBody>
+            <a:bodyPr rtlCol="0" anchor="ctr"/>
+            <a:lstStyle/>
+            <a:p>
+              <a:pPr algn="ctr"/>
+              <a:endParaRPr lang="fr-FR"/>
+            </a:p>
+          </p:txBody>
+        </p:sp>
+        <p:sp>
+          <p:nvSpPr>
+            <p:cNvPr id="10" name="Rectangle 9"/>
+            <p:cNvSpPr/>
+            <p:nvPr/>
+          </p:nvSpPr>
+          <p:spPr>
+            <a:xfrm>
+              <a:off x="539552" y="1988840"/>
+              <a:ext cx="576064" cy="1296144"/>
+            </a:xfrm>
+            <a:prstGeom prst="rect">
+              <a:avLst/>
+            </a:prstGeom>
+          </p:spPr>
+          <p:style>
+            <a:lnRef idx="2">
+              <a:schemeClr val="accent1">
+                <a:shade val="50000"/>
+              </a:schemeClr>
+            </a:lnRef>
+            <a:fillRef idx="1">
+              <a:schemeClr val="accent1"/>
+            </a:fillRef>
+            <a:effectRef idx="0">
+              <a:schemeClr val="accent1"/>
+            </a:effectRef>
+            <a:fontRef idx="minor">
+              <a:schemeClr val="lt1"/>
+            </a:fontRef>
+          </p:style>
+          <p:txBody>
+            <a:bodyPr rtlCol="0" anchor="ctr"/>
+            <a:lstStyle/>
+            <a:p>
+              <a:pPr algn="ctr"/>
+              <a:endParaRPr lang="fr-FR"/>
+            </a:p>
+          </p:txBody>
+        </p:sp>
+      </p:grpSp>
+      <p:cxnSp>
+        <p:nvCxnSpPr>
+          <p:cNvPr id="11" name="Connecteur droit 10"/>
+          <p:cNvCxnSpPr/>
+          <p:nvPr/>
+        </p:nvCxnSpPr>
+        <p:spPr>
+          <a:xfrm>
+            <a:off x="5292080" y="1988840"/>
+            <a:ext cx="0" cy="3312368"/>
+          </a:xfrm>
+          <a:prstGeom prst="line">
+            <a:avLst/>
+          </a:prstGeom>
+          <a:ln w="38100">
+            <a:solidFill>
+              <a:schemeClr val="tx1"/>
+            </a:solidFill>
+          </a:ln>
+        </p:spPr>
+        <p:style>
+          <a:lnRef idx="1">
+            <a:schemeClr val="accent1"/>
+          </a:lnRef>
+          <a:fillRef idx="0">
+            <a:schemeClr val="accent1"/>
+          </a:fillRef>
+          <a:effectRef idx="0">
+            <a:schemeClr val="accent1"/>
+          </a:effectRef>
+          <a:fontRef idx="minor">
+            <a:schemeClr val="tx1"/>
+          </a:fontRef>
+        </p:style>
+      </p:cxnSp>
+      <p:cxnSp>
+        <p:nvCxnSpPr>
+          <p:cNvPr id="13" name="Connecteur droit 12"/>
+          <p:cNvCxnSpPr/>
+          <p:nvPr/>
+        </p:nvCxnSpPr>
+        <p:spPr>
+          <a:xfrm>
+            <a:off x="5292080" y="1988840"/>
+            <a:ext cx="720080" cy="0"/>
+          </a:xfrm>
+          <a:prstGeom prst="line">
+            <a:avLst/>
+          </a:prstGeom>
+          <a:ln w="38100">
+            <a:solidFill>
+              <a:schemeClr val="tx1"/>
+            </a:solidFill>
+          </a:ln>
+        </p:spPr>
+        <p:style>
+          <a:lnRef idx="1">
+            <a:schemeClr val="accent1"/>
+          </a:lnRef>
+          <a:fillRef idx="0">
+            <a:schemeClr val="accent1"/>
+          </a:fillRef>
+          <a:effectRef idx="0">
+            <a:schemeClr val="accent1"/>
+          </a:effectRef>
+          <a:fontRef idx="minor">
+            <a:schemeClr val="tx1"/>
+          </a:fontRef>
+        </p:style>
+      </p:cxnSp>
+      <p:cxnSp>
+        <p:nvCxnSpPr>
+          <p:cNvPr id="16" name="Connecteur droit 15"/>
+          <p:cNvCxnSpPr/>
+          <p:nvPr/>
+        </p:nvCxnSpPr>
+        <p:spPr>
+          <a:xfrm>
+            <a:off x="5292080" y="5301208"/>
+            <a:ext cx="720080" cy="0"/>
+          </a:xfrm>
+          <a:prstGeom prst="line">
+            <a:avLst/>
+          </a:prstGeom>
+          <a:ln w="38100">
+            <a:solidFill>
+              <a:schemeClr val="tx1"/>
+            </a:solidFill>
+          </a:ln>
+        </p:spPr>
+        <p:style>
+          <a:lnRef idx="1">
+            <a:schemeClr val="accent1"/>
+          </a:lnRef>
+          <a:fillRef idx="0">
+            <a:schemeClr val="accent1"/>
+          </a:fillRef>
+          <a:effectRef idx="0">
+            <a:schemeClr val="accent1"/>
+          </a:effectRef>
+          <a:fontRef idx="minor">
+            <a:schemeClr val="tx1"/>
+          </a:fontRef>
+        </p:style>
+      </p:cxnSp>
+      <p:cxnSp>
+        <p:nvCxnSpPr>
+          <p:cNvPr id="17" name="Connecteur droit 16"/>
+          <p:cNvCxnSpPr/>
+          <p:nvPr/>
+        </p:nvCxnSpPr>
+        <p:spPr>
+          <a:xfrm>
+            <a:off x="6012160" y="4502570"/>
+            <a:ext cx="0" cy="798637"/>
+          </a:xfrm>
+          <a:prstGeom prst="line">
+            <a:avLst/>
+          </a:prstGeom>
+          <a:ln w="38100">
+            <a:solidFill>
+              <a:schemeClr val="tx1"/>
+            </a:solidFill>
+          </a:ln>
+        </p:spPr>
+        <p:style>
+          <a:lnRef idx="1">
+            <a:schemeClr val="accent1"/>
+          </a:lnRef>
+          <a:fillRef idx="0">
+            <a:schemeClr val="accent1"/>
+          </a:fillRef>
+          <a:effectRef idx="0">
+            <a:schemeClr val="accent1"/>
+          </a:effectRef>
+          <a:fontRef idx="minor">
+            <a:schemeClr val="tx1"/>
+          </a:fontRef>
+        </p:style>
+      </p:cxnSp>
+      <p:cxnSp>
+        <p:nvCxnSpPr>
+          <p:cNvPr id="19" name="Connecteur droit 18"/>
+          <p:cNvCxnSpPr/>
+          <p:nvPr/>
+        </p:nvCxnSpPr>
+        <p:spPr>
+          <a:xfrm>
+            <a:off x="6019750" y="1982291"/>
+            <a:ext cx="0" cy="798637"/>
+          </a:xfrm>
+          <a:prstGeom prst="line">
+            <a:avLst/>
+          </a:prstGeom>
+          <a:ln w="38100">
+            <a:solidFill>
+              <a:schemeClr val="tx1"/>
+            </a:solidFill>
+          </a:ln>
+        </p:spPr>
+        <p:style>
+          <a:lnRef idx="1">
+            <a:schemeClr val="accent1"/>
+          </a:lnRef>
+          <a:fillRef idx="0">
+            <a:schemeClr val="accent1"/>
+          </a:fillRef>
+          <a:effectRef idx="0">
+            <a:schemeClr val="accent1"/>
+          </a:effectRef>
+          <a:fontRef idx="minor">
+            <a:schemeClr val="tx1"/>
+          </a:fontRef>
+        </p:style>
+      </p:cxnSp>
+      <p:cxnSp>
+        <p:nvCxnSpPr>
+          <p:cNvPr id="20" name="Connecteur droit 19"/>
+          <p:cNvCxnSpPr/>
+          <p:nvPr/>
+        </p:nvCxnSpPr>
+        <p:spPr>
+          <a:xfrm>
+            <a:off x="6012159" y="2779043"/>
+            <a:ext cx="3672409" cy="0"/>
+          </a:xfrm>
+          <a:prstGeom prst="line">
+            <a:avLst/>
+          </a:prstGeom>
+          <a:ln w="38100">
+            <a:solidFill>
+              <a:schemeClr val="tx1"/>
+            </a:solidFill>
+          </a:ln>
+        </p:spPr>
+        <p:style>
+          <a:lnRef idx="1">
+            <a:schemeClr val="accent1"/>
+          </a:lnRef>
+          <a:fillRef idx="0">
+            <a:schemeClr val="accent1"/>
+          </a:fillRef>
+          <a:effectRef idx="0">
+            <a:schemeClr val="accent1"/>
+          </a:effectRef>
+          <a:fontRef idx="minor">
+            <a:schemeClr val="tx1"/>
+          </a:fontRef>
+        </p:style>
+      </p:cxnSp>
+      <p:cxnSp>
+        <p:nvCxnSpPr>
+          <p:cNvPr id="22" name="Connecteur droit 21"/>
+          <p:cNvCxnSpPr/>
+          <p:nvPr/>
+        </p:nvCxnSpPr>
+        <p:spPr>
+          <a:xfrm flipH="1">
+            <a:off x="9684568" y="2776872"/>
+            <a:ext cx="1" cy="1725698"/>
+          </a:xfrm>
+          <a:prstGeom prst="line">
+            <a:avLst/>
+          </a:prstGeom>
+          <a:ln w="38100">
+            <a:solidFill>
+              <a:schemeClr val="tx1"/>
+            </a:solidFill>
+          </a:ln>
+        </p:spPr>
+        <p:style>
+          <a:lnRef idx="1">
+            <a:schemeClr val="accent1"/>
+          </a:lnRef>
+          <a:fillRef idx="0">
+            <a:schemeClr val="accent1"/>
+          </a:fillRef>
+          <a:effectRef idx="0">
+            <a:schemeClr val="accent1"/>
+          </a:effectRef>
+          <a:fontRef idx="minor">
+            <a:schemeClr val="tx1"/>
+          </a:fontRef>
+        </p:style>
+      </p:cxnSp>
+      <p:cxnSp>
+        <p:nvCxnSpPr>
+          <p:cNvPr id="23" name="Connecteur droit 22"/>
+          <p:cNvCxnSpPr/>
+          <p:nvPr/>
+        </p:nvCxnSpPr>
+        <p:spPr>
+          <a:xfrm>
+            <a:off x="6012160" y="4509120"/>
+            <a:ext cx="3672409" cy="0"/>
+          </a:xfrm>
+          <a:prstGeom prst="line">
+            <a:avLst/>
+          </a:prstGeom>
+          <a:ln w="38100">
+            <a:solidFill>
+              <a:schemeClr val="tx1"/>
+            </a:solidFill>
+          </a:ln>
+        </p:spPr>
+        <p:style>
+          <a:lnRef idx="1">
+            <a:schemeClr val="accent1"/>
+          </a:lnRef>
+          <a:fillRef idx="0">
+            <a:schemeClr val="accent1"/>
+          </a:fillRef>
+          <a:effectRef idx="0">
+            <a:schemeClr val="accent1"/>
+          </a:effectRef>
+          <a:fontRef idx="minor">
+            <a:schemeClr val="tx1"/>
+          </a:fontRef>
+        </p:style>
+      </p:cxnSp>
+      <p:cxnSp>
+        <p:nvCxnSpPr>
+          <p:cNvPr id="26" name="Connecteur droit 25"/>
+          <p:cNvCxnSpPr/>
+          <p:nvPr/>
+        </p:nvCxnSpPr>
+        <p:spPr>
+          <a:xfrm>
+            <a:off x="5292080" y="3284984"/>
+            <a:ext cx="4392489" cy="0"/>
+          </a:xfrm>
+          <a:prstGeom prst="line">
+            <a:avLst/>
+          </a:prstGeom>
+          <a:ln w="38100">
+            <a:solidFill>
+              <a:schemeClr val="tx1"/>
+            </a:solidFill>
+          </a:ln>
+        </p:spPr>
+        <p:style>
+          <a:lnRef idx="1">
+            <a:schemeClr val="accent1"/>
+          </a:lnRef>
+          <a:fillRef idx="0">
+            <a:schemeClr val="accent1"/>
+          </a:fillRef>
+          <a:effectRef idx="0">
+            <a:schemeClr val="accent1"/>
+          </a:effectRef>
+          <a:fontRef idx="minor">
+            <a:schemeClr val="tx1"/>
+          </a:fontRef>
+        </p:style>
+      </p:cxnSp>
+      <p:cxnSp>
+        <p:nvCxnSpPr>
+          <p:cNvPr id="28" name="Connecteur droit 27"/>
+          <p:cNvCxnSpPr/>
+          <p:nvPr/>
+        </p:nvCxnSpPr>
+        <p:spPr>
+          <a:xfrm>
+            <a:off x="5292079" y="4005064"/>
+            <a:ext cx="4392489" cy="0"/>
+          </a:xfrm>
+          <a:prstGeom prst="line">
+            <a:avLst/>
+          </a:prstGeom>
+          <a:ln w="38100">
+            <a:solidFill>
+              <a:schemeClr val="tx1"/>
+            </a:solidFill>
+          </a:ln>
+        </p:spPr>
+        <p:style>
+          <a:lnRef idx="1">
+            <a:schemeClr val="accent1"/>
+          </a:lnRef>
+          <a:fillRef idx="0">
+            <a:schemeClr val="accent1"/>
+          </a:fillRef>
+          <a:effectRef idx="0">
+            <a:schemeClr val="accent1"/>
+          </a:effectRef>
+          <a:fontRef idx="minor">
+            <a:schemeClr val="tx1"/>
+          </a:fontRef>
+        </p:style>
+      </p:cxnSp>
+      <p:cxnSp>
+        <p:nvCxnSpPr>
+          <p:cNvPr id="29" name="Connecteur droit 28"/>
+          <p:cNvCxnSpPr/>
+          <p:nvPr/>
+        </p:nvCxnSpPr>
+        <p:spPr>
+          <a:xfrm>
+            <a:off x="5009765" y="3671887"/>
+            <a:ext cx="4957117" cy="0"/>
+          </a:xfrm>
+          <a:prstGeom prst="line">
+            <a:avLst/>
+          </a:prstGeom>
+          <a:ln w="19050">
+            <a:solidFill>
+              <a:schemeClr val="tx1"/>
+            </a:solidFill>
+            <a:prstDash val="lgDashDot"/>
+          </a:ln>
+        </p:spPr>
+        <p:style>
+          <a:lnRef idx="1">
+            <a:schemeClr val="accent1"/>
+          </a:lnRef>
+          <a:fillRef idx="0">
+            <a:schemeClr val="accent1"/>
+          </a:fillRef>
+          <a:effectRef idx="0">
+            <a:schemeClr val="accent1"/>
+          </a:effectRef>
+          <a:fontRef idx="minor">
+            <a:schemeClr val="tx1"/>
+          </a:fontRef>
+        </p:style>
+      </p:cxnSp>
+      <p:cxnSp>
+        <p:nvCxnSpPr>
+          <p:cNvPr id="38" name="Connecteur droit 37"/>
+          <p:cNvCxnSpPr/>
+          <p:nvPr/>
+        </p:nvCxnSpPr>
+        <p:spPr>
+          <a:xfrm flipH="1">
+            <a:off x="5284488" y="4581127"/>
+            <a:ext cx="727671" cy="720080"/>
+          </a:xfrm>
+          <a:prstGeom prst="line">
+            <a:avLst/>
+          </a:prstGeom>
+          <a:ln w="19050">
+            <a:solidFill>
+              <a:schemeClr val="tx1"/>
+            </a:solidFill>
+          </a:ln>
+        </p:spPr>
+        <p:style>
+          <a:lnRef idx="1">
+            <a:schemeClr val="accent1"/>
+          </a:lnRef>
+          <a:fillRef idx="0">
+            <a:schemeClr val="accent1"/>
+          </a:fillRef>
+          <a:effectRef idx="0">
+            <a:schemeClr val="accent1"/>
+          </a:effectRef>
+          <a:fontRef idx="minor">
+            <a:schemeClr val="tx1"/>
+          </a:fontRef>
+        </p:style>
+      </p:cxnSp>
+      <p:cxnSp>
+        <p:nvCxnSpPr>
+          <p:cNvPr id="65" name="Connecteur droit 64"/>
+          <p:cNvCxnSpPr/>
+          <p:nvPr/>
+        </p:nvCxnSpPr>
+        <p:spPr>
+          <a:xfrm flipH="1">
+            <a:off x="5284488" y="4005064"/>
+            <a:ext cx="1091506" cy="1080120"/>
+          </a:xfrm>
+          <a:prstGeom prst="line">
+            <a:avLst/>
+          </a:prstGeom>
+          <a:ln w="19050">
+            <a:solidFill>
+              <a:schemeClr val="tx1"/>
+            </a:solidFill>
+          </a:ln>
+        </p:spPr>
+        <p:style>
+          <a:lnRef idx="1">
+            <a:schemeClr val="accent1"/>
+          </a:lnRef>
+          <a:fillRef idx="0">
+            <a:schemeClr val="accent1"/>
+          </a:fillRef>
+          <a:effectRef idx="0">
+            <a:schemeClr val="accent1"/>
+          </a:effectRef>
+          <a:fontRef idx="minor">
+            <a:schemeClr val="tx1"/>
+          </a:fontRef>
+        </p:style>
+      </p:cxnSp>
+      <p:cxnSp>
+        <p:nvCxnSpPr>
+          <p:cNvPr id="66" name="Connecteur droit 65"/>
+          <p:cNvCxnSpPr/>
+          <p:nvPr/>
+        </p:nvCxnSpPr>
+        <p:spPr>
+          <a:xfrm flipH="1">
+            <a:off x="5292081" y="4005064"/>
+            <a:ext cx="866585" cy="857546"/>
+          </a:xfrm>
+          <a:prstGeom prst="line">
+            <a:avLst/>
+          </a:prstGeom>
+          <a:ln w="19050">
+            <a:solidFill>
+              <a:schemeClr val="tx1"/>
+            </a:solidFill>
+          </a:ln>
+        </p:spPr>
+        <p:style>
+          <a:lnRef idx="1">
+            <a:schemeClr val="accent1"/>
+          </a:lnRef>
+          <a:fillRef idx="0">
+            <a:schemeClr val="accent1"/>
+          </a:fillRef>
+          <a:effectRef idx="0">
+            <a:schemeClr val="accent1"/>
+          </a:effectRef>
+          <a:fontRef idx="minor">
+            <a:schemeClr val="tx1"/>
+          </a:fontRef>
+        </p:style>
+      </p:cxnSp>
+      <p:cxnSp>
+        <p:nvCxnSpPr>
+          <p:cNvPr id="69" name="Connecteur droit 68"/>
+          <p:cNvCxnSpPr/>
+          <p:nvPr/>
+        </p:nvCxnSpPr>
+        <p:spPr>
+          <a:xfrm flipH="1">
+            <a:off x="5284488" y="4005064"/>
+            <a:ext cx="654904" cy="648072"/>
+          </a:xfrm>
+          <a:prstGeom prst="line">
+            <a:avLst/>
+          </a:prstGeom>
+          <a:ln w="19050">
+            <a:solidFill>
+              <a:schemeClr val="tx1"/>
+            </a:solidFill>
+          </a:ln>
+        </p:spPr>
+        <p:style>
+          <a:lnRef idx="1">
+            <a:schemeClr val="accent1"/>
+          </a:lnRef>
+          <a:fillRef idx="0">
+            <a:schemeClr val="accent1"/>
+          </a:fillRef>
+          <a:effectRef idx="0">
+            <a:schemeClr val="accent1"/>
+          </a:effectRef>
+          <a:fontRef idx="minor">
+            <a:schemeClr val="tx1"/>
+          </a:fontRef>
+        </p:style>
+      </p:cxnSp>
+      <p:cxnSp>
+        <p:nvCxnSpPr>
+          <p:cNvPr id="71" name="Connecteur droit 70"/>
+          <p:cNvCxnSpPr/>
+          <p:nvPr/>
+        </p:nvCxnSpPr>
+        <p:spPr>
+          <a:xfrm flipH="1">
+            <a:off x="5284488" y="4005064"/>
+            <a:ext cx="433293" cy="428773"/>
+          </a:xfrm>
+          <a:prstGeom prst="line">
+            <a:avLst/>
+          </a:prstGeom>
+          <a:ln w="19050">
+            <a:solidFill>
+              <a:schemeClr val="tx1"/>
+            </a:solidFill>
+          </a:ln>
+        </p:spPr>
+        <p:style>
+          <a:lnRef idx="1">
+            <a:schemeClr val="accent1"/>
+          </a:lnRef>
+          <a:fillRef idx="0">
+            <a:schemeClr val="accent1"/>
+          </a:fillRef>
+          <a:effectRef idx="0">
+            <a:schemeClr val="accent1"/>
+          </a:effectRef>
+          <a:fontRef idx="minor">
+            <a:schemeClr val="tx1"/>
+          </a:fontRef>
+        </p:style>
+      </p:cxnSp>
+      <p:cxnSp>
+        <p:nvCxnSpPr>
+          <p:cNvPr id="73" name="Connecteur droit 72"/>
+          <p:cNvCxnSpPr/>
+          <p:nvPr/>
+        </p:nvCxnSpPr>
+        <p:spPr>
+          <a:xfrm flipH="1">
+            <a:off x="5292080" y="4005064"/>
+            <a:ext cx="216645" cy="214386"/>
+          </a:xfrm>
+          <a:prstGeom prst="line">
+            <a:avLst/>
+          </a:prstGeom>
+          <a:ln w="19050">
+            <a:solidFill>
+              <a:schemeClr val="tx1"/>
+            </a:solidFill>
+          </a:ln>
+        </p:spPr>
+        <p:style>
+          <a:lnRef idx="1">
+            <a:schemeClr val="accent1"/>
+          </a:lnRef>
+          <a:fillRef idx="0">
+            <a:schemeClr val="accent1"/>
+          </a:fillRef>
+          <a:effectRef idx="0">
+            <a:schemeClr val="accent1"/>
+          </a:effectRef>
+          <a:fontRef idx="minor">
+            <a:schemeClr val="tx1"/>
+          </a:fontRef>
+        </p:style>
+      </p:cxnSp>
+      <p:cxnSp>
+        <p:nvCxnSpPr>
+          <p:cNvPr id="75" name="Connecteur droit 74"/>
+          <p:cNvCxnSpPr/>
+          <p:nvPr/>
+        </p:nvCxnSpPr>
+        <p:spPr>
+          <a:xfrm flipH="1">
+            <a:off x="5499494" y="4797152"/>
+            <a:ext cx="509369" cy="504056"/>
+          </a:xfrm>
+          <a:prstGeom prst="line">
+            <a:avLst/>
+          </a:prstGeom>
+          <a:ln w="19050">
+            <a:solidFill>
+              <a:schemeClr val="tx1"/>
+            </a:solidFill>
+          </a:ln>
+        </p:spPr>
+        <p:style>
+          <a:lnRef idx="1">
+            <a:schemeClr val="accent1"/>
+          </a:lnRef>
+          <a:fillRef idx="0">
+            <a:schemeClr val="accent1"/>
+          </a:fillRef>
+          <a:effectRef idx="0">
+            <a:schemeClr val="accent1"/>
+          </a:effectRef>
+          <a:fontRef idx="minor">
+            <a:schemeClr val="tx1"/>
+          </a:fontRef>
+        </p:style>
+      </p:cxnSp>
+      <p:cxnSp>
+        <p:nvCxnSpPr>
+          <p:cNvPr id="77" name="Connecteur droit 76"/>
+          <p:cNvCxnSpPr/>
+          <p:nvPr/>
+        </p:nvCxnSpPr>
+        <p:spPr>
+          <a:xfrm flipH="1">
+            <a:off x="5717781" y="4998838"/>
+            <a:ext cx="294379" cy="291308"/>
+          </a:xfrm>
+          <a:prstGeom prst="line">
+            <a:avLst/>
+          </a:prstGeom>
+          <a:ln w="19050">
+            <a:solidFill>
+              <a:schemeClr val="tx1"/>
+            </a:solidFill>
+          </a:ln>
+        </p:spPr>
+        <p:style>
+          <a:lnRef idx="1">
+            <a:schemeClr val="accent1"/>
+          </a:lnRef>
+          <a:fillRef idx="0">
+            <a:schemeClr val="accent1"/>
+          </a:fillRef>
+          <a:effectRef idx="0">
+            <a:schemeClr val="accent1"/>
+          </a:effectRef>
+          <a:fontRef idx="minor">
+            <a:schemeClr val="tx1"/>
+          </a:fontRef>
+        </p:style>
+      </p:cxnSp>
+      <p:cxnSp>
+        <p:nvCxnSpPr>
+          <p:cNvPr id="80" name="Connecteur droit 79"/>
+          <p:cNvCxnSpPr/>
+          <p:nvPr/>
+        </p:nvCxnSpPr>
+        <p:spPr>
+          <a:xfrm flipH="1">
+            <a:off x="5939393" y="5229200"/>
+            <a:ext cx="72765" cy="72007"/>
+          </a:xfrm>
+          <a:prstGeom prst="line">
+            <a:avLst/>
+          </a:prstGeom>
+          <a:ln w="19050">
+            <a:solidFill>
+              <a:schemeClr val="tx1"/>
+            </a:solidFill>
+          </a:ln>
+        </p:spPr>
+        <p:style>
+          <a:lnRef idx="1">
+            <a:schemeClr val="accent1"/>
+          </a:lnRef>
+          <a:fillRef idx="0">
+            <a:schemeClr val="accent1"/>
+          </a:fillRef>
+          <a:effectRef idx="0">
+            <a:schemeClr val="accent1"/>
+          </a:effectRef>
+          <a:fontRef idx="minor">
+            <a:schemeClr val="tx1"/>
+          </a:fontRef>
+        </p:style>
+      </p:cxnSp>
+      <p:cxnSp>
+        <p:nvCxnSpPr>
+          <p:cNvPr id="82" name="Connecteur droit 81"/>
+          <p:cNvCxnSpPr/>
+          <p:nvPr/>
+        </p:nvCxnSpPr>
+        <p:spPr>
+          <a:xfrm flipH="1">
+            <a:off x="6084168" y="4009601"/>
+            <a:ext cx="500199" cy="494981"/>
+          </a:xfrm>
+          <a:prstGeom prst="line">
+            <a:avLst/>
+          </a:prstGeom>
+          <a:ln w="19050">
+            <a:solidFill>
+              <a:schemeClr val="tx1"/>
+            </a:solidFill>
+          </a:ln>
+        </p:spPr>
+        <p:style>
+          <a:lnRef idx="1">
+            <a:schemeClr val="accent1"/>
+          </a:lnRef>
+          <a:fillRef idx="0">
+            <a:schemeClr val="accent1"/>
+          </a:fillRef>
+          <a:effectRef idx="0">
+            <a:schemeClr val="accent1"/>
+          </a:effectRef>
+          <a:fontRef idx="minor">
+            <a:schemeClr val="tx1"/>
+          </a:fontRef>
+        </p:style>
+      </p:cxnSp>
+      <p:cxnSp>
+        <p:nvCxnSpPr>
+          <p:cNvPr id="84" name="Connecteur droit 83"/>
+          <p:cNvCxnSpPr/>
+          <p:nvPr/>
+        </p:nvCxnSpPr>
+        <p:spPr>
+          <a:xfrm flipH="1">
+            <a:off x="6310308" y="4009601"/>
+            <a:ext cx="500199" cy="494981"/>
+          </a:xfrm>
+          <a:prstGeom prst="line">
+            <a:avLst/>
+          </a:prstGeom>
+          <a:ln w="19050">
+            <a:solidFill>
+              <a:schemeClr val="tx1"/>
+            </a:solidFill>
+          </a:ln>
+        </p:spPr>
+        <p:style>
+          <a:lnRef idx="1">
+            <a:schemeClr val="accent1"/>
+          </a:lnRef>
+          <a:fillRef idx="0">
+            <a:schemeClr val="accent1"/>
+          </a:fillRef>
+          <a:effectRef idx="0">
+            <a:schemeClr val="accent1"/>
+          </a:effectRef>
+          <a:fontRef idx="minor">
+            <a:schemeClr val="tx1"/>
+          </a:fontRef>
+        </p:style>
+      </p:cxnSp>
+      <p:cxnSp>
+        <p:nvCxnSpPr>
+          <p:cNvPr id="85" name="Connecteur droit 84"/>
+          <p:cNvCxnSpPr/>
+          <p:nvPr/>
+        </p:nvCxnSpPr>
+        <p:spPr>
+          <a:xfrm flipH="1">
+            <a:off x="6536448" y="4009601"/>
+            <a:ext cx="500199" cy="494981"/>
+          </a:xfrm>
+          <a:prstGeom prst="line">
+            <a:avLst/>
+          </a:prstGeom>
+          <a:ln w="19050">
+            <a:solidFill>
+              <a:schemeClr val="tx1"/>
+            </a:solidFill>
+          </a:ln>
+        </p:spPr>
+        <p:style>
+          <a:lnRef idx="1">
+            <a:schemeClr val="accent1"/>
+          </a:lnRef>
+          <a:fillRef idx="0">
+            <a:schemeClr val="accent1"/>
+          </a:fillRef>
+          <a:effectRef idx="0">
+            <a:schemeClr val="accent1"/>
+          </a:effectRef>
+          <a:fontRef idx="minor">
+            <a:schemeClr val="tx1"/>
+          </a:fontRef>
+        </p:style>
+      </p:cxnSp>
+      <p:cxnSp>
+        <p:nvCxnSpPr>
+          <p:cNvPr id="86" name="Connecteur droit 85"/>
+          <p:cNvCxnSpPr/>
+          <p:nvPr/>
+        </p:nvCxnSpPr>
+        <p:spPr>
+          <a:xfrm flipH="1">
+            <a:off x="6762588" y="4009601"/>
+            <a:ext cx="500199" cy="494981"/>
+          </a:xfrm>
+          <a:prstGeom prst="line">
+            <a:avLst/>
+          </a:prstGeom>
+          <a:ln w="19050">
+            <a:solidFill>
+              <a:schemeClr val="tx1"/>
+            </a:solidFill>
+          </a:ln>
+        </p:spPr>
+        <p:style>
+          <a:lnRef idx="1">
+            <a:schemeClr val="accent1"/>
+          </a:lnRef>
+          <a:fillRef idx="0">
+            <a:schemeClr val="accent1"/>
+          </a:fillRef>
+          <a:effectRef idx="0">
+            <a:schemeClr val="accent1"/>
+          </a:effectRef>
+          <a:fontRef idx="minor">
+            <a:schemeClr val="tx1"/>
+          </a:fontRef>
+        </p:style>
+      </p:cxnSp>
+      <p:cxnSp>
+        <p:nvCxnSpPr>
+          <p:cNvPr id="87" name="Connecteur droit 86"/>
+          <p:cNvCxnSpPr/>
+          <p:nvPr/>
+        </p:nvCxnSpPr>
+        <p:spPr>
+          <a:xfrm flipH="1">
+            <a:off x="6988728" y="4009601"/>
+            <a:ext cx="500199" cy="494981"/>
+          </a:xfrm>
+          <a:prstGeom prst="line">
+            <a:avLst/>
+          </a:prstGeom>
+          <a:ln w="19050">
+            <a:solidFill>
+              <a:schemeClr val="tx1"/>
+            </a:solidFill>
+          </a:ln>
+        </p:spPr>
+        <p:style>
+          <a:lnRef idx="1">
+            <a:schemeClr val="accent1"/>
+          </a:lnRef>
+          <a:fillRef idx="0">
+            <a:schemeClr val="accent1"/>
+          </a:fillRef>
+          <a:effectRef idx="0">
+            <a:schemeClr val="accent1"/>
+          </a:effectRef>
+          <a:fontRef idx="minor">
+            <a:schemeClr val="tx1"/>
+          </a:fontRef>
+        </p:style>
+      </p:cxnSp>
+      <p:cxnSp>
+        <p:nvCxnSpPr>
+          <p:cNvPr id="88" name="Connecteur droit 87"/>
+          <p:cNvCxnSpPr/>
+          <p:nvPr/>
+        </p:nvCxnSpPr>
+        <p:spPr>
+          <a:xfrm flipH="1">
+            <a:off x="7214868" y="4009601"/>
+            <a:ext cx="500199" cy="494981"/>
+          </a:xfrm>
+          <a:prstGeom prst="line">
+            <a:avLst/>
+          </a:prstGeom>
+          <a:ln w="19050">
+            <a:solidFill>
+              <a:schemeClr val="tx1"/>
+            </a:solidFill>
+          </a:ln>
+        </p:spPr>
+        <p:style>
+          <a:lnRef idx="1">
+            <a:schemeClr val="accent1"/>
+          </a:lnRef>
+          <a:fillRef idx="0">
+            <a:schemeClr val="accent1"/>
+          </a:fillRef>
+          <a:effectRef idx="0">
+            <a:schemeClr val="accent1"/>
+          </a:effectRef>
+          <a:fontRef idx="minor">
+            <a:schemeClr val="tx1"/>
+          </a:fontRef>
+        </p:style>
+      </p:cxnSp>
+      <p:cxnSp>
+        <p:nvCxnSpPr>
+          <p:cNvPr id="89" name="Connecteur droit 88"/>
+          <p:cNvCxnSpPr/>
+          <p:nvPr/>
+        </p:nvCxnSpPr>
+        <p:spPr>
+          <a:xfrm flipH="1">
+            <a:off x="7441008" y="4009601"/>
+            <a:ext cx="500199" cy="494981"/>
+          </a:xfrm>
+          <a:prstGeom prst="line">
+            <a:avLst/>
+          </a:prstGeom>
+          <a:ln w="19050">
+            <a:solidFill>
+              <a:schemeClr val="tx1"/>
+            </a:solidFill>
+          </a:ln>
+        </p:spPr>
+        <p:style>
+          <a:lnRef idx="1">
+            <a:schemeClr val="accent1"/>
+          </a:lnRef>
+          <a:fillRef idx="0">
+            <a:schemeClr val="accent1"/>
+          </a:fillRef>
+          <a:effectRef idx="0">
+            <a:schemeClr val="accent1"/>
+          </a:effectRef>
+          <a:fontRef idx="minor">
+            <a:schemeClr val="tx1"/>
+          </a:fontRef>
+        </p:style>
+      </p:cxnSp>
+      <p:cxnSp>
+        <p:nvCxnSpPr>
+          <p:cNvPr id="90" name="Connecteur droit 89"/>
+          <p:cNvCxnSpPr/>
+          <p:nvPr/>
+        </p:nvCxnSpPr>
+        <p:spPr>
+          <a:xfrm flipH="1">
+            <a:off x="7667148" y="4009601"/>
+            <a:ext cx="500199" cy="494981"/>
+          </a:xfrm>
+          <a:prstGeom prst="line">
+            <a:avLst/>
+          </a:prstGeom>
+          <a:ln w="19050">
+            <a:solidFill>
+              <a:schemeClr val="tx1"/>
+            </a:solidFill>
+          </a:ln>
+        </p:spPr>
+        <p:style>
+          <a:lnRef idx="1">
+            <a:schemeClr val="accent1"/>
+          </a:lnRef>
+          <a:fillRef idx="0">
+            <a:schemeClr val="accent1"/>
+          </a:fillRef>
+          <a:effectRef idx="0">
+            <a:schemeClr val="accent1"/>
+          </a:effectRef>
+          <a:fontRef idx="minor">
+            <a:schemeClr val="tx1"/>
+          </a:fontRef>
+        </p:style>
+      </p:cxnSp>
+      <p:cxnSp>
+        <p:nvCxnSpPr>
+          <p:cNvPr id="91" name="Connecteur droit 90"/>
+          <p:cNvCxnSpPr/>
+          <p:nvPr/>
+        </p:nvCxnSpPr>
+        <p:spPr>
+          <a:xfrm flipH="1">
+            <a:off x="7893288" y="4009601"/>
+            <a:ext cx="500199" cy="494981"/>
+          </a:xfrm>
+          <a:prstGeom prst="line">
+            <a:avLst/>
+          </a:prstGeom>
+          <a:ln w="19050">
+            <a:solidFill>
+              <a:schemeClr val="tx1"/>
+            </a:solidFill>
+          </a:ln>
+        </p:spPr>
+        <p:style>
+          <a:lnRef idx="1">
+            <a:schemeClr val="accent1"/>
+          </a:lnRef>
+          <a:fillRef idx="0">
+            <a:schemeClr val="accent1"/>
+          </a:fillRef>
+          <a:effectRef idx="0">
+            <a:schemeClr val="accent1"/>
+          </a:effectRef>
+          <a:fontRef idx="minor">
+            <a:schemeClr val="tx1"/>
+          </a:fontRef>
+        </p:style>
+      </p:cxnSp>
+      <p:cxnSp>
+        <p:nvCxnSpPr>
+          <p:cNvPr id="92" name="Connecteur droit 91"/>
+          <p:cNvCxnSpPr/>
+          <p:nvPr/>
+        </p:nvCxnSpPr>
+        <p:spPr>
+          <a:xfrm flipH="1">
+            <a:off x="8119428" y="4009601"/>
+            <a:ext cx="500199" cy="494981"/>
+          </a:xfrm>
+          <a:prstGeom prst="line">
+            <a:avLst/>
+          </a:prstGeom>
+          <a:ln w="19050">
+            <a:solidFill>
+              <a:schemeClr val="tx1"/>
+            </a:solidFill>
+          </a:ln>
+        </p:spPr>
+        <p:style>
+          <a:lnRef idx="1">
+            <a:schemeClr val="accent1"/>
+          </a:lnRef>
+          <a:fillRef idx="0">
+            <a:schemeClr val="accent1"/>
+          </a:fillRef>
+          <a:effectRef idx="0">
+            <a:schemeClr val="accent1"/>
+          </a:effectRef>
+          <a:fontRef idx="minor">
+            <a:schemeClr val="tx1"/>
+          </a:fontRef>
+        </p:style>
+      </p:cxnSp>
+      <p:cxnSp>
+        <p:nvCxnSpPr>
+          <p:cNvPr id="93" name="Connecteur droit 92"/>
+          <p:cNvCxnSpPr/>
+          <p:nvPr/>
+        </p:nvCxnSpPr>
+        <p:spPr>
+          <a:xfrm flipH="1">
+            <a:off x="8345568" y="4009601"/>
+            <a:ext cx="500199" cy="494981"/>
+          </a:xfrm>
+          <a:prstGeom prst="line">
+            <a:avLst/>
+          </a:prstGeom>
+          <a:ln w="19050">
+            <a:solidFill>
+              <a:schemeClr val="tx1"/>
+            </a:solidFill>
+          </a:ln>
+        </p:spPr>
+        <p:style>
+          <a:lnRef idx="1">
+            <a:schemeClr val="accent1"/>
+          </a:lnRef>
+          <a:fillRef idx="0">
+            <a:schemeClr val="accent1"/>
+          </a:fillRef>
+          <a:effectRef idx="0">
+            <a:schemeClr val="accent1"/>
+          </a:effectRef>
+          <a:fontRef idx="minor">
+            <a:schemeClr val="tx1"/>
+          </a:fontRef>
+        </p:style>
+      </p:cxnSp>
+      <p:cxnSp>
+        <p:nvCxnSpPr>
+          <p:cNvPr id="94" name="Connecteur droit 93"/>
+          <p:cNvCxnSpPr/>
+          <p:nvPr/>
+        </p:nvCxnSpPr>
+        <p:spPr>
+          <a:xfrm flipH="1">
+            <a:off x="8571708" y="4009601"/>
+            <a:ext cx="500199" cy="494981"/>
+          </a:xfrm>
+          <a:prstGeom prst="line">
+            <a:avLst/>
+          </a:prstGeom>
+          <a:ln w="19050">
+            <a:solidFill>
+              <a:schemeClr val="tx1"/>
+            </a:solidFill>
+          </a:ln>
+        </p:spPr>
+        <p:style>
+          <a:lnRef idx="1">
+            <a:schemeClr val="accent1"/>
+          </a:lnRef>
+          <a:fillRef idx="0">
+            <a:schemeClr val="accent1"/>
+          </a:fillRef>
+          <a:effectRef idx="0">
+            <a:schemeClr val="accent1"/>
+          </a:effectRef>
+          <a:fontRef idx="minor">
+            <a:schemeClr val="tx1"/>
+          </a:fontRef>
+        </p:style>
+      </p:cxnSp>
+      <p:cxnSp>
+        <p:nvCxnSpPr>
+          <p:cNvPr id="95" name="Connecteur droit 94"/>
+          <p:cNvCxnSpPr/>
+          <p:nvPr/>
+        </p:nvCxnSpPr>
+        <p:spPr>
+          <a:xfrm flipH="1">
+            <a:off x="8797848" y="4009601"/>
+            <a:ext cx="500198" cy="494981"/>
+          </a:xfrm>
+          <a:prstGeom prst="line">
+            <a:avLst/>
+          </a:prstGeom>
+          <a:ln w="19050">
+            <a:solidFill>
+              <a:schemeClr val="tx1"/>
+            </a:solidFill>
+          </a:ln>
+        </p:spPr>
+        <p:style>
+          <a:lnRef idx="1">
+            <a:schemeClr val="accent1"/>
+          </a:lnRef>
+          <a:fillRef idx="0">
+            <a:schemeClr val="accent1"/>
+          </a:fillRef>
+          <a:effectRef idx="0">
+            <a:schemeClr val="accent1"/>
+          </a:effectRef>
+          <a:fontRef idx="minor">
+            <a:schemeClr val="tx1"/>
+          </a:fontRef>
+        </p:style>
+      </p:cxnSp>
+      <p:cxnSp>
+        <p:nvCxnSpPr>
+          <p:cNvPr id="96" name="Connecteur droit 95"/>
+          <p:cNvCxnSpPr/>
+          <p:nvPr/>
+        </p:nvCxnSpPr>
+        <p:spPr>
+          <a:xfrm flipH="1">
+            <a:off x="9023987" y="4009601"/>
+            <a:ext cx="500198" cy="494981"/>
+          </a:xfrm>
+          <a:prstGeom prst="line">
+            <a:avLst/>
+          </a:prstGeom>
+          <a:ln w="19050">
+            <a:solidFill>
+              <a:schemeClr val="tx1"/>
+            </a:solidFill>
+          </a:ln>
+        </p:spPr>
+        <p:style>
+          <a:lnRef idx="1">
+            <a:schemeClr val="accent1"/>
+          </a:lnRef>
+          <a:fillRef idx="0">
+            <a:schemeClr val="accent1"/>
+          </a:fillRef>
+          <a:effectRef idx="0">
+            <a:schemeClr val="accent1"/>
+          </a:effectRef>
+          <a:fontRef idx="minor">
+            <a:schemeClr val="tx1"/>
+          </a:fontRef>
+        </p:style>
+      </p:cxnSp>
+      <p:cxnSp>
+        <p:nvCxnSpPr>
+          <p:cNvPr id="97" name="Connecteur droit 96"/>
+          <p:cNvCxnSpPr/>
+          <p:nvPr/>
+        </p:nvCxnSpPr>
+        <p:spPr>
+          <a:xfrm flipH="1">
+            <a:off x="9250126" y="4074670"/>
+            <a:ext cx="434443" cy="429912"/>
+          </a:xfrm>
+          <a:prstGeom prst="line">
+            <a:avLst/>
+          </a:prstGeom>
+          <a:ln w="19050">
+            <a:solidFill>
+              <a:schemeClr val="tx1"/>
+            </a:solidFill>
+          </a:ln>
+        </p:spPr>
+        <p:style>
+          <a:lnRef idx="1">
+            <a:schemeClr val="accent1"/>
+          </a:lnRef>
+          <a:fillRef idx="0">
+            <a:schemeClr val="accent1"/>
+          </a:fillRef>
+          <a:effectRef idx="0">
+            <a:schemeClr val="accent1"/>
+          </a:effectRef>
+          <a:fontRef idx="minor">
+            <a:schemeClr val="tx1"/>
+          </a:fontRef>
+        </p:style>
+      </p:cxnSp>
+      <p:cxnSp>
+        <p:nvCxnSpPr>
+          <p:cNvPr id="98" name="Connecteur droit 97"/>
+          <p:cNvCxnSpPr/>
+          <p:nvPr/>
+        </p:nvCxnSpPr>
+        <p:spPr>
+          <a:xfrm flipH="1">
+            <a:off x="9476265" y="4291459"/>
+            <a:ext cx="215370" cy="213123"/>
+          </a:xfrm>
+          <a:prstGeom prst="line">
+            <a:avLst/>
+          </a:prstGeom>
+          <a:ln w="19050">
+            <a:solidFill>
+              <a:schemeClr val="tx1"/>
+            </a:solidFill>
+          </a:ln>
+        </p:spPr>
+        <p:style>
+          <a:lnRef idx="1">
+            <a:schemeClr val="accent1"/>
+          </a:lnRef>
+          <a:fillRef idx="0">
+            <a:schemeClr val="accent1"/>
+          </a:fillRef>
+          <a:effectRef idx="0">
+            <a:schemeClr val="accent1"/>
+          </a:effectRef>
+          <a:fontRef idx="minor">
+            <a:schemeClr val="tx1"/>
+          </a:fontRef>
+        </p:style>
+      </p:cxnSp>
+      <p:cxnSp>
+        <p:nvCxnSpPr>
+          <p:cNvPr id="114" name="Connecteur droit 113"/>
+          <p:cNvCxnSpPr/>
+          <p:nvPr/>
+        </p:nvCxnSpPr>
+        <p:spPr>
+          <a:xfrm flipH="1">
+            <a:off x="5539232" y="2785465"/>
+            <a:ext cx="500199" cy="494981"/>
+          </a:xfrm>
+          <a:prstGeom prst="line">
+            <a:avLst/>
+          </a:prstGeom>
+          <a:ln w="19050">
+            <a:solidFill>
+              <a:schemeClr val="tx1"/>
+            </a:solidFill>
+          </a:ln>
+        </p:spPr>
+        <p:style>
+          <a:lnRef idx="1">
+            <a:schemeClr val="accent1"/>
+          </a:lnRef>
+          <a:fillRef idx="0">
+            <a:schemeClr val="accent1"/>
+          </a:fillRef>
+          <a:effectRef idx="0">
+            <a:schemeClr val="accent1"/>
+          </a:effectRef>
+          <a:fontRef idx="minor">
+            <a:schemeClr val="tx1"/>
+          </a:fontRef>
+        </p:style>
+      </p:cxnSp>
+      <p:cxnSp>
+        <p:nvCxnSpPr>
+          <p:cNvPr id="115" name="Connecteur droit 114"/>
+          <p:cNvCxnSpPr/>
+          <p:nvPr/>
+        </p:nvCxnSpPr>
+        <p:spPr>
+          <a:xfrm flipH="1">
+            <a:off x="5765372" y="2785465"/>
+            <a:ext cx="500199" cy="494981"/>
+          </a:xfrm>
+          <a:prstGeom prst="line">
+            <a:avLst/>
+          </a:prstGeom>
+          <a:ln w="19050">
+            <a:solidFill>
+              <a:schemeClr val="tx1"/>
+            </a:solidFill>
+          </a:ln>
+        </p:spPr>
+        <p:style>
+          <a:lnRef idx="1">
+            <a:schemeClr val="accent1"/>
+          </a:lnRef>
+          <a:fillRef idx="0">
+            <a:schemeClr val="accent1"/>
+          </a:fillRef>
+          <a:effectRef idx="0">
+            <a:schemeClr val="accent1"/>
+          </a:effectRef>
+          <a:fontRef idx="minor">
+            <a:schemeClr val="tx1"/>
+          </a:fontRef>
+        </p:style>
+      </p:cxnSp>
+      <p:cxnSp>
+        <p:nvCxnSpPr>
+          <p:cNvPr id="116" name="Connecteur droit 115"/>
+          <p:cNvCxnSpPr/>
+          <p:nvPr/>
+        </p:nvCxnSpPr>
+        <p:spPr>
+          <a:xfrm flipH="1">
+            <a:off x="5991512" y="2785465"/>
+            <a:ext cx="500199" cy="494981"/>
+          </a:xfrm>
+          <a:prstGeom prst="line">
+            <a:avLst/>
+          </a:prstGeom>
+          <a:ln w="19050">
+            <a:solidFill>
+              <a:schemeClr val="tx1"/>
+            </a:solidFill>
+          </a:ln>
+        </p:spPr>
+        <p:style>
+          <a:lnRef idx="1">
+            <a:schemeClr val="accent1"/>
+          </a:lnRef>
+          <a:fillRef idx="0">
+            <a:schemeClr val="accent1"/>
+          </a:fillRef>
+          <a:effectRef idx="0">
+            <a:schemeClr val="accent1"/>
+          </a:effectRef>
+          <a:fontRef idx="minor">
+            <a:schemeClr val="tx1"/>
+          </a:fontRef>
+        </p:style>
+      </p:cxnSp>
+      <p:cxnSp>
+        <p:nvCxnSpPr>
+          <p:cNvPr id="117" name="Connecteur droit 116"/>
+          <p:cNvCxnSpPr/>
+          <p:nvPr/>
+        </p:nvCxnSpPr>
+        <p:spPr>
+          <a:xfrm flipH="1">
+            <a:off x="6217652" y="2785465"/>
+            <a:ext cx="500199" cy="494981"/>
+          </a:xfrm>
+          <a:prstGeom prst="line">
+            <a:avLst/>
+          </a:prstGeom>
+          <a:ln w="19050">
+            <a:solidFill>
+              <a:schemeClr val="tx1"/>
+            </a:solidFill>
+          </a:ln>
+        </p:spPr>
+        <p:style>
+          <a:lnRef idx="1">
+            <a:schemeClr val="accent1"/>
+          </a:lnRef>
+          <a:fillRef idx="0">
+            <a:schemeClr val="accent1"/>
+          </a:fillRef>
+          <a:effectRef idx="0">
+            <a:schemeClr val="accent1"/>
+          </a:effectRef>
+          <a:fontRef idx="minor">
+            <a:schemeClr val="tx1"/>
+          </a:fontRef>
+        </p:style>
+      </p:cxnSp>
+      <p:cxnSp>
+        <p:nvCxnSpPr>
+          <p:cNvPr id="118" name="Connecteur droit 117"/>
+          <p:cNvCxnSpPr/>
+          <p:nvPr/>
+        </p:nvCxnSpPr>
+        <p:spPr>
+          <a:xfrm flipH="1">
+            <a:off x="6443792" y="2785465"/>
+            <a:ext cx="500199" cy="494981"/>
+          </a:xfrm>
+          <a:prstGeom prst="line">
+            <a:avLst/>
+          </a:prstGeom>
+          <a:ln w="19050">
+            <a:solidFill>
+              <a:schemeClr val="tx1"/>
+            </a:solidFill>
+          </a:ln>
+        </p:spPr>
+        <p:style>
+          <a:lnRef idx="1">
+            <a:schemeClr val="accent1"/>
+          </a:lnRef>
+          <a:fillRef idx="0">
+            <a:schemeClr val="accent1"/>
+          </a:fillRef>
+          <a:effectRef idx="0">
+            <a:schemeClr val="accent1"/>
+          </a:effectRef>
+          <a:fontRef idx="minor">
+            <a:schemeClr val="tx1"/>
+          </a:fontRef>
+        </p:style>
+      </p:cxnSp>
+      <p:cxnSp>
+        <p:nvCxnSpPr>
+          <p:cNvPr id="119" name="Connecteur droit 118"/>
+          <p:cNvCxnSpPr/>
+          <p:nvPr/>
+        </p:nvCxnSpPr>
+        <p:spPr>
+          <a:xfrm flipH="1">
+            <a:off x="6669932" y="2785465"/>
+            <a:ext cx="500199" cy="494981"/>
+          </a:xfrm>
+          <a:prstGeom prst="line">
+            <a:avLst/>
+          </a:prstGeom>
+          <a:ln w="19050">
+            <a:solidFill>
+              <a:schemeClr val="tx1"/>
+            </a:solidFill>
+          </a:ln>
+        </p:spPr>
+        <p:style>
+          <a:lnRef idx="1">
+            <a:schemeClr val="accent1"/>
+          </a:lnRef>
+          <a:fillRef idx="0">
+            <a:schemeClr val="accent1"/>
+          </a:fillRef>
+          <a:effectRef idx="0">
+            <a:schemeClr val="accent1"/>
+          </a:effectRef>
+          <a:fontRef idx="minor">
+            <a:schemeClr val="tx1"/>
+          </a:fontRef>
+        </p:style>
+      </p:cxnSp>
+      <p:cxnSp>
+        <p:nvCxnSpPr>
+          <p:cNvPr id="120" name="Connecteur droit 119"/>
+          <p:cNvCxnSpPr/>
+          <p:nvPr/>
+        </p:nvCxnSpPr>
+        <p:spPr>
+          <a:xfrm flipH="1">
+            <a:off x="6896072" y="2785465"/>
+            <a:ext cx="500199" cy="494981"/>
+          </a:xfrm>
+          <a:prstGeom prst="line">
+            <a:avLst/>
+          </a:prstGeom>
+          <a:ln w="19050">
+            <a:solidFill>
+              <a:schemeClr val="tx1"/>
+            </a:solidFill>
+          </a:ln>
+        </p:spPr>
+        <p:style>
+          <a:lnRef idx="1">
+            <a:schemeClr val="accent1"/>
+          </a:lnRef>
+          <a:fillRef idx="0">
+            <a:schemeClr val="accent1"/>
+          </a:fillRef>
+          <a:effectRef idx="0">
+            <a:schemeClr val="accent1"/>
+          </a:effectRef>
+          <a:fontRef idx="minor">
+            <a:schemeClr val="tx1"/>
+          </a:fontRef>
+        </p:style>
+      </p:cxnSp>
+      <p:cxnSp>
+        <p:nvCxnSpPr>
+          <p:cNvPr id="121" name="Connecteur droit 120"/>
+          <p:cNvCxnSpPr/>
+          <p:nvPr/>
+        </p:nvCxnSpPr>
+        <p:spPr>
+          <a:xfrm flipH="1">
+            <a:off x="7122212" y="2785465"/>
+            <a:ext cx="500199" cy="494981"/>
+          </a:xfrm>
+          <a:prstGeom prst="line">
+            <a:avLst/>
+          </a:prstGeom>
+          <a:ln w="19050">
+            <a:solidFill>
+              <a:schemeClr val="tx1"/>
+            </a:solidFill>
+          </a:ln>
+        </p:spPr>
+        <p:style>
+          <a:lnRef idx="1">
+            <a:schemeClr val="accent1"/>
+          </a:lnRef>
+          <a:fillRef idx="0">
+            <a:schemeClr val="accent1"/>
+          </a:fillRef>
+          <a:effectRef idx="0">
+            <a:schemeClr val="accent1"/>
+          </a:effectRef>
+          <a:fontRef idx="minor">
+            <a:schemeClr val="tx1"/>
+          </a:fontRef>
+        </p:style>
+      </p:cxnSp>
+      <p:cxnSp>
+        <p:nvCxnSpPr>
+          <p:cNvPr id="122" name="Connecteur droit 121"/>
+          <p:cNvCxnSpPr/>
+          <p:nvPr/>
+        </p:nvCxnSpPr>
+        <p:spPr>
+          <a:xfrm flipH="1">
+            <a:off x="7348352" y="2785465"/>
+            <a:ext cx="500199" cy="494981"/>
+          </a:xfrm>
+          <a:prstGeom prst="line">
+            <a:avLst/>
+          </a:prstGeom>
+          <a:ln w="19050">
+            <a:solidFill>
+              <a:schemeClr val="tx1"/>
+            </a:solidFill>
+          </a:ln>
+        </p:spPr>
+        <p:style>
+          <a:lnRef idx="1">
+            <a:schemeClr val="accent1"/>
+          </a:lnRef>
+          <a:fillRef idx="0">
+            <a:schemeClr val="accent1"/>
+          </a:fillRef>
+          <a:effectRef idx="0">
+            <a:schemeClr val="accent1"/>
+          </a:effectRef>
+          <a:fontRef idx="minor">
+            <a:schemeClr val="tx1"/>
+          </a:fontRef>
+        </p:style>
+      </p:cxnSp>
+      <p:cxnSp>
+        <p:nvCxnSpPr>
+          <p:cNvPr id="123" name="Connecteur droit 122"/>
+          <p:cNvCxnSpPr/>
+          <p:nvPr/>
+        </p:nvCxnSpPr>
+        <p:spPr>
+          <a:xfrm flipH="1">
+            <a:off x="7574492" y="2785465"/>
+            <a:ext cx="500199" cy="494981"/>
+          </a:xfrm>
+          <a:prstGeom prst="line">
+            <a:avLst/>
+          </a:prstGeom>
+          <a:ln w="19050">
+            <a:solidFill>
+              <a:schemeClr val="tx1"/>
+            </a:solidFill>
+          </a:ln>
+        </p:spPr>
+        <p:style>
+          <a:lnRef idx="1">
+            <a:schemeClr val="accent1"/>
+          </a:lnRef>
+          <a:fillRef idx="0">
+            <a:schemeClr val="accent1"/>
+          </a:fillRef>
+          <a:effectRef idx="0">
+            <a:schemeClr val="accent1"/>
+          </a:effectRef>
+          <a:fontRef idx="minor">
+            <a:schemeClr val="tx1"/>
+          </a:fontRef>
+        </p:style>
+      </p:cxnSp>
+      <p:cxnSp>
+        <p:nvCxnSpPr>
+          <p:cNvPr id="124" name="Connecteur droit 123"/>
+          <p:cNvCxnSpPr/>
+          <p:nvPr/>
+        </p:nvCxnSpPr>
+        <p:spPr>
+          <a:xfrm flipH="1">
+            <a:off x="7800632" y="2785465"/>
+            <a:ext cx="500199" cy="494981"/>
+          </a:xfrm>
+          <a:prstGeom prst="line">
+            <a:avLst/>
+          </a:prstGeom>
+          <a:ln w="19050">
+            <a:solidFill>
+              <a:schemeClr val="tx1"/>
+            </a:solidFill>
+          </a:ln>
+        </p:spPr>
+        <p:style>
+          <a:lnRef idx="1">
+            <a:schemeClr val="accent1"/>
+          </a:lnRef>
+          <a:fillRef idx="0">
+            <a:schemeClr val="accent1"/>
+          </a:fillRef>
+          <a:effectRef idx="0">
+            <a:schemeClr val="accent1"/>
+          </a:effectRef>
+          <a:fontRef idx="minor">
+            <a:schemeClr val="tx1"/>
+          </a:fontRef>
+        </p:style>
+      </p:cxnSp>
+      <p:cxnSp>
+        <p:nvCxnSpPr>
+          <p:cNvPr id="125" name="Connecteur droit 124"/>
+          <p:cNvCxnSpPr/>
+          <p:nvPr/>
+        </p:nvCxnSpPr>
+        <p:spPr>
+          <a:xfrm flipH="1">
+            <a:off x="8026772" y="2785465"/>
+            <a:ext cx="500199" cy="494981"/>
+          </a:xfrm>
+          <a:prstGeom prst="line">
+            <a:avLst/>
+          </a:prstGeom>
+          <a:ln w="19050">
+            <a:solidFill>
+              <a:schemeClr val="tx1"/>
+            </a:solidFill>
+          </a:ln>
+        </p:spPr>
+        <p:style>
+          <a:lnRef idx="1">
+            <a:schemeClr val="accent1"/>
+          </a:lnRef>
+          <a:fillRef idx="0">
+            <a:schemeClr val="accent1"/>
+          </a:fillRef>
+          <a:effectRef idx="0">
+            <a:schemeClr val="accent1"/>
+          </a:effectRef>
+          <a:fontRef idx="minor">
+            <a:schemeClr val="tx1"/>
+          </a:fontRef>
+        </p:style>
+      </p:cxnSp>
+      <p:cxnSp>
+        <p:nvCxnSpPr>
+          <p:cNvPr id="126" name="Connecteur droit 125"/>
+          <p:cNvCxnSpPr/>
+          <p:nvPr/>
+        </p:nvCxnSpPr>
+        <p:spPr>
+          <a:xfrm flipH="1">
+            <a:off x="8252912" y="2785465"/>
+            <a:ext cx="500198" cy="494981"/>
+          </a:xfrm>
+          <a:prstGeom prst="line">
+            <a:avLst/>
+          </a:prstGeom>
+          <a:ln w="19050">
+            <a:solidFill>
+              <a:schemeClr val="tx1"/>
+            </a:solidFill>
+          </a:ln>
+        </p:spPr>
+        <p:style>
+          <a:lnRef idx="1">
+            <a:schemeClr val="accent1"/>
+          </a:lnRef>
+          <a:fillRef idx="0">
+            <a:schemeClr val="accent1"/>
+          </a:fillRef>
+          <a:effectRef idx="0">
+            <a:schemeClr val="accent1"/>
+          </a:effectRef>
+          <a:fontRef idx="minor">
+            <a:schemeClr val="tx1"/>
+          </a:fontRef>
+        </p:style>
+      </p:cxnSp>
+      <p:cxnSp>
+        <p:nvCxnSpPr>
+          <p:cNvPr id="127" name="Connecteur droit 126"/>
+          <p:cNvCxnSpPr/>
+          <p:nvPr/>
+        </p:nvCxnSpPr>
+        <p:spPr>
+          <a:xfrm flipH="1">
+            <a:off x="8479051" y="2785465"/>
+            <a:ext cx="500198" cy="494981"/>
+          </a:xfrm>
+          <a:prstGeom prst="line">
+            <a:avLst/>
+          </a:prstGeom>
+          <a:ln w="19050">
+            <a:solidFill>
+              <a:schemeClr val="tx1"/>
+            </a:solidFill>
+          </a:ln>
+        </p:spPr>
+        <p:style>
+          <a:lnRef idx="1">
+            <a:schemeClr val="accent1"/>
+          </a:lnRef>
+          <a:fillRef idx="0">
+            <a:schemeClr val="accent1"/>
+          </a:fillRef>
+          <a:effectRef idx="0">
+            <a:schemeClr val="accent1"/>
+          </a:effectRef>
+          <a:fontRef idx="minor">
+            <a:schemeClr val="tx1"/>
+          </a:fontRef>
+        </p:style>
+      </p:cxnSp>
+      <p:cxnSp>
+        <p:nvCxnSpPr>
+          <p:cNvPr id="137" name="Connecteur droit 136"/>
+          <p:cNvCxnSpPr/>
+          <p:nvPr/>
+        </p:nvCxnSpPr>
+        <p:spPr>
+          <a:xfrm flipH="1">
+            <a:off x="8705192" y="2776872"/>
+            <a:ext cx="500199" cy="494981"/>
+          </a:xfrm>
+          <a:prstGeom prst="line">
+            <a:avLst/>
+          </a:prstGeom>
+          <a:ln w="19050">
+            <a:solidFill>
+              <a:schemeClr val="tx1"/>
+            </a:solidFill>
+          </a:ln>
+        </p:spPr>
+        <p:style>
+          <a:lnRef idx="1">
+            <a:schemeClr val="accent1"/>
+          </a:lnRef>
+          <a:fillRef idx="0">
+            <a:schemeClr val="accent1"/>
+          </a:fillRef>
+          <a:effectRef idx="0">
+            <a:schemeClr val="accent1"/>
+          </a:effectRef>
+          <a:fontRef idx="minor">
+            <a:schemeClr val="tx1"/>
+          </a:fontRef>
+        </p:style>
+      </p:cxnSp>
+      <p:cxnSp>
+        <p:nvCxnSpPr>
+          <p:cNvPr id="138" name="Connecteur droit 137"/>
+          <p:cNvCxnSpPr/>
+          <p:nvPr/>
+        </p:nvCxnSpPr>
+        <p:spPr>
+          <a:xfrm flipH="1">
+            <a:off x="8931332" y="2776872"/>
+            <a:ext cx="500199" cy="494981"/>
+          </a:xfrm>
+          <a:prstGeom prst="line">
+            <a:avLst/>
+          </a:prstGeom>
+          <a:ln w="19050">
+            <a:solidFill>
+              <a:schemeClr val="tx1"/>
+            </a:solidFill>
+          </a:ln>
+        </p:spPr>
+        <p:style>
+          <a:lnRef idx="1">
+            <a:schemeClr val="accent1"/>
+          </a:lnRef>
+          <a:fillRef idx="0">
+            <a:schemeClr val="accent1"/>
+          </a:fillRef>
+          <a:effectRef idx="0">
+            <a:schemeClr val="accent1"/>
+          </a:effectRef>
+          <a:fontRef idx="minor">
+            <a:schemeClr val="tx1"/>
+          </a:fontRef>
+        </p:style>
+      </p:cxnSp>
+      <p:cxnSp>
+        <p:nvCxnSpPr>
+          <p:cNvPr id="139" name="Connecteur droit 138"/>
+          <p:cNvCxnSpPr/>
+          <p:nvPr/>
+        </p:nvCxnSpPr>
+        <p:spPr>
+          <a:xfrm flipH="1">
+            <a:off x="9157472" y="2776872"/>
+            <a:ext cx="500199" cy="494981"/>
+          </a:xfrm>
+          <a:prstGeom prst="line">
+            <a:avLst/>
+          </a:prstGeom>
+          <a:ln w="19050">
+            <a:solidFill>
+              <a:schemeClr val="tx1"/>
+            </a:solidFill>
+          </a:ln>
+        </p:spPr>
+        <p:style>
+          <a:lnRef idx="1">
+            <a:schemeClr val="accent1"/>
+          </a:lnRef>
+          <a:fillRef idx="0">
+            <a:schemeClr val="accent1"/>
+          </a:fillRef>
+          <a:effectRef idx="0">
+            <a:schemeClr val="accent1"/>
+          </a:effectRef>
+          <a:fontRef idx="minor">
+            <a:schemeClr val="tx1"/>
+          </a:fontRef>
+        </p:style>
+      </p:cxnSp>
+      <p:cxnSp>
+        <p:nvCxnSpPr>
+          <p:cNvPr id="140" name="Connecteur droit 139"/>
+          <p:cNvCxnSpPr/>
+          <p:nvPr/>
+        </p:nvCxnSpPr>
+        <p:spPr>
+          <a:xfrm flipH="1">
+            <a:off x="9383613" y="2995684"/>
+            <a:ext cx="279079" cy="276169"/>
+          </a:xfrm>
+          <a:prstGeom prst="line">
+            <a:avLst/>
+          </a:prstGeom>
+          <a:ln w="19050">
+            <a:solidFill>
+              <a:schemeClr val="tx1"/>
+            </a:solidFill>
+          </a:ln>
+        </p:spPr>
+        <p:style>
+          <a:lnRef idx="1">
+            <a:schemeClr val="accent1"/>
+          </a:lnRef>
+          <a:fillRef idx="0">
+            <a:schemeClr val="accent1"/>
+          </a:fillRef>
+          <a:effectRef idx="0">
+            <a:schemeClr val="accent1"/>
+          </a:effectRef>
+          <a:fontRef idx="minor">
+            <a:schemeClr val="tx1"/>
+          </a:fontRef>
+        </p:style>
+      </p:cxnSp>
+      <p:cxnSp>
+        <p:nvCxnSpPr>
+          <p:cNvPr id="141" name="Connecteur droit 140"/>
+          <p:cNvCxnSpPr/>
+          <p:nvPr/>
+        </p:nvCxnSpPr>
+        <p:spPr>
+          <a:xfrm flipH="1">
+            <a:off x="9609753" y="3212976"/>
+            <a:ext cx="59497" cy="58877"/>
+          </a:xfrm>
+          <a:prstGeom prst="line">
+            <a:avLst/>
+          </a:prstGeom>
+          <a:ln w="19050">
+            <a:solidFill>
+              <a:schemeClr val="tx1"/>
+            </a:solidFill>
+          </a:ln>
+        </p:spPr>
+        <p:style>
+          <a:lnRef idx="1">
+            <a:schemeClr val="accent1"/>
+          </a:lnRef>
+          <a:fillRef idx="0">
+            <a:schemeClr val="accent1"/>
+          </a:fillRef>
+          <a:effectRef idx="0">
+            <a:schemeClr val="accent1"/>
+          </a:effectRef>
+          <a:fontRef idx="minor">
+            <a:schemeClr val="tx1"/>
+          </a:fontRef>
+        </p:style>
+      </p:cxnSp>
+      <p:cxnSp>
+        <p:nvCxnSpPr>
+          <p:cNvPr id="146" name="Connecteur droit 145"/>
+          <p:cNvCxnSpPr/>
+          <p:nvPr/>
+        </p:nvCxnSpPr>
+        <p:spPr>
+          <a:xfrm flipH="1">
+            <a:off x="5292079" y="1988840"/>
+            <a:ext cx="190380" cy="188394"/>
+          </a:xfrm>
+          <a:prstGeom prst="line">
+            <a:avLst/>
+          </a:prstGeom>
+          <a:ln w="19050">
+            <a:solidFill>
+              <a:schemeClr val="tx1"/>
+            </a:solidFill>
+          </a:ln>
+        </p:spPr>
+        <p:style>
+          <a:lnRef idx="1">
+            <a:schemeClr val="accent1"/>
+          </a:lnRef>
+          <a:fillRef idx="0">
+            <a:schemeClr val="accent1"/>
+          </a:fillRef>
+          <a:effectRef idx="0">
+            <a:schemeClr val="accent1"/>
+          </a:effectRef>
+          <a:fontRef idx="minor">
+            <a:schemeClr val="tx1"/>
+          </a:fontRef>
+        </p:style>
+      </p:cxnSp>
+      <p:cxnSp>
+        <p:nvCxnSpPr>
+          <p:cNvPr id="147" name="Connecteur droit 146"/>
+          <p:cNvCxnSpPr/>
+          <p:nvPr/>
+        </p:nvCxnSpPr>
+        <p:spPr>
+          <a:xfrm flipH="1">
+            <a:off x="5311689" y="1988840"/>
+            <a:ext cx="396910" cy="392769"/>
+          </a:xfrm>
+          <a:prstGeom prst="line">
+            <a:avLst/>
+          </a:prstGeom>
+          <a:ln w="19050">
+            <a:solidFill>
+              <a:schemeClr val="tx1"/>
+            </a:solidFill>
+          </a:ln>
+        </p:spPr>
+        <p:style>
+          <a:lnRef idx="1">
+            <a:schemeClr val="accent1"/>
+          </a:lnRef>
+          <a:fillRef idx="0">
+            <a:schemeClr val="accent1"/>
+          </a:fillRef>
+          <a:effectRef idx="0">
+            <a:schemeClr val="accent1"/>
+          </a:effectRef>
+          <a:fontRef idx="minor">
+            <a:schemeClr val="tx1"/>
+          </a:fontRef>
+        </p:style>
+      </p:cxnSp>
+      <p:cxnSp>
+        <p:nvCxnSpPr>
+          <p:cNvPr id="148" name="Connecteur droit 147"/>
+          <p:cNvCxnSpPr/>
+          <p:nvPr/>
+        </p:nvCxnSpPr>
+        <p:spPr>
+          <a:xfrm flipH="1">
+            <a:off x="5292083" y="1984235"/>
+            <a:ext cx="647310" cy="640556"/>
+          </a:xfrm>
+          <a:prstGeom prst="line">
+            <a:avLst/>
+          </a:prstGeom>
+          <a:ln w="19050">
+            <a:solidFill>
+              <a:schemeClr val="tx1"/>
+            </a:solidFill>
+          </a:ln>
+        </p:spPr>
+        <p:style>
+          <a:lnRef idx="1">
+            <a:schemeClr val="accent1"/>
+          </a:lnRef>
+          <a:fillRef idx="0">
+            <a:schemeClr val="accent1"/>
+          </a:fillRef>
+          <a:effectRef idx="0">
+            <a:schemeClr val="accent1"/>
+          </a:effectRef>
+          <a:fontRef idx="minor">
+            <a:schemeClr val="tx1"/>
+          </a:fontRef>
+        </p:style>
+      </p:cxnSp>
+      <p:cxnSp>
+        <p:nvCxnSpPr>
+          <p:cNvPr id="149" name="Connecteur droit 148"/>
+          <p:cNvCxnSpPr/>
+          <p:nvPr/>
+        </p:nvCxnSpPr>
+        <p:spPr>
+          <a:xfrm flipH="1">
+            <a:off x="5292083" y="2139271"/>
+            <a:ext cx="716780" cy="709303"/>
+          </a:xfrm>
+          <a:prstGeom prst="line">
+            <a:avLst/>
+          </a:prstGeom>
+          <a:ln w="19050">
+            <a:solidFill>
+              <a:schemeClr val="tx1"/>
+            </a:solidFill>
+          </a:ln>
+        </p:spPr>
+        <p:style>
+          <a:lnRef idx="1">
+            <a:schemeClr val="accent1"/>
+          </a:lnRef>
+          <a:fillRef idx="0">
+            <a:schemeClr val="accent1"/>
+          </a:fillRef>
+          <a:effectRef idx="0">
+            <a:schemeClr val="accent1"/>
+          </a:effectRef>
+          <a:fontRef idx="minor">
+            <a:schemeClr val="tx1"/>
+          </a:fontRef>
+        </p:style>
+      </p:cxnSp>
+      <p:cxnSp>
+        <p:nvCxnSpPr>
+          <p:cNvPr id="150" name="Connecteur droit 149"/>
+          <p:cNvCxnSpPr/>
+          <p:nvPr/>
+        </p:nvCxnSpPr>
+        <p:spPr>
+          <a:xfrm flipH="1">
+            <a:off x="5292083" y="2381609"/>
+            <a:ext cx="698026" cy="690743"/>
+          </a:xfrm>
+          <a:prstGeom prst="line">
+            <a:avLst/>
+          </a:prstGeom>
+          <a:ln w="19050">
+            <a:solidFill>
+              <a:schemeClr val="tx1"/>
+            </a:solidFill>
+          </a:ln>
+        </p:spPr>
+        <p:style>
+          <a:lnRef idx="1">
+            <a:schemeClr val="accent1"/>
+          </a:lnRef>
+          <a:fillRef idx="0">
+            <a:schemeClr val="accent1"/>
+          </a:fillRef>
+          <a:effectRef idx="0">
+            <a:schemeClr val="accent1"/>
+          </a:effectRef>
+          <a:fontRef idx="minor">
+            <a:schemeClr val="tx1"/>
+          </a:fontRef>
+        </p:style>
+      </p:cxnSp>
+      <p:cxnSp>
+        <p:nvCxnSpPr>
+          <p:cNvPr id="151" name="Connecteur droit 150"/>
+          <p:cNvCxnSpPr/>
+          <p:nvPr/>
+        </p:nvCxnSpPr>
+        <p:spPr>
+          <a:xfrm flipH="1">
+            <a:off x="5292083" y="2576056"/>
+            <a:ext cx="727667" cy="720078"/>
+          </a:xfrm>
+          <a:prstGeom prst="line">
+            <a:avLst/>
+          </a:prstGeom>
+          <a:ln w="19050">
+            <a:solidFill>
+              <a:schemeClr val="tx1"/>
+            </a:solidFill>
+          </a:ln>
+        </p:spPr>
+        <p:style>
+          <a:lnRef idx="1">
+            <a:schemeClr val="accent1"/>
+          </a:lnRef>
+          <a:fillRef idx="0">
+            <a:schemeClr val="accent1"/>
+          </a:fillRef>
+          <a:effectRef idx="0">
+            <a:schemeClr val="accent1"/>
+          </a:effectRef>
+          <a:fontRef idx="minor">
+            <a:schemeClr val="tx1"/>
+          </a:fontRef>
+        </p:style>
+      </p:cxnSp>
+    </p:spTree>
+    <p:extLst>
+      <p:ext uri="{BB962C8B-B14F-4D97-AF65-F5344CB8AC3E}">
+        <p14:creationId xmlns:p14="http://schemas.microsoft.com/office/powerpoint/2010/main" val="2043194906"/>
+      </p:ext>
+    </p:extLst>
+  </p:cSld>
+  <p:clrMapOvr>
+    <a:masterClrMapping/>
+  </p:clrMapOvr>
+</p:sld>
+</file>
+
+<file path=ppt/slides/slide3.xml><?xml version="1.0" encoding="utf-8"?>
+<p:sld xmlns:a="http://schemas.openxmlformats.org/drawingml/2006/main" xmlns:r="http://schemas.openxmlformats.org/officeDocument/2006/relationships" xmlns:p="http://schemas.openxmlformats.org/presentationml/2006/main">
+  <p:cSld>
+    <p:spTree>
+      <p:nvGrpSpPr>
+        <p:cNvPr id="1" name=""/>
+        <p:cNvGrpSpPr/>
+        <p:nvPr/>
+      </p:nvGrpSpPr>
+      <p:grpSpPr>
+        <a:xfrm>
+          <a:off x="0" y="0"/>
+          <a:ext cx="0" cy="0"/>
+          <a:chOff x="0" y="0"/>
+          <a:chExt cx="0" cy="0"/>
+        </a:xfrm>
+      </p:grpSpPr>
+      <p:pic>
+        <p:nvPicPr>
+          <p:cNvPr id="2050" name="Picture 2"/>
+          <p:cNvPicPr>
+            <a:picLocks noChangeAspect="1" noChangeArrowheads="1"/>
+          </p:cNvPicPr>
+          <p:nvPr/>
+        </p:nvPicPr>
+        <p:blipFill>
+          <a:blip r:embed="rId2">
+            <a:extLst>
+              <a:ext uri="{28A0092B-C50C-407E-A947-70E740481C1C}">
+                <a14:useLocalDpi xmlns:a14="http://schemas.microsoft.com/office/drawing/2010/main" val="0"/>
+              </a:ext>
+            </a:extLst>
+          </a:blip>
+          <a:srcRect/>
+          <a:stretch>
+            <a:fillRect/>
+          </a:stretch>
+        </p:blipFill>
+        <p:spPr bwMode="auto">
+          <a:xfrm>
+            <a:off x="3007011" y="1368478"/>
+            <a:ext cx="3129621" cy="4308222"/>
+          </a:xfrm>
+          <a:prstGeom prst="rect">
+            <a:avLst/>
+          </a:prstGeom>
+          <a:noFill/>
+          <a:ln>
+            <a:noFill/>
+          </a:ln>
+          <a:effectLst/>
+          <a:extLst>
+            <a:ext uri="{909E8E84-426E-40DD-AFC4-6F175D3DCCD1}">
+              <a14:hiddenFill xmlns:a14="http://schemas.microsoft.com/office/drawing/2010/main">
+                <a:solidFill>
+                  <a:schemeClr val="accent1"/>
+                </a:solidFill>
+              </a14:hiddenFill>
+            </a:ext>
+            <a:ext uri="{91240B29-F687-4F45-9708-019B960494DF}">
+              <a14:hiddenLine xmlns:a14="http://schemas.microsoft.com/office/drawing/2010/main" w="9525">
+                <a:solidFill>
+                  <a:schemeClr val="tx1"/>
+                </a:solidFill>
+                <a:miter lim="800000"/>
+                <a:headEnd/>
+                <a:tailEnd/>
+              </a14:hiddenLine>
+            </a:ext>
+            <a:ext uri="{AF507438-7753-43E0-B8FC-AC1667EBCBE1}">
+              <a14:hiddenEffects xmlns:a14="http://schemas.microsoft.com/office/drawing/2010/main">
+                <a:effectLst>
+                  <a:outerShdw dist="35921" dir="2700000" algn="ctr" rotWithShape="0">
+                    <a:schemeClr val="bg2"/>
+                  </a:outerShdw>
+                </a:effectLst>
+              </a14:hiddenEffects>
+            </a:ext>
+          </a:extLst>
+        </p:spPr>
+      </p:pic>
+      <p:grpSp>
+        <p:nvGrpSpPr>
+          <p:cNvPr id="21" name="Groupe 20"/>
+          <p:cNvGrpSpPr/>
+          <p:nvPr/>
+        </p:nvGrpSpPr>
+        <p:grpSpPr>
+          <a:xfrm>
+            <a:off x="3775153" y="1124744"/>
+            <a:ext cx="796668" cy="4824536"/>
+            <a:chOff x="3775153" y="1124744"/>
+            <a:chExt cx="796668" cy="4824536"/>
+          </a:xfrm>
+        </p:grpSpPr>
+        <p:cxnSp>
+          <p:nvCxnSpPr>
+            <p:cNvPr id="6" name="Connecteur droit 5"/>
+            <p:cNvCxnSpPr/>
+            <p:nvPr/>
+          </p:nvCxnSpPr>
+          <p:spPr>
+            <a:xfrm>
+              <a:off x="4211960" y="1271493"/>
+              <a:ext cx="0" cy="3932730"/>
+            </a:xfrm>
+            <a:prstGeom prst="line">
+              <a:avLst/>
+            </a:prstGeom>
+            <a:ln w="38100">
+              <a:solidFill>
+                <a:srgbClr val="7030A0"/>
+              </a:solidFill>
+            </a:ln>
+          </p:spPr>
+          <p:style>
+            <a:lnRef idx="1">
+              <a:schemeClr val="accent1"/>
+            </a:lnRef>
+            <a:fillRef idx="0">
+              <a:schemeClr val="accent1"/>
+            </a:fillRef>
+            <a:effectRef idx="0">
+              <a:schemeClr val="accent1"/>
+            </a:effectRef>
+            <a:fontRef idx="minor">
+              <a:schemeClr val="tx1"/>
+            </a:fontRef>
+          </p:style>
+        </p:cxnSp>
+        <p:cxnSp>
+          <p:nvCxnSpPr>
+            <p:cNvPr id="10" name="Connecteur droit 9"/>
+            <p:cNvCxnSpPr/>
+            <p:nvPr/>
+          </p:nvCxnSpPr>
+          <p:spPr>
+            <a:xfrm flipV="1">
+              <a:off x="4211960" y="1124744"/>
+              <a:ext cx="359861" cy="146749"/>
+            </a:xfrm>
+            <a:prstGeom prst="line">
+              <a:avLst/>
+            </a:prstGeom>
+            <a:ln w="38100">
+              <a:solidFill>
+                <a:srgbClr val="7030A0"/>
+              </a:solidFill>
+            </a:ln>
+          </p:spPr>
+          <p:style>
+            <a:lnRef idx="1">
+              <a:schemeClr val="accent1"/>
+            </a:lnRef>
+            <a:fillRef idx="0">
+              <a:schemeClr val="accent1"/>
+            </a:fillRef>
+            <a:effectRef idx="0">
+              <a:schemeClr val="accent1"/>
+            </a:effectRef>
+            <a:fontRef idx="minor">
+              <a:schemeClr val="tx1"/>
+            </a:fontRef>
+          </p:style>
+        </p:cxnSp>
+        <p:cxnSp>
+          <p:nvCxnSpPr>
+            <p:cNvPr id="13" name="Connecteur droit 12"/>
+            <p:cNvCxnSpPr/>
+            <p:nvPr/>
+          </p:nvCxnSpPr>
+          <p:spPr>
+            <a:xfrm>
+              <a:off x="3779912" y="5204223"/>
+              <a:ext cx="432048" cy="1"/>
+            </a:xfrm>
+            <a:prstGeom prst="line">
+              <a:avLst/>
+            </a:prstGeom>
+            <a:ln w="38100">
+              <a:solidFill>
+                <a:srgbClr val="7030A0"/>
+              </a:solidFill>
+            </a:ln>
+          </p:spPr>
+          <p:style>
+            <a:lnRef idx="1">
+              <a:schemeClr val="accent1"/>
+            </a:lnRef>
+            <a:fillRef idx="0">
+              <a:schemeClr val="accent1"/>
+            </a:fillRef>
+            <a:effectRef idx="0">
+              <a:schemeClr val="accent1"/>
+            </a:effectRef>
+            <a:fontRef idx="minor">
+              <a:schemeClr val="tx1"/>
+            </a:fontRef>
+          </p:style>
+        </p:cxnSp>
+        <p:cxnSp>
+          <p:nvCxnSpPr>
+            <p:cNvPr id="15" name="Connecteur droit 14"/>
+            <p:cNvCxnSpPr/>
+            <p:nvPr/>
+          </p:nvCxnSpPr>
+          <p:spPr>
+            <a:xfrm flipH="1" flipV="1">
+              <a:off x="3775153" y="5204224"/>
+              <a:ext cx="0" cy="472476"/>
+            </a:xfrm>
+            <a:prstGeom prst="line">
+              <a:avLst/>
+            </a:prstGeom>
+            <a:ln w="38100">
+              <a:solidFill>
+                <a:srgbClr val="7030A0"/>
+              </a:solidFill>
+            </a:ln>
+          </p:spPr>
+          <p:style>
+            <a:lnRef idx="1">
+              <a:schemeClr val="accent1"/>
+            </a:lnRef>
+            <a:fillRef idx="0">
+              <a:schemeClr val="accent1"/>
+            </a:fillRef>
+            <a:effectRef idx="0">
+              <a:schemeClr val="accent1"/>
+            </a:effectRef>
+            <a:fontRef idx="minor">
+              <a:schemeClr val="tx1"/>
+            </a:fontRef>
+          </p:style>
+        </p:cxnSp>
+        <p:cxnSp>
+          <p:nvCxnSpPr>
+            <p:cNvPr id="19" name="Connecteur droit 18"/>
+            <p:cNvCxnSpPr/>
+            <p:nvPr/>
+          </p:nvCxnSpPr>
+          <p:spPr>
+            <a:xfrm>
+              <a:off x="3775153" y="5676700"/>
+              <a:ext cx="796668" cy="272580"/>
+            </a:xfrm>
+            <a:prstGeom prst="line">
+              <a:avLst/>
+            </a:prstGeom>
+            <a:ln w="38100">
+              <a:solidFill>
+                <a:srgbClr val="7030A0"/>
+              </a:solidFill>
+            </a:ln>
+          </p:spPr>
+          <p:style>
+            <a:lnRef idx="1">
+              <a:schemeClr val="accent1"/>
+            </a:lnRef>
+            <a:fillRef idx="0">
+              <a:schemeClr val="accent1"/>
+            </a:fillRef>
+            <a:effectRef idx="0">
+              <a:schemeClr val="accent1"/>
+            </a:effectRef>
+            <a:fontRef idx="minor">
+              <a:schemeClr val="tx1"/>
+            </a:fontRef>
+          </p:style>
+        </p:cxnSp>
+      </p:grpSp>
+      <p:grpSp>
+        <p:nvGrpSpPr>
+          <p:cNvPr id="23" name="Groupe 22"/>
+          <p:cNvGrpSpPr/>
+          <p:nvPr/>
+        </p:nvGrpSpPr>
+        <p:grpSpPr>
+          <a:xfrm flipH="1">
+            <a:off x="4566704" y="1124744"/>
+            <a:ext cx="796668" cy="4824536"/>
+            <a:chOff x="3775153" y="1124744"/>
+            <a:chExt cx="796668" cy="4824536"/>
+          </a:xfrm>
+        </p:grpSpPr>
+        <p:cxnSp>
+          <p:nvCxnSpPr>
+            <p:cNvPr id="24" name="Connecteur droit 23"/>
+            <p:cNvCxnSpPr/>
+            <p:nvPr/>
+          </p:nvCxnSpPr>
+          <p:spPr>
+            <a:xfrm>
+              <a:off x="4211960" y="1271493"/>
+              <a:ext cx="0" cy="3932730"/>
+            </a:xfrm>
+            <a:prstGeom prst="line">
+              <a:avLst/>
+            </a:prstGeom>
+            <a:ln w="38100">
+              <a:solidFill>
+                <a:srgbClr val="7030A0"/>
+              </a:solidFill>
+            </a:ln>
+          </p:spPr>
+          <p:style>
+            <a:lnRef idx="1">
+              <a:schemeClr val="accent1"/>
+            </a:lnRef>
+            <a:fillRef idx="0">
+              <a:schemeClr val="accent1"/>
+            </a:fillRef>
+            <a:effectRef idx="0">
+              <a:schemeClr val="accent1"/>
+            </a:effectRef>
+            <a:fontRef idx="minor">
+              <a:schemeClr val="tx1"/>
+            </a:fontRef>
+          </p:style>
+        </p:cxnSp>
+        <p:cxnSp>
+          <p:nvCxnSpPr>
+            <p:cNvPr id="25" name="Connecteur droit 24"/>
+            <p:cNvCxnSpPr/>
+            <p:nvPr/>
+          </p:nvCxnSpPr>
+          <p:spPr>
+            <a:xfrm flipV="1">
+              <a:off x="4211960" y="1124744"/>
+              <a:ext cx="359861" cy="146749"/>
+            </a:xfrm>
+            <a:prstGeom prst="line">
+              <a:avLst/>
+            </a:prstGeom>
+            <a:ln w="38100">
+              <a:solidFill>
+                <a:srgbClr val="7030A0"/>
+              </a:solidFill>
+            </a:ln>
+          </p:spPr>
+          <p:style>
+            <a:lnRef idx="1">
+              <a:schemeClr val="accent1"/>
+            </a:lnRef>
+            <a:fillRef idx="0">
+              <a:schemeClr val="accent1"/>
+            </a:fillRef>
+            <a:effectRef idx="0">
+              <a:schemeClr val="accent1"/>
+            </a:effectRef>
+            <a:fontRef idx="minor">
+              <a:schemeClr val="tx1"/>
+            </a:fontRef>
+          </p:style>
+        </p:cxnSp>
+        <p:cxnSp>
+          <p:nvCxnSpPr>
+            <p:cNvPr id="26" name="Connecteur droit 25"/>
+            <p:cNvCxnSpPr/>
+            <p:nvPr/>
+          </p:nvCxnSpPr>
+          <p:spPr>
+            <a:xfrm>
+              <a:off x="3779912" y="5204223"/>
+              <a:ext cx="432048" cy="1"/>
+            </a:xfrm>
+            <a:prstGeom prst="line">
+              <a:avLst/>
+            </a:prstGeom>
+            <a:ln w="38100">
+              <a:solidFill>
+                <a:srgbClr val="7030A0"/>
+              </a:solidFill>
+            </a:ln>
+          </p:spPr>
+          <p:style>
+            <a:lnRef idx="1">
+              <a:schemeClr val="accent1"/>
+            </a:lnRef>
+            <a:fillRef idx="0">
+              <a:schemeClr val="accent1"/>
+            </a:fillRef>
+            <a:effectRef idx="0">
+              <a:schemeClr val="accent1"/>
+            </a:effectRef>
+            <a:fontRef idx="minor">
+              <a:schemeClr val="tx1"/>
+            </a:fontRef>
+          </p:style>
+        </p:cxnSp>
+        <p:cxnSp>
+          <p:nvCxnSpPr>
+            <p:cNvPr id="27" name="Connecteur droit 26"/>
+            <p:cNvCxnSpPr/>
+            <p:nvPr/>
+          </p:nvCxnSpPr>
+          <p:spPr>
+            <a:xfrm flipH="1" flipV="1">
+              <a:off x="3775153" y="5204224"/>
+              <a:ext cx="0" cy="472476"/>
+            </a:xfrm>
+            <a:prstGeom prst="line">
+              <a:avLst/>
+            </a:prstGeom>
+            <a:ln w="38100">
+              <a:solidFill>
+                <a:srgbClr val="7030A0"/>
+              </a:solidFill>
+            </a:ln>
+          </p:spPr>
+          <p:style>
+            <a:lnRef idx="1">
+              <a:schemeClr val="accent1"/>
+            </a:lnRef>
+            <a:fillRef idx="0">
+              <a:schemeClr val="accent1"/>
+            </a:fillRef>
+            <a:effectRef idx="0">
+              <a:schemeClr val="accent1"/>
+            </a:effectRef>
+            <a:fontRef idx="minor">
+              <a:schemeClr val="tx1"/>
+            </a:fontRef>
+          </p:style>
+        </p:cxnSp>
+        <p:cxnSp>
+          <p:nvCxnSpPr>
+            <p:cNvPr id="28" name="Connecteur droit 27"/>
+            <p:cNvCxnSpPr/>
+            <p:nvPr/>
+          </p:nvCxnSpPr>
+          <p:spPr>
+            <a:xfrm>
+              <a:off x="3775153" y="5676700"/>
+              <a:ext cx="796668" cy="272580"/>
+            </a:xfrm>
+            <a:prstGeom prst="line">
+              <a:avLst/>
+            </a:prstGeom>
+            <a:ln w="38100">
+              <a:solidFill>
+                <a:srgbClr val="7030A0"/>
+              </a:solidFill>
+            </a:ln>
+          </p:spPr>
+          <p:style>
+            <a:lnRef idx="1">
+              <a:schemeClr val="accent1"/>
+            </a:lnRef>
+            <a:fillRef idx="0">
+              <a:schemeClr val="accent1"/>
+            </a:fillRef>
+            <a:effectRef idx="0">
+              <a:schemeClr val="accent1"/>
+            </a:effectRef>
+            <a:fontRef idx="minor">
+              <a:schemeClr val="tx1"/>
+            </a:fontRef>
+          </p:style>
+        </p:cxnSp>
+      </p:grpSp>
+      <p:cxnSp>
+        <p:nvCxnSpPr>
+          <p:cNvPr id="30" name="Connecteur droit 29"/>
+          <p:cNvCxnSpPr/>
+          <p:nvPr/>
+        </p:nvCxnSpPr>
+        <p:spPr>
+          <a:xfrm>
+            <a:off x="2339752" y="5589240"/>
+            <a:ext cx="1435401" cy="0"/>
+          </a:xfrm>
+          <a:prstGeom prst="line">
+            <a:avLst/>
+          </a:prstGeom>
+          <a:ln w="38100">
+            <a:solidFill>
+              <a:srgbClr val="FF0000"/>
+            </a:solidFill>
+          </a:ln>
+        </p:spPr>
+        <p:style>
+          <a:lnRef idx="1">
+            <a:schemeClr val="accent1"/>
+          </a:lnRef>
+          <a:fillRef idx="0">
+            <a:schemeClr val="accent1"/>
+          </a:fillRef>
+          <a:effectRef idx="0">
+            <a:schemeClr val="accent1"/>
+          </a:effectRef>
+          <a:fontRef idx="minor">
+            <a:schemeClr val="tx1"/>
+          </a:fontRef>
+        </p:style>
+      </p:cxnSp>
+      <p:cxnSp>
+        <p:nvCxnSpPr>
+          <p:cNvPr id="32" name="Connecteur droit 31"/>
+          <p:cNvCxnSpPr/>
+          <p:nvPr/>
+        </p:nvCxnSpPr>
+        <p:spPr>
+          <a:xfrm>
+            <a:off x="5363372" y="5589240"/>
+            <a:ext cx="1435401" cy="0"/>
+          </a:xfrm>
+          <a:prstGeom prst="line">
+            <a:avLst/>
+          </a:prstGeom>
+          <a:ln w="38100">
+            <a:solidFill>
+              <a:srgbClr val="FF0000"/>
+            </a:solidFill>
+          </a:ln>
+        </p:spPr>
+        <p:style>
+          <a:lnRef idx="1">
+            <a:schemeClr val="accent1"/>
+          </a:lnRef>
+          <a:fillRef idx="0">
+            <a:schemeClr val="accent1"/>
+          </a:fillRef>
+          <a:effectRef idx="0">
+            <a:schemeClr val="accent1"/>
+          </a:effectRef>
+          <a:fontRef idx="minor">
+            <a:schemeClr val="tx1"/>
+          </a:fontRef>
+        </p:style>
+      </p:cxnSp>
+      <p:cxnSp>
+        <p:nvCxnSpPr>
+          <p:cNvPr id="39" name="Connecteur droit 38"/>
+          <p:cNvCxnSpPr/>
+          <p:nvPr/>
+        </p:nvCxnSpPr>
+        <p:spPr>
+          <a:xfrm flipV="1">
+            <a:off x="6798773" y="476672"/>
+            <a:ext cx="0" cy="6120680"/>
+          </a:xfrm>
+          <a:prstGeom prst="line">
+            <a:avLst/>
+          </a:prstGeom>
+          <a:ln w="38100">
+            <a:solidFill>
+              <a:srgbClr val="0070C0"/>
+            </a:solidFill>
+          </a:ln>
+        </p:spPr>
+        <p:style>
+          <a:lnRef idx="1">
+            <a:schemeClr val="accent1"/>
+          </a:lnRef>
+          <a:fillRef idx="0">
+            <a:schemeClr val="accent1"/>
+          </a:fillRef>
+          <a:effectRef idx="0">
+            <a:schemeClr val="accent1"/>
+          </a:effectRef>
+          <a:fontRef idx="minor">
+            <a:schemeClr val="tx1"/>
+          </a:fontRef>
+        </p:style>
+      </p:cxnSp>
+      <p:cxnSp>
+        <p:nvCxnSpPr>
+          <p:cNvPr id="40" name="Connecteur droit 39"/>
+          <p:cNvCxnSpPr/>
+          <p:nvPr/>
+        </p:nvCxnSpPr>
+        <p:spPr>
+          <a:xfrm flipV="1">
+            <a:off x="7164288" y="476672"/>
+            <a:ext cx="0" cy="4775215"/>
+          </a:xfrm>
+          <a:prstGeom prst="line">
+            <a:avLst/>
+          </a:prstGeom>
+          <a:ln w="38100">
+            <a:solidFill>
+              <a:srgbClr val="0070C0"/>
+            </a:solidFill>
+          </a:ln>
+        </p:spPr>
+        <p:style>
+          <a:lnRef idx="1">
+            <a:schemeClr val="accent1"/>
+          </a:lnRef>
+          <a:fillRef idx="0">
+            <a:schemeClr val="accent1"/>
+          </a:fillRef>
+          <a:effectRef idx="0">
+            <a:schemeClr val="accent1"/>
+          </a:effectRef>
+          <a:fontRef idx="minor">
+            <a:schemeClr val="tx1"/>
+          </a:fontRef>
+        </p:style>
+      </p:cxnSp>
+      <p:cxnSp>
+        <p:nvCxnSpPr>
+          <p:cNvPr id="42" name="Connecteur droit 41"/>
+          <p:cNvCxnSpPr/>
+          <p:nvPr/>
+        </p:nvCxnSpPr>
+        <p:spPr>
+          <a:xfrm>
+            <a:off x="6798773" y="5589240"/>
+            <a:ext cx="731030" cy="0"/>
+          </a:xfrm>
+          <a:prstGeom prst="line">
+            <a:avLst/>
+          </a:prstGeom>
+          <a:ln w="38100">
+            <a:solidFill>
+              <a:srgbClr val="0070C0"/>
+            </a:solidFill>
+          </a:ln>
+        </p:spPr>
+        <p:style>
+          <a:lnRef idx="1">
+            <a:schemeClr val="accent1"/>
+          </a:lnRef>
+          <a:fillRef idx="0">
+            <a:schemeClr val="accent1"/>
+          </a:fillRef>
+          <a:effectRef idx="0">
+            <a:schemeClr val="accent1"/>
+          </a:effectRef>
+          <a:fontRef idx="minor">
+            <a:schemeClr val="tx1"/>
+          </a:fontRef>
+        </p:style>
+      </p:cxnSp>
+      <p:cxnSp>
+        <p:nvCxnSpPr>
+          <p:cNvPr id="45" name="Connecteur droit 44"/>
+          <p:cNvCxnSpPr/>
+          <p:nvPr/>
+        </p:nvCxnSpPr>
+        <p:spPr>
+          <a:xfrm>
+            <a:off x="7164288" y="5251887"/>
+            <a:ext cx="365515" cy="0"/>
+          </a:xfrm>
+          <a:prstGeom prst="line">
+            <a:avLst/>
+          </a:prstGeom>
+          <a:ln w="38100">
+            <a:solidFill>
+              <a:srgbClr val="0070C0"/>
+            </a:solidFill>
+          </a:ln>
+        </p:spPr>
+        <p:style>
+          <a:lnRef idx="1">
+            <a:schemeClr val="accent1"/>
+          </a:lnRef>
+          <a:fillRef idx="0">
+            <a:schemeClr val="accent1"/>
+          </a:fillRef>
+          <a:effectRef idx="0">
+            <a:schemeClr val="accent1"/>
+          </a:effectRef>
+          <a:fontRef idx="minor">
+            <a:schemeClr val="tx1"/>
+          </a:fontRef>
+        </p:style>
+      </p:cxnSp>
+      <p:cxnSp>
+        <p:nvCxnSpPr>
+          <p:cNvPr id="47" name="Connecteur droit 46"/>
+          <p:cNvCxnSpPr/>
+          <p:nvPr/>
+        </p:nvCxnSpPr>
+        <p:spPr>
+          <a:xfrm flipV="1">
+            <a:off x="7529803" y="5251888"/>
+            <a:ext cx="0" cy="697392"/>
+          </a:xfrm>
+          <a:prstGeom prst="line">
+            <a:avLst/>
+          </a:prstGeom>
+          <a:ln w="38100">
+            <a:solidFill>
+              <a:srgbClr val="0070C0"/>
+            </a:solidFill>
+          </a:ln>
+        </p:spPr>
+        <p:style>
+          <a:lnRef idx="1">
+            <a:schemeClr val="accent1"/>
+          </a:lnRef>
+          <a:fillRef idx="0">
+            <a:schemeClr val="accent1"/>
+          </a:fillRef>
+          <a:effectRef idx="0">
+            <a:schemeClr val="accent1"/>
+          </a:effectRef>
+          <a:fontRef idx="minor">
+            <a:schemeClr val="tx1"/>
+          </a:fontRef>
+        </p:style>
+      </p:cxnSp>
+      <p:cxnSp>
+        <p:nvCxnSpPr>
+          <p:cNvPr id="51" name="Connecteur droit 50"/>
+          <p:cNvCxnSpPr/>
+          <p:nvPr/>
+        </p:nvCxnSpPr>
+        <p:spPr>
+          <a:xfrm>
+            <a:off x="6798773" y="476672"/>
+            <a:ext cx="365515" cy="0"/>
+          </a:xfrm>
+          <a:prstGeom prst="line">
+            <a:avLst/>
+          </a:prstGeom>
+          <a:ln w="38100">
+            <a:solidFill>
+              <a:srgbClr val="0070C0"/>
+            </a:solidFill>
+          </a:ln>
+        </p:spPr>
+        <p:style>
+          <a:lnRef idx="1">
+            <a:schemeClr val="accent1"/>
+          </a:lnRef>
+          <a:fillRef idx="0">
+            <a:schemeClr val="accent1"/>
+          </a:fillRef>
+          <a:effectRef idx="0">
+            <a:schemeClr val="accent1"/>
+          </a:effectRef>
+          <a:fontRef idx="minor">
+            <a:schemeClr val="tx1"/>
+          </a:fontRef>
+        </p:style>
+      </p:cxnSp>
+      <p:cxnSp>
+        <p:nvCxnSpPr>
+          <p:cNvPr id="54" name="Connecteur droit 53"/>
+          <p:cNvCxnSpPr/>
+          <p:nvPr/>
+        </p:nvCxnSpPr>
+        <p:spPr>
+          <a:xfrm flipH="1" flipV="1">
+            <a:off x="2339752" y="476672"/>
+            <a:ext cx="1" cy="6120680"/>
+          </a:xfrm>
+          <a:prstGeom prst="line">
+            <a:avLst/>
+          </a:prstGeom>
+          <a:ln w="38100">
+            <a:solidFill>
+              <a:srgbClr val="0070C0"/>
+            </a:solidFill>
+          </a:ln>
+        </p:spPr>
+        <p:style>
+          <a:lnRef idx="1">
+            <a:schemeClr val="accent1"/>
+          </a:lnRef>
+          <a:fillRef idx="0">
+            <a:schemeClr val="accent1"/>
+          </a:fillRef>
+          <a:effectRef idx="0">
+            <a:schemeClr val="accent1"/>
+          </a:effectRef>
+          <a:fontRef idx="minor">
+            <a:schemeClr val="tx1"/>
+          </a:fontRef>
+        </p:style>
+      </p:cxnSp>
+      <p:cxnSp>
+        <p:nvCxnSpPr>
+          <p:cNvPr id="55" name="Connecteur droit 54"/>
+          <p:cNvCxnSpPr/>
+          <p:nvPr/>
+        </p:nvCxnSpPr>
+        <p:spPr>
+          <a:xfrm flipH="1" flipV="1">
+            <a:off x="1974237" y="476672"/>
+            <a:ext cx="0" cy="4775215"/>
+          </a:xfrm>
+          <a:prstGeom prst="line">
+            <a:avLst/>
+          </a:prstGeom>
+          <a:ln w="38100">
+            <a:solidFill>
+              <a:srgbClr val="0070C0"/>
+            </a:solidFill>
+          </a:ln>
+        </p:spPr>
+        <p:style>
+          <a:lnRef idx="1">
+            <a:schemeClr val="accent1"/>
+          </a:lnRef>
+          <a:fillRef idx="0">
+            <a:schemeClr val="accent1"/>
+          </a:fillRef>
+          <a:effectRef idx="0">
+            <a:schemeClr val="accent1"/>
+          </a:effectRef>
+          <a:fontRef idx="minor">
+            <a:schemeClr val="tx1"/>
+          </a:fontRef>
+        </p:style>
+      </p:cxnSp>
+      <p:cxnSp>
+        <p:nvCxnSpPr>
+          <p:cNvPr id="56" name="Connecteur droit 55"/>
+          <p:cNvCxnSpPr/>
+          <p:nvPr/>
+        </p:nvCxnSpPr>
+        <p:spPr>
+          <a:xfrm flipH="1">
+            <a:off x="1608722" y="5589240"/>
+            <a:ext cx="731030" cy="0"/>
+          </a:xfrm>
+          <a:prstGeom prst="line">
+            <a:avLst/>
+          </a:prstGeom>
+          <a:ln w="38100">
+            <a:solidFill>
+              <a:srgbClr val="0070C0"/>
+            </a:solidFill>
+          </a:ln>
+        </p:spPr>
+        <p:style>
+          <a:lnRef idx="1">
+            <a:schemeClr val="accent1"/>
+          </a:lnRef>
+          <a:fillRef idx="0">
+            <a:schemeClr val="accent1"/>
+          </a:fillRef>
+          <a:effectRef idx="0">
+            <a:schemeClr val="accent1"/>
+          </a:effectRef>
+          <a:fontRef idx="minor">
+            <a:schemeClr val="tx1"/>
+          </a:fontRef>
+        </p:style>
+      </p:cxnSp>
+      <p:cxnSp>
+        <p:nvCxnSpPr>
+          <p:cNvPr id="57" name="Connecteur droit 56"/>
+          <p:cNvCxnSpPr/>
+          <p:nvPr/>
+        </p:nvCxnSpPr>
+        <p:spPr>
+          <a:xfrm flipH="1">
+            <a:off x="1608722" y="5251887"/>
+            <a:ext cx="365515" cy="0"/>
+          </a:xfrm>
+          <a:prstGeom prst="line">
+            <a:avLst/>
+          </a:prstGeom>
+          <a:ln w="38100">
+            <a:solidFill>
+              <a:srgbClr val="0070C0"/>
+            </a:solidFill>
+          </a:ln>
+        </p:spPr>
+        <p:style>
+          <a:lnRef idx="1">
+            <a:schemeClr val="accent1"/>
+          </a:lnRef>
+          <a:fillRef idx="0">
+            <a:schemeClr val="accent1"/>
+          </a:fillRef>
+          <a:effectRef idx="0">
+            <a:schemeClr val="accent1"/>
+          </a:effectRef>
+          <a:fontRef idx="minor">
+            <a:schemeClr val="tx1"/>
+          </a:fontRef>
+        </p:style>
+      </p:cxnSp>
+      <p:cxnSp>
+        <p:nvCxnSpPr>
+          <p:cNvPr id="58" name="Connecteur droit 57"/>
+          <p:cNvCxnSpPr/>
+          <p:nvPr/>
+        </p:nvCxnSpPr>
+        <p:spPr>
+          <a:xfrm flipV="1">
+            <a:off x="1608722" y="5251888"/>
+            <a:ext cx="0" cy="697392"/>
+          </a:xfrm>
+          <a:prstGeom prst="line">
+            <a:avLst/>
+          </a:prstGeom>
+          <a:ln w="38100">
+            <a:solidFill>
+              <a:srgbClr val="0070C0"/>
+            </a:solidFill>
+          </a:ln>
+        </p:spPr>
+        <p:style>
+          <a:lnRef idx="1">
+            <a:schemeClr val="accent1"/>
+          </a:lnRef>
+          <a:fillRef idx="0">
+            <a:schemeClr val="accent1"/>
+          </a:fillRef>
+          <a:effectRef idx="0">
+            <a:schemeClr val="accent1"/>
+          </a:effectRef>
+          <a:fontRef idx="minor">
+            <a:schemeClr val="tx1"/>
+          </a:fontRef>
+        </p:style>
+      </p:cxnSp>
+      <p:cxnSp>
+        <p:nvCxnSpPr>
+          <p:cNvPr id="59" name="Connecteur droit 58"/>
+          <p:cNvCxnSpPr/>
+          <p:nvPr/>
+        </p:nvCxnSpPr>
+        <p:spPr>
+          <a:xfrm flipH="1">
+            <a:off x="1974237" y="476672"/>
+            <a:ext cx="365515" cy="0"/>
+          </a:xfrm>
+          <a:prstGeom prst="line">
+            <a:avLst/>
+          </a:prstGeom>
+          <a:ln w="38100">
+            <a:solidFill>
+              <a:srgbClr val="0070C0"/>
+            </a:solidFill>
+          </a:ln>
+        </p:spPr>
+        <p:style>
+          <a:lnRef idx="1">
+            <a:schemeClr val="accent1"/>
+          </a:lnRef>
+          <a:fillRef idx="0">
+            <a:schemeClr val="accent1"/>
+          </a:fillRef>
+          <a:effectRef idx="0">
+            <a:schemeClr val="accent1"/>
+          </a:effectRef>
+          <a:fontRef idx="minor">
+            <a:schemeClr val="tx1"/>
+          </a:fontRef>
+        </p:style>
+      </p:cxnSp>
+      <p:cxnSp>
+        <p:nvCxnSpPr>
+          <p:cNvPr id="60" name="Connecteur droit 59"/>
+          <p:cNvCxnSpPr/>
+          <p:nvPr/>
+        </p:nvCxnSpPr>
+        <p:spPr>
+          <a:xfrm flipH="1">
+            <a:off x="2339753" y="476672"/>
+            <a:ext cx="4459020" cy="0"/>
+          </a:xfrm>
+          <a:prstGeom prst="line">
+            <a:avLst/>
+          </a:prstGeom>
+          <a:ln w="38100">
+            <a:solidFill>
+              <a:srgbClr val="0070C0"/>
+            </a:solidFill>
+          </a:ln>
+        </p:spPr>
+        <p:style>
+          <a:lnRef idx="1">
+            <a:schemeClr val="accent1"/>
+          </a:lnRef>
+          <a:fillRef idx="0">
+            <a:schemeClr val="accent1"/>
+          </a:fillRef>
+          <a:effectRef idx="0">
+            <a:schemeClr val="accent1"/>
+          </a:effectRef>
+          <a:fontRef idx="minor">
+            <a:schemeClr val="tx1"/>
+          </a:fontRef>
+        </p:style>
+      </p:cxnSp>
+      <p:cxnSp>
+        <p:nvCxnSpPr>
+          <p:cNvPr id="63" name="Connecteur droit 62"/>
+          <p:cNvCxnSpPr/>
+          <p:nvPr/>
+        </p:nvCxnSpPr>
+        <p:spPr>
+          <a:xfrm flipH="1">
+            <a:off x="1608722" y="5949280"/>
+            <a:ext cx="365515" cy="0"/>
+          </a:xfrm>
+          <a:prstGeom prst="line">
+            <a:avLst/>
+          </a:prstGeom>
+          <a:ln w="38100">
+            <a:solidFill>
+              <a:srgbClr val="0070C0"/>
+            </a:solidFill>
+          </a:ln>
+        </p:spPr>
+        <p:style>
+          <a:lnRef idx="1">
+            <a:schemeClr val="accent1"/>
+          </a:lnRef>
+          <a:fillRef idx="0">
+            <a:schemeClr val="accent1"/>
+          </a:fillRef>
+          <a:effectRef idx="0">
+            <a:schemeClr val="accent1"/>
+          </a:effectRef>
+          <a:fontRef idx="minor">
+            <a:schemeClr val="tx1"/>
+          </a:fontRef>
+        </p:style>
+      </p:cxnSp>
+      <p:cxnSp>
+        <p:nvCxnSpPr>
+          <p:cNvPr id="67" name="Connecteur droit 66"/>
+          <p:cNvCxnSpPr/>
+          <p:nvPr/>
+        </p:nvCxnSpPr>
+        <p:spPr>
+          <a:xfrm>
+            <a:off x="7133930" y="5949280"/>
+            <a:ext cx="365515" cy="0"/>
+          </a:xfrm>
+          <a:prstGeom prst="line">
+            <a:avLst/>
+          </a:prstGeom>
+          <a:ln w="38100">
+            <a:solidFill>
+              <a:srgbClr val="0070C0"/>
+            </a:solidFill>
+          </a:ln>
+        </p:spPr>
+        <p:style>
+          <a:lnRef idx="1">
+            <a:schemeClr val="accent1"/>
+          </a:lnRef>
+          <a:fillRef idx="0">
+            <a:schemeClr val="accent1"/>
+          </a:fillRef>
+          <a:effectRef idx="0">
+            <a:schemeClr val="accent1"/>
+          </a:effectRef>
+          <a:fontRef idx="minor">
+            <a:schemeClr val="tx1"/>
+          </a:fontRef>
+        </p:style>
+      </p:cxnSp>
+      <p:cxnSp>
+        <p:nvCxnSpPr>
+          <p:cNvPr id="69" name="Connecteur droit 68"/>
+          <p:cNvCxnSpPr/>
+          <p:nvPr/>
+        </p:nvCxnSpPr>
+        <p:spPr>
+          <a:xfrm flipV="1">
+            <a:off x="7164288" y="5949280"/>
+            <a:ext cx="0" cy="648072"/>
+          </a:xfrm>
+          <a:prstGeom prst="line">
+            <a:avLst/>
+          </a:prstGeom>
+          <a:ln w="38100">
+            <a:solidFill>
+              <a:srgbClr val="0070C0"/>
+            </a:solidFill>
+          </a:ln>
+        </p:spPr>
+        <p:style>
+          <a:lnRef idx="1">
+            <a:schemeClr val="accent1"/>
+          </a:lnRef>
+          <a:fillRef idx="0">
+            <a:schemeClr val="accent1"/>
+          </a:fillRef>
+          <a:effectRef idx="0">
+            <a:schemeClr val="accent1"/>
+          </a:effectRef>
+          <a:fontRef idx="minor">
+            <a:schemeClr val="tx1"/>
+          </a:fontRef>
+        </p:style>
+      </p:cxnSp>
+      <p:cxnSp>
+        <p:nvCxnSpPr>
+          <p:cNvPr id="72" name="Connecteur droit 71"/>
+          <p:cNvCxnSpPr/>
+          <p:nvPr/>
+        </p:nvCxnSpPr>
+        <p:spPr>
+          <a:xfrm flipV="1">
+            <a:off x="1974237" y="5949280"/>
+            <a:ext cx="0" cy="648072"/>
+          </a:xfrm>
+          <a:prstGeom prst="line">
+            <a:avLst/>
+          </a:prstGeom>
+          <a:ln w="38100">
+            <a:solidFill>
+              <a:srgbClr val="0070C0"/>
+            </a:solidFill>
+          </a:ln>
+        </p:spPr>
+        <p:style>
+          <a:lnRef idx="1">
+            <a:schemeClr val="accent1"/>
+          </a:lnRef>
+          <a:fillRef idx="0">
+            <a:schemeClr val="accent1"/>
+          </a:fillRef>
+          <a:effectRef idx="0">
+            <a:schemeClr val="accent1"/>
+          </a:effectRef>
+          <a:fontRef idx="minor">
+            <a:schemeClr val="tx1"/>
+          </a:fontRef>
+        </p:style>
+      </p:cxnSp>
+      <p:cxnSp>
+        <p:nvCxnSpPr>
+          <p:cNvPr id="73" name="Connecteur droit 72"/>
+          <p:cNvCxnSpPr/>
+          <p:nvPr/>
+        </p:nvCxnSpPr>
+        <p:spPr>
+          <a:xfrm flipH="1">
+            <a:off x="1974237" y="6597352"/>
+            <a:ext cx="5190051" cy="0"/>
+          </a:xfrm>
+          <a:prstGeom prst="line">
+            <a:avLst/>
+          </a:prstGeom>
+          <a:ln w="38100">
+            <a:solidFill>
+              <a:srgbClr val="0070C0"/>
+            </a:solidFill>
+          </a:ln>
+        </p:spPr>
+        <p:style>
+          <a:lnRef idx="1">
+            <a:schemeClr val="accent1"/>
+          </a:lnRef>
+          <a:fillRef idx="0">
+            <a:schemeClr val="accent1"/>
+          </a:fillRef>
+          <a:effectRef idx="0">
+            <a:schemeClr val="accent1"/>
+          </a:effectRef>
+          <a:fontRef idx="minor">
+            <a:schemeClr val="tx1"/>
+          </a:fontRef>
+        </p:style>
+      </p:cxnSp>
+      <p:cxnSp>
+        <p:nvCxnSpPr>
+          <p:cNvPr id="82" name="Connecteur droit 81"/>
+          <p:cNvCxnSpPr/>
+          <p:nvPr/>
+        </p:nvCxnSpPr>
+        <p:spPr>
+          <a:xfrm flipV="1">
+            <a:off x="2849285" y="5085184"/>
+            <a:ext cx="157726" cy="504056"/>
+          </a:xfrm>
+          <a:prstGeom prst="line">
+            <a:avLst/>
+          </a:prstGeom>
+          <a:ln w="38100">
+            <a:solidFill>
+              <a:srgbClr val="00B050"/>
+            </a:solidFill>
+          </a:ln>
+        </p:spPr>
+        <p:style>
+          <a:lnRef idx="1">
+            <a:schemeClr val="accent1"/>
+          </a:lnRef>
+          <a:fillRef idx="0">
+            <a:schemeClr val="accent1"/>
+          </a:fillRef>
+          <a:effectRef idx="0">
+            <a:schemeClr val="accent1"/>
+          </a:effectRef>
+          <a:fontRef idx="minor">
+            <a:schemeClr val="tx1"/>
+          </a:fontRef>
+        </p:style>
+      </p:cxnSp>
+      <p:cxnSp>
+        <p:nvCxnSpPr>
+          <p:cNvPr id="85" name="Connecteur droit 84"/>
+          <p:cNvCxnSpPr/>
+          <p:nvPr/>
+        </p:nvCxnSpPr>
+        <p:spPr>
+          <a:xfrm flipV="1">
+            <a:off x="3775153" y="1484784"/>
+            <a:ext cx="83622" cy="2664296"/>
+          </a:xfrm>
+          <a:prstGeom prst="line">
+            <a:avLst/>
+          </a:prstGeom>
+          <a:ln w="38100">
+            <a:solidFill>
+              <a:srgbClr val="00B050"/>
+            </a:solidFill>
+          </a:ln>
+        </p:spPr>
+        <p:style>
+          <a:lnRef idx="1">
+            <a:schemeClr val="accent1"/>
+          </a:lnRef>
+          <a:fillRef idx="0">
+            <a:schemeClr val="accent1"/>
+          </a:fillRef>
+          <a:effectRef idx="0">
+            <a:schemeClr val="accent1"/>
+          </a:effectRef>
+          <a:fontRef idx="minor">
+            <a:schemeClr val="tx1"/>
+          </a:fontRef>
+        </p:style>
+      </p:cxnSp>
+      <p:cxnSp>
+        <p:nvCxnSpPr>
+          <p:cNvPr id="87" name="Connecteur droit 86"/>
+          <p:cNvCxnSpPr/>
+          <p:nvPr/>
+        </p:nvCxnSpPr>
+        <p:spPr>
+          <a:xfrm flipH="1" flipV="1">
+            <a:off x="5274991" y="1484784"/>
+            <a:ext cx="83622" cy="2664296"/>
+          </a:xfrm>
+          <a:prstGeom prst="line">
+            <a:avLst/>
+          </a:prstGeom>
+          <a:ln w="38100">
+            <a:solidFill>
+              <a:srgbClr val="00B050"/>
+            </a:solidFill>
+          </a:ln>
+        </p:spPr>
+        <p:style>
+          <a:lnRef idx="1">
+            <a:schemeClr val="accent1"/>
+          </a:lnRef>
+          <a:fillRef idx="0">
+            <a:schemeClr val="accent1"/>
+          </a:fillRef>
+          <a:effectRef idx="0">
+            <a:schemeClr val="accent1"/>
+          </a:effectRef>
+          <a:fontRef idx="minor">
+            <a:schemeClr val="tx1"/>
+          </a:fontRef>
+        </p:style>
+      </p:cxnSp>
+      <p:cxnSp>
+        <p:nvCxnSpPr>
+          <p:cNvPr id="88" name="Connecteur droit 87"/>
+          <p:cNvCxnSpPr/>
+          <p:nvPr/>
+        </p:nvCxnSpPr>
+        <p:spPr>
+          <a:xfrm flipH="1" flipV="1">
+            <a:off x="6136632" y="5096528"/>
+            <a:ext cx="157726" cy="504056"/>
+          </a:xfrm>
+          <a:prstGeom prst="line">
+            <a:avLst/>
+          </a:prstGeom>
+          <a:ln w="38100">
+            <a:solidFill>
+              <a:srgbClr val="00B050"/>
+            </a:solidFill>
+          </a:ln>
+        </p:spPr>
+        <p:style>
+          <a:lnRef idx="1">
+            <a:schemeClr val="accent1"/>
+          </a:lnRef>
+          <a:fillRef idx="0">
+            <a:schemeClr val="accent1"/>
+          </a:fillRef>
+          <a:effectRef idx="0">
+            <a:schemeClr val="accent1"/>
+          </a:effectRef>
+          <a:fontRef idx="minor">
+            <a:schemeClr val="tx1"/>
+          </a:fontRef>
+        </p:style>
+      </p:cxnSp>
+    </p:spTree>
+    <p:extLst>
+      <p:ext uri="{BB962C8B-B14F-4D97-AF65-F5344CB8AC3E}">
+        <p14:creationId xmlns:p14="http://schemas.microsoft.com/office/powerpoint/2010/main" val="2244633843"/>
+      </p:ext>
+    </p:extLst>
+  </p:cSld>
+  <p:clrMapOvr>
+    <a:masterClrMapping/>
+  </p:clrMapOvr>
+</p:sld>
+</file>
+
+<file path=ppt/slides/slide4.xml><?xml version="1.0" encoding="utf-8"?>
+<p:sld xmlns:a="http://schemas.openxmlformats.org/drawingml/2006/main" xmlns:r="http://schemas.openxmlformats.org/officeDocument/2006/relationships" xmlns:p="http://schemas.openxmlformats.org/presentationml/2006/main">
+  <p:cSld>
+    <p:spTree>
+      <p:nvGrpSpPr>
+        <p:cNvPr id="1" name=""/>
+        <p:cNvGrpSpPr/>
+        <p:nvPr/>
+      </p:nvGrpSpPr>
+      <p:grpSpPr>
+        <a:xfrm>
+          <a:off x="0" y="0"/>
+          <a:ext cx="0" cy="0"/>
+          <a:chOff x="0" y="0"/>
+          <a:chExt cx="0" cy="0"/>
+        </a:xfrm>
+      </p:grpSpPr>
+      <p:pic>
+        <p:nvPicPr>
+          <p:cNvPr id="4" name="Image 3"/>
+          <p:cNvPicPr/>
+          <p:nvPr/>
+        </p:nvPicPr>
+        <p:blipFill>
+          <a:blip r:embed="rId2"/>
+          <a:stretch>
+            <a:fillRect/>
+          </a:stretch>
+        </p:blipFill>
+        <p:spPr>
+          <a:xfrm>
+            <a:off x="2833687" y="2152650"/>
+            <a:ext cx="3476625" cy="2552700"/>
+          </a:xfrm>
+          <a:prstGeom prst="rect">
+            <a:avLst/>
+          </a:prstGeom>
+        </p:spPr>
+      </p:pic>
+      <p:cxnSp>
+        <p:nvCxnSpPr>
+          <p:cNvPr id="6" name="Connecteur droit avec flèche 5"/>
+          <p:cNvCxnSpPr/>
+          <p:nvPr/>
+        </p:nvCxnSpPr>
+        <p:spPr>
+          <a:xfrm>
+            <a:off x="4283968" y="2420888"/>
+            <a:ext cx="0" cy="432048"/>
+          </a:xfrm>
+          <a:prstGeom prst="straightConnector1">
+            <a:avLst/>
+          </a:prstGeom>
+          <a:ln w="38100">
+            <a:tailEnd type="triangle" w="lg" len="lg"/>
+          </a:ln>
+        </p:spPr>
+        <p:style>
+          <a:lnRef idx="1">
+            <a:schemeClr val="accent1"/>
+          </a:lnRef>
+          <a:fillRef idx="0">
+            <a:schemeClr val="accent1"/>
+          </a:fillRef>
+          <a:effectRef idx="0">
+            <a:schemeClr val="accent1"/>
+          </a:effectRef>
+          <a:fontRef idx="minor">
+            <a:schemeClr val="tx1"/>
+          </a:fontRef>
+        </p:style>
+      </p:cxnSp>
+      <p:cxnSp>
+        <p:nvCxnSpPr>
+          <p:cNvPr id="7" name="Connecteur droit avec flèche 6"/>
+          <p:cNvCxnSpPr/>
+          <p:nvPr/>
+        </p:nvCxnSpPr>
+        <p:spPr>
+          <a:xfrm>
+            <a:off x="6012160" y="2469213"/>
+            <a:ext cx="0" cy="432048"/>
+          </a:xfrm>
+          <a:prstGeom prst="straightConnector1">
+            <a:avLst/>
+          </a:prstGeom>
+          <a:ln w="38100">
+            <a:tailEnd type="triangle" w="lg" len="lg"/>
+          </a:ln>
+        </p:spPr>
+        <p:style>
+          <a:lnRef idx="1">
+            <a:schemeClr val="accent1"/>
+          </a:lnRef>
+          <a:fillRef idx="0">
+            <a:schemeClr val="accent1"/>
+          </a:fillRef>
+          <a:effectRef idx="0">
+            <a:schemeClr val="accent1"/>
+          </a:effectRef>
+          <a:fontRef idx="minor">
+            <a:schemeClr val="tx1"/>
+          </a:fontRef>
+        </p:style>
+      </p:cxnSp>
+      <p:cxnSp>
+        <p:nvCxnSpPr>
+          <p:cNvPr id="8" name="Connecteur droit avec flèche 7"/>
+          <p:cNvCxnSpPr/>
+          <p:nvPr/>
+        </p:nvCxnSpPr>
+        <p:spPr>
+          <a:xfrm flipH="1">
+            <a:off x="6310312" y="3429000"/>
+            <a:ext cx="449174" cy="0"/>
+          </a:xfrm>
+          <a:prstGeom prst="straightConnector1">
+            <a:avLst/>
+          </a:prstGeom>
+          <a:ln w="38100">
+            <a:tailEnd type="triangle" w="lg" len="lg"/>
+          </a:ln>
+        </p:spPr>
+        <p:style>
+          <a:lnRef idx="1">
+            <a:schemeClr val="accent1"/>
+          </a:lnRef>
+          <a:fillRef idx="0">
+            <a:schemeClr val="accent1"/>
+          </a:fillRef>
+          <a:effectRef idx="0">
+            <a:schemeClr val="accent1"/>
+          </a:effectRef>
+          <a:fontRef idx="minor">
+            <a:schemeClr val="tx1"/>
+          </a:fontRef>
+        </p:style>
+      </p:cxnSp>
+      <p:sp>
+        <p:nvSpPr>
+          <p:cNvPr id="10" name="Ellipse 9"/>
+          <p:cNvSpPr/>
+          <p:nvPr/>
+        </p:nvSpPr>
+        <p:spPr>
+          <a:xfrm>
+            <a:off x="4211960" y="3356992"/>
+            <a:ext cx="144016" cy="144016"/>
+          </a:xfrm>
+          <a:prstGeom prst="ellipse">
+            <a:avLst/>
+          </a:prstGeom>
+          <a:solidFill>
+            <a:srgbClr val="0070C0"/>
+          </a:solidFill>
+          <a:ln w="38100">
+            <a:solidFill>
+              <a:srgbClr val="0070C0"/>
+            </a:solidFill>
+            <a:tailEnd type="triangle" w="lg" len="lg"/>
+          </a:ln>
+        </p:spPr>
+        <p:style>
+          <a:lnRef idx="1">
+            <a:schemeClr val="accent1"/>
+          </a:lnRef>
+          <a:fillRef idx="0">
+            <a:schemeClr val="accent1"/>
+          </a:fillRef>
+          <a:effectRef idx="0">
+            <a:schemeClr val="accent1"/>
+          </a:effectRef>
+          <a:fontRef idx="minor">
+            <a:schemeClr val="tx1"/>
+          </a:fontRef>
+        </p:style>
+        <p:txBody>
+          <a:bodyPr rtlCol="0" anchor="ctr"/>
+          <a:lstStyle/>
+          <a:p>
+            <a:pPr algn="ctr"/>
+            <a:endParaRPr lang="fr-FR"/>
+          </a:p>
+        </p:txBody>
+      </p:sp>
+      <p:sp>
+        <p:nvSpPr>
+          <p:cNvPr id="11" name="Ellipse 10"/>
+          <p:cNvSpPr/>
+          <p:nvPr/>
+        </p:nvSpPr>
+        <p:spPr>
+          <a:xfrm>
+            <a:off x="5940152" y="3356992"/>
+            <a:ext cx="144016" cy="144016"/>
+          </a:xfrm>
+          <a:prstGeom prst="ellipse">
+            <a:avLst/>
+          </a:prstGeom>
+          <a:solidFill>
+            <a:srgbClr val="0070C0"/>
+          </a:solidFill>
+          <a:ln w="38100">
+            <a:solidFill>
+              <a:srgbClr val="0070C0"/>
+            </a:solidFill>
+            <a:tailEnd type="triangle" w="lg" len="lg"/>
+          </a:ln>
+        </p:spPr>
+        <p:style>
+          <a:lnRef idx="1">
+            <a:schemeClr val="accent1"/>
+          </a:lnRef>
+          <a:fillRef idx="0">
+            <a:schemeClr val="accent1"/>
+          </a:fillRef>
+          <a:effectRef idx="0">
+            <a:schemeClr val="accent1"/>
+          </a:effectRef>
+          <a:fontRef idx="minor">
+            <a:schemeClr val="tx1"/>
+          </a:fontRef>
+        </p:style>
+        <p:txBody>
+          <a:bodyPr rtlCol="0" anchor="ctr"/>
+          <a:lstStyle/>
+          <a:p>
+            <a:pPr algn="ctr"/>
+            <a:endParaRPr lang="fr-FR"/>
+          </a:p>
+        </p:txBody>
+      </p:sp>
+      <p:sp>
+        <p:nvSpPr>
+          <p:cNvPr id="12" name="ZoneTexte 11"/>
+          <p:cNvSpPr txBox="1"/>
+          <p:nvPr/>
+        </p:nvSpPr>
+        <p:spPr>
+          <a:xfrm>
+            <a:off x="5970388" y="2411596"/>
+            <a:ext cx="301686" cy="369332"/>
+          </a:xfrm>
+          <a:prstGeom prst="rect">
+            <a:avLst/>
+          </a:prstGeom>
+          <a:noFill/>
+        </p:spPr>
+        <p:txBody>
+          <a:bodyPr wrap="none" rtlCol="0">
+            <a:spAutoFit/>
+          </a:bodyPr>
+          <a:lstStyle/>
+          <a:p>
+            <a:r>
+              <a:rPr lang="fr-FR" b="1" dirty="0" smtClean="0">
+                <a:solidFill>
+                  <a:srgbClr val="FF0000"/>
+                </a:solidFill>
+              </a:rPr>
+              <a:t>2</a:t>
+            </a:r>
+            <a:endParaRPr lang="fr-FR" b="1" dirty="0">
+              <a:solidFill>
+                <a:srgbClr val="FF0000"/>
+              </a:solidFill>
+            </a:endParaRPr>
+          </a:p>
+        </p:txBody>
+      </p:sp>
+      <p:sp>
+        <p:nvSpPr>
+          <p:cNvPr id="13" name="ZoneTexte 12"/>
+          <p:cNvSpPr txBox="1"/>
+          <p:nvPr/>
+        </p:nvSpPr>
+        <p:spPr>
+          <a:xfrm>
+            <a:off x="4266430" y="2326851"/>
+            <a:ext cx="301686" cy="369332"/>
+          </a:xfrm>
+          <a:prstGeom prst="rect">
+            <a:avLst/>
+          </a:prstGeom>
+          <a:noFill/>
+        </p:spPr>
+        <p:txBody>
+          <a:bodyPr wrap="none" rtlCol="0">
+            <a:spAutoFit/>
+          </a:bodyPr>
+          <a:lstStyle/>
+          <a:p>
+            <a:r>
+              <a:rPr lang="fr-FR" b="1" dirty="0" smtClean="0">
+                <a:solidFill>
+                  <a:srgbClr val="FF0000"/>
+                </a:solidFill>
+              </a:rPr>
+              <a:t>1</a:t>
+            </a:r>
+            <a:endParaRPr lang="fr-FR" b="1" dirty="0">
+              <a:solidFill>
+                <a:srgbClr val="FF0000"/>
+              </a:solidFill>
+            </a:endParaRPr>
+          </a:p>
+        </p:txBody>
+      </p:sp>
+      <p:sp>
+        <p:nvSpPr>
+          <p:cNvPr id="14" name="ZoneTexte 13"/>
+          <p:cNvSpPr txBox="1"/>
+          <p:nvPr/>
+        </p:nvSpPr>
+        <p:spPr>
+          <a:xfrm>
+            <a:off x="3917589" y="3237019"/>
+            <a:ext cx="301686" cy="369332"/>
+          </a:xfrm>
+          <a:prstGeom prst="rect">
+            <a:avLst/>
+          </a:prstGeom>
+          <a:noFill/>
+        </p:spPr>
+        <p:txBody>
+          <a:bodyPr wrap="none" rtlCol="0">
+            <a:spAutoFit/>
+          </a:bodyPr>
+          <a:lstStyle/>
+          <a:p>
+            <a:r>
+              <a:rPr lang="fr-FR" b="1" dirty="0" smtClean="0">
+                <a:solidFill>
+                  <a:srgbClr val="FF0000"/>
+                </a:solidFill>
+              </a:rPr>
+              <a:t>3</a:t>
+            </a:r>
+            <a:endParaRPr lang="fr-FR" b="1" dirty="0">
+              <a:solidFill>
+                <a:srgbClr val="FF0000"/>
+              </a:solidFill>
+            </a:endParaRPr>
+          </a:p>
+        </p:txBody>
+      </p:sp>
+      <p:sp>
+        <p:nvSpPr>
+          <p:cNvPr id="15" name="ZoneTexte 14"/>
+          <p:cNvSpPr txBox="1"/>
+          <p:nvPr/>
+        </p:nvSpPr>
+        <p:spPr>
+          <a:xfrm>
+            <a:off x="5598863" y="3235781"/>
+            <a:ext cx="301686" cy="369332"/>
+          </a:xfrm>
+          <a:prstGeom prst="rect">
+            <a:avLst/>
+          </a:prstGeom>
+          <a:noFill/>
+        </p:spPr>
+        <p:txBody>
+          <a:bodyPr wrap="none" rtlCol="0">
+            <a:spAutoFit/>
+          </a:bodyPr>
+          <a:lstStyle/>
+          <a:p>
+            <a:r>
+              <a:rPr lang="fr-FR" b="1" dirty="0" smtClean="0">
+                <a:solidFill>
+                  <a:srgbClr val="FF0000"/>
+                </a:solidFill>
+              </a:rPr>
+              <a:t>4</a:t>
+            </a:r>
+            <a:endParaRPr lang="fr-FR" b="1" dirty="0">
+              <a:solidFill>
+                <a:srgbClr val="FF0000"/>
+              </a:solidFill>
+            </a:endParaRPr>
+          </a:p>
+        </p:txBody>
+      </p:sp>
+      <p:sp>
+        <p:nvSpPr>
+          <p:cNvPr id="16" name="ZoneTexte 15"/>
+          <p:cNvSpPr txBox="1"/>
+          <p:nvPr/>
+        </p:nvSpPr>
+        <p:spPr>
+          <a:xfrm>
+            <a:off x="6761154" y="3244334"/>
+            <a:ext cx="301686" cy="369332"/>
+          </a:xfrm>
+          <a:prstGeom prst="rect">
+            <a:avLst/>
+          </a:prstGeom>
+          <a:noFill/>
+        </p:spPr>
+        <p:txBody>
+          <a:bodyPr wrap="none" rtlCol="0">
+            <a:spAutoFit/>
+          </a:bodyPr>
+          <a:lstStyle/>
+          <a:p>
+            <a:r>
+              <a:rPr lang="fr-FR" b="1" dirty="0" smtClean="0">
+                <a:solidFill>
+                  <a:srgbClr val="FF0000"/>
+                </a:solidFill>
+              </a:rPr>
+              <a:t>5</a:t>
+            </a:r>
+            <a:endParaRPr lang="fr-FR" b="1" dirty="0">
+              <a:solidFill>
+                <a:srgbClr val="FF0000"/>
+              </a:solidFill>
+            </a:endParaRPr>
+          </a:p>
+        </p:txBody>
+      </p:sp>
+      <p:sp>
+        <p:nvSpPr>
+          <p:cNvPr id="17" name="Losange 16"/>
+          <p:cNvSpPr/>
+          <p:nvPr/>
+        </p:nvSpPr>
+        <p:spPr>
+          <a:xfrm rot="18826036">
+            <a:off x="2449821" y="2331498"/>
+            <a:ext cx="285788" cy="360040"/>
+          </a:xfrm>
+          <a:prstGeom prst="diamond">
+            <a:avLst/>
+          </a:prstGeom>
+          <a:solidFill>
+            <a:schemeClr val="bg1"/>
+          </a:solidFill>
+        </p:spPr>
+        <p:style>
+          <a:lnRef idx="2">
+            <a:schemeClr val="accent1">
+              <a:shade val="50000"/>
+            </a:schemeClr>
+          </a:lnRef>
+          <a:fillRef idx="1">
+            <a:schemeClr val="accent1"/>
+          </a:fillRef>
+          <a:effectRef idx="0">
+            <a:schemeClr val="accent1"/>
+          </a:effectRef>
+          <a:fontRef idx="minor">
+            <a:schemeClr val="lt1"/>
+          </a:fontRef>
+        </p:style>
+        <p:txBody>
+          <a:bodyPr rtlCol="0" anchor="ctr"/>
+          <a:lstStyle/>
+          <a:p>
+            <a:pPr algn="ctr"/>
+            <a:endParaRPr lang="fr-FR"/>
+          </a:p>
+        </p:txBody>
+      </p:sp>
+      <p:cxnSp>
+        <p:nvCxnSpPr>
+          <p:cNvPr id="19" name="Connecteur droit 18"/>
+          <p:cNvCxnSpPr>
+            <a:stCxn id="17" idx="3"/>
+          </p:cNvCxnSpPr>
+          <p:nvPr/>
+        </p:nvCxnSpPr>
+        <p:spPr>
+          <a:xfrm flipV="1">
+            <a:off x="2691558" y="1916832"/>
+            <a:ext cx="0" cy="491494"/>
+          </a:xfrm>
+          <a:prstGeom prst="line">
+            <a:avLst/>
+          </a:prstGeom>
+          <a:solidFill>
+            <a:schemeClr val="bg1"/>
+          </a:solidFill>
+        </p:spPr>
+        <p:style>
+          <a:lnRef idx="2">
+            <a:schemeClr val="accent1">
+              <a:shade val="50000"/>
+            </a:schemeClr>
+          </a:lnRef>
+          <a:fillRef idx="1">
+            <a:schemeClr val="accent1"/>
+          </a:fillRef>
+          <a:effectRef idx="0">
+            <a:schemeClr val="accent1"/>
+          </a:effectRef>
+          <a:fontRef idx="minor">
+            <a:schemeClr val="lt1"/>
+          </a:fontRef>
+        </p:style>
+      </p:cxnSp>
+      <p:cxnSp>
+        <p:nvCxnSpPr>
+          <p:cNvPr id="21" name="Connecteur droit 20"/>
+          <p:cNvCxnSpPr/>
+          <p:nvPr/>
+        </p:nvCxnSpPr>
+        <p:spPr>
+          <a:xfrm flipV="1">
+            <a:off x="2340268" y="1906904"/>
+            <a:ext cx="0" cy="604613"/>
+          </a:xfrm>
+          <a:prstGeom prst="line">
+            <a:avLst/>
+          </a:prstGeom>
+          <a:solidFill>
+            <a:schemeClr val="bg1"/>
+          </a:solidFill>
+        </p:spPr>
+        <p:style>
+          <a:lnRef idx="2">
+            <a:schemeClr val="accent1">
+              <a:shade val="50000"/>
+            </a:schemeClr>
+          </a:lnRef>
+          <a:fillRef idx="1">
+            <a:schemeClr val="accent1"/>
+          </a:fillRef>
+          <a:effectRef idx="0">
+            <a:schemeClr val="accent1"/>
+          </a:effectRef>
+          <a:fontRef idx="minor">
+            <a:schemeClr val="lt1"/>
+          </a:fontRef>
+        </p:style>
+      </p:cxnSp>
+      <p:cxnSp>
+        <p:nvCxnSpPr>
+          <p:cNvPr id="22" name="Connecteur droit 21"/>
+          <p:cNvCxnSpPr>
+            <a:stCxn id="17" idx="1"/>
+          </p:cNvCxnSpPr>
+          <p:nvPr/>
+        </p:nvCxnSpPr>
+        <p:spPr>
+          <a:xfrm flipH="1" flipV="1">
+            <a:off x="2340268" y="2511517"/>
+            <a:ext cx="153603" cy="103193"/>
+          </a:xfrm>
+          <a:prstGeom prst="line">
+            <a:avLst/>
+          </a:prstGeom>
+          <a:solidFill>
+            <a:schemeClr val="bg1"/>
+          </a:solidFill>
+        </p:spPr>
+        <p:style>
+          <a:lnRef idx="2">
+            <a:schemeClr val="accent1">
+              <a:shade val="50000"/>
+            </a:schemeClr>
+          </a:lnRef>
+          <a:fillRef idx="1">
+            <a:schemeClr val="accent1"/>
+          </a:fillRef>
+          <a:effectRef idx="0">
+            <a:schemeClr val="accent1"/>
+          </a:effectRef>
+          <a:fontRef idx="minor">
+            <a:schemeClr val="lt1"/>
+          </a:fontRef>
+        </p:style>
+      </p:cxnSp>
+      <p:sp>
+        <p:nvSpPr>
+          <p:cNvPr id="29" name="Ellipse 28"/>
+          <p:cNvSpPr/>
+          <p:nvPr/>
+        </p:nvSpPr>
+        <p:spPr>
+          <a:xfrm flipV="1">
+            <a:off x="2569855" y="2488658"/>
+            <a:ext cx="45720" cy="45720"/>
+          </a:xfrm>
+          <a:prstGeom prst="ellipse">
+            <a:avLst/>
+          </a:prstGeom>
+          <a:solidFill>
+            <a:schemeClr val="bg1"/>
+          </a:solidFill>
+        </p:spPr>
+        <p:style>
+          <a:lnRef idx="2">
+            <a:schemeClr val="accent1">
+              <a:shade val="50000"/>
+            </a:schemeClr>
+          </a:lnRef>
+          <a:fillRef idx="1">
+            <a:schemeClr val="accent1"/>
+          </a:fillRef>
+          <a:effectRef idx="0">
+            <a:schemeClr val="accent1"/>
+          </a:effectRef>
+          <a:fontRef idx="minor">
+            <a:schemeClr val="lt1"/>
+          </a:fontRef>
+        </p:style>
+        <p:txBody>
+          <a:bodyPr rtlCol="0" anchor="ctr"/>
+          <a:lstStyle/>
+          <a:p>
+            <a:pPr algn="ctr"/>
+            <a:endParaRPr lang="fr-FR"/>
+          </a:p>
+        </p:txBody>
+      </p:sp>
+    </p:spTree>
+    <p:extLst>
+      <p:ext uri="{BB962C8B-B14F-4D97-AF65-F5344CB8AC3E}">
+        <p14:creationId xmlns:p14="http://schemas.microsoft.com/office/powerpoint/2010/main" val="1837213256"/>
+      </p:ext>
+    </p:extLst>
+  </p:cSld>
+  <p:clrMapOvr>
+    <a:masterClrMapping/>
+  </p:clrMapOvr>
+</p:sld>
+</file>
+
+<file path=ppt/slides/slide5.xml><?xml version="1.0" encoding="utf-8"?>
+<p:sld xmlns:a="http://schemas.openxmlformats.org/drawingml/2006/main" xmlns:r="http://schemas.openxmlformats.org/officeDocument/2006/relationships" xmlns:p="http://schemas.openxmlformats.org/presentationml/2006/main">
+  <p:cSld>
+    <p:spTree>
+      <p:nvGrpSpPr>
+        <p:cNvPr id="1" name=""/>
+        <p:cNvGrpSpPr/>
+        <p:nvPr/>
+      </p:nvGrpSpPr>
+      <p:grpSpPr>
+        <a:xfrm>
+          <a:off x="0" y="0"/>
+          <a:ext cx="0" cy="0"/>
+          <a:chOff x="0" y="0"/>
+          <a:chExt cx="0" cy="0"/>
+        </a:xfrm>
+      </p:grpSpPr>
+      <p:pic>
+        <p:nvPicPr>
+          <p:cNvPr id="4" name="Image 3"/>
+          <p:cNvPicPr/>
+          <p:nvPr/>
+        </p:nvPicPr>
+        <p:blipFill>
+          <a:blip r:embed="rId2"/>
+          <a:stretch>
+            <a:fillRect/>
+          </a:stretch>
+        </p:blipFill>
+        <p:spPr>
+          <a:xfrm>
+            <a:off x="2833687" y="2152650"/>
+            <a:ext cx="3476625" cy="2552700"/>
+          </a:xfrm>
+          <a:prstGeom prst="rect">
+            <a:avLst/>
+          </a:prstGeom>
+        </p:spPr>
+      </p:pic>
+    </p:spTree>
+    <p:extLst>
+      <p:ext uri="{BB962C8B-B14F-4D97-AF65-F5344CB8AC3E}">
+        <p14:creationId xmlns:p14="http://schemas.microsoft.com/office/powerpoint/2010/main" val="979852190"/>
+      </p:ext>
+    </p:extLst>
+  </p:cSld>
+  <p:clrMapOvr>
+    <a:masterClrMapping/>
+  </p:clrMapOvr>
+</p:sld>
+</file>
+
+<file path=ppt/slides/slide6.xml><?xml version="1.0" encoding="utf-8"?>
+<p:sld xmlns:a="http://schemas.openxmlformats.org/drawingml/2006/main" xmlns:r="http://schemas.openxmlformats.org/officeDocument/2006/relationships" xmlns:p="http://schemas.openxmlformats.org/presentationml/2006/main">
+  <p:cSld>
+    <p:spTree>
+      <p:nvGrpSpPr>
+        <p:cNvPr id="1" name=""/>
+        <p:cNvGrpSpPr/>
+        <p:nvPr/>
+      </p:nvGrpSpPr>
+      <p:grpSpPr>
+        <a:xfrm>
+          <a:off x="0" y="0"/>
+          <a:ext cx="0" cy="0"/>
+          <a:chOff x="0" y="0"/>
+          <a:chExt cx="0" cy="0"/>
+        </a:xfrm>
+      </p:grpSpPr>
+      <p:pic>
+        <p:nvPicPr>
+          <p:cNvPr id="4" name="Image 3"/>
+          <p:cNvPicPr/>
+          <p:nvPr/>
+        </p:nvPicPr>
+        <p:blipFill>
+          <a:blip r:embed="rId2"/>
+          <a:stretch>
+            <a:fillRect/>
+          </a:stretch>
+        </p:blipFill>
+        <p:spPr>
+          <a:xfrm>
+            <a:off x="2833687" y="2152650"/>
+            <a:ext cx="3476625" cy="2552700"/>
+          </a:xfrm>
+          <a:prstGeom prst="rect">
+            <a:avLst/>
+          </a:prstGeom>
+        </p:spPr>
+      </p:pic>
+    </p:spTree>
+    <p:extLst>
+      <p:ext uri="{BB962C8B-B14F-4D97-AF65-F5344CB8AC3E}">
+        <p14:creationId xmlns:p14="http://schemas.microsoft.com/office/powerpoint/2010/main" val="979852190"/>
+      </p:ext>
+    </p:extLst>
+  </p:cSld>
+  <p:clrMapOvr>
+    <a:masterClrMapping/>
+  </p:clrMapOvr>
+</p:sld>
+</file>
+
+<file path=ppt/slides/slide7.xml><?xml version="1.0" encoding="utf-8"?>
+<p:sld xmlns:a="http://schemas.openxmlformats.org/drawingml/2006/main" xmlns:r="http://schemas.openxmlformats.org/officeDocument/2006/relationships" xmlns:p="http://schemas.openxmlformats.org/presentationml/2006/main">
+  <p:cSld>
+    <p:spTree>
+      <p:nvGrpSpPr>
+        <p:cNvPr id="1" name=""/>
+        <p:cNvGrpSpPr/>
+        <p:nvPr/>
+      </p:nvGrpSpPr>
+      <p:grpSpPr>
+        <a:xfrm>
+          <a:off x="0" y="0"/>
+          <a:ext cx="0" cy="0"/>
+          <a:chOff x="0" y="0"/>
+          <a:chExt cx="0" cy="0"/>
+        </a:xfrm>
+      </p:grpSpPr>
+      <p:pic>
+        <p:nvPicPr>
+          <p:cNvPr id="4" name="Image 3"/>
+          <p:cNvPicPr/>
+          <p:nvPr/>
+        </p:nvPicPr>
+        <p:blipFill>
+          <a:blip r:embed="rId2"/>
+          <a:stretch>
+            <a:fillRect/>
+          </a:stretch>
+        </p:blipFill>
+        <p:spPr>
+          <a:xfrm>
+            <a:off x="2833687" y="2152650"/>
+            <a:ext cx="3476625" cy="2552700"/>
+          </a:xfrm>
+          <a:prstGeom prst="rect">
+            <a:avLst/>
+          </a:prstGeom>
+        </p:spPr>
+      </p:pic>
+    </p:spTree>
+    <p:extLst>
+      <p:ext uri="{BB962C8B-B14F-4D97-AF65-F5344CB8AC3E}">
+        <p14:creationId xmlns:p14="http://schemas.microsoft.com/office/powerpoint/2010/main" val="979852190"/>
+      </p:ext>
+    </p:extLst>
+  </p:cSld>
+  <p:clrMapOvr>
+    <a:masterClrMapping/>
+  </p:clrMapOvr>
+</p:sld>
+</file>
+
+<file path=ppt/slides/slide8.xml><?xml version="1.0" encoding="utf-8"?>
+<p:sld xmlns:a="http://schemas.openxmlformats.org/drawingml/2006/main" xmlns:r="http://schemas.openxmlformats.org/officeDocument/2006/relationships" xmlns:p="http://schemas.openxmlformats.org/presentationml/2006/main">
+  <p:cSld>
+    <p:spTree>
+      <p:nvGrpSpPr>
+        <p:cNvPr id="1" name=""/>
+        <p:cNvGrpSpPr/>
+        <p:nvPr/>
+      </p:nvGrpSpPr>
+      <p:grpSpPr>
+        <a:xfrm>
+          <a:off x="0" y="0"/>
+          <a:ext cx="0" cy="0"/>
+          <a:chOff x="0" y="0"/>
+          <a:chExt cx="0" cy="0"/>
+        </a:xfrm>
+      </p:grpSpPr>
+      <p:pic>
+        <p:nvPicPr>
+          <p:cNvPr id="4" name="Image 3" descr="Numériser"/>
+          <p:cNvPicPr/>
+          <p:nvPr/>
+        </p:nvPicPr>
+        <p:blipFill>
+          <a:blip r:embed="rId2" cstate="print">
+            <a:extLst>
+              <a:ext uri="{28A0092B-C50C-407E-A947-70E740481C1C}">
+                <a14:useLocalDpi xmlns:a14="http://schemas.microsoft.com/office/drawing/2010/main" val="0"/>
+              </a:ext>
+            </a:extLst>
+          </a:blip>
+          <a:srcRect/>
+          <a:stretch>
+            <a:fillRect/>
+          </a:stretch>
+        </p:blipFill>
+        <p:spPr bwMode="auto">
+          <a:xfrm>
+            <a:off x="1919605" y="1071880"/>
+            <a:ext cx="5304790" cy="4130040"/>
+          </a:xfrm>
+          <a:prstGeom prst="rect">
+            <a:avLst/>
+          </a:prstGeom>
+          <a:noFill/>
+          <a:ln>
+            <a:noFill/>
+          </a:ln>
+        </p:spPr>
+      </p:pic>
+      <p:cxnSp>
+        <p:nvCxnSpPr>
+          <p:cNvPr id="5" name="Connecteur droit 4"/>
+          <p:cNvCxnSpPr/>
+          <p:nvPr/>
+        </p:nvCxnSpPr>
+        <p:spPr>
+          <a:xfrm flipV="1">
+            <a:off x="2495550" y="2463165"/>
+            <a:ext cx="0" cy="2886075"/>
+          </a:xfrm>
+          <a:prstGeom prst="line">
+            <a:avLst/>
+          </a:prstGeom>
+          <a:ln w="19050">
+            <a:solidFill>
+              <a:schemeClr val="tx1"/>
+            </a:solidFill>
+          </a:ln>
+        </p:spPr>
+        <p:style>
+          <a:lnRef idx="1">
+            <a:schemeClr val="accent1"/>
+          </a:lnRef>
+          <a:fillRef idx="0">
+            <a:schemeClr val="accent1"/>
+          </a:fillRef>
+          <a:effectRef idx="0">
+            <a:schemeClr val="accent1"/>
+          </a:effectRef>
+          <a:fontRef idx="minor">
+            <a:schemeClr val="tx1"/>
+          </a:fontRef>
+        </p:style>
+      </p:cxnSp>
+      <p:cxnSp>
+        <p:nvCxnSpPr>
+          <p:cNvPr id="6" name="Connecteur droit 5"/>
+          <p:cNvCxnSpPr/>
+          <p:nvPr/>
+        </p:nvCxnSpPr>
+        <p:spPr>
+          <a:xfrm flipV="1">
+            <a:off x="2552065" y="2463165"/>
+            <a:ext cx="0" cy="285750"/>
+          </a:xfrm>
+          <a:prstGeom prst="line">
+            <a:avLst/>
+          </a:prstGeom>
+          <a:ln w="19050">
+            <a:solidFill>
+              <a:schemeClr val="tx1"/>
+            </a:solidFill>
+          </a:ln>
+        </p:spPr>
+        <p:style>
+          <a:lnRef idx="1">
+            <a:schemeClr val="accent1"/>
+          </a:lnRef>
+          <a:fillRef idx="0">
+            <a:schemeClr val="accent1"/>
+          </a:fillRef>
+          <a:effectRef idx="0">
+            <a:schemeClr val="accent1"/>
+          </a:effectRef>
+          <a:fontRef idx="minor">
+            <a:schemeClr val="tx1"/>
+          </a:fontRef>
+        </p:style>
+      </p:cxnSp>
+      <p:cxnSp>
+        <p:nvCxnSpPr>
+          <p:cNvPr id="7" name="Connecteur droit 6"/>
+          <p:cNvCxnSpPr/>
+          <p:nvPr/>
+        </p:nvCxnSpPr>
+        <p:spPr>
+          <a:xfrm>
+            <a:off x="2552065" y="2748915"/>
+            <a:ext cx="109855" cy="111125"/>
+          </a:xfrm>
+          <a:prstGeom prst="line">
+            <a:avLst/>
+          </a:prstGeom>
+          <a:ln w="19050">
+            <a:solidFill>
+              <a:schemeClr val="tx1"/>
+            </a:solidFill>
+          </a:ln>
+        </p:spPr>
+        <p:style>
+          <a:lnRef idx="1">
+            <a:schemeClr val="accent1"/>
+          </a:lnRef>
+          <a:fillRef idx="0">
+            <a:schemeClr val="accent1"/>
+          </a:fillRef>
+          <a:effectRef idx="0">
+            <a:schemeClr val="accent1"/>
+          </a:effectRef>
+          <a:fontRef idx="minor">
+            <a:schemeClr val="tx1"/>
+          </a:fontRef>
+        </p:style>
+      </p:cxnSp>
+      <p:cxnSp>
+        <p:nvCxnSpPr>
+          <p:cNvPr id="8" name="Connecteur droit 7"/>
+          <p:cNvCxnSpPr/>
+          <p:nvPr/>
+        </p:nvCxnSpPr>
+        <p:spPr>
+          <a:xfrm flipV="1">
+            <a:off x="2663825" y="2852420"/>
+            <a:ext cx="0" cy="2496185"/>
+          </a:xfrm>
+          <a:prstGeom prst="line">
+            <a:avLst/>
+          </a:prstGeom>
+          <a:ln w="19050">
+            <a:solidFill>
+              <a:schemeClr val="tx1"/>
+            </a:solidFill>
+          </a:ln>
+        </p:spPr>
+        <p:style>
+          <a:lnRef idx="1">
+            <a:schemeClr val="accent1"/>
+          </a:lnRef>
+          <a:fillRef idx="0">
+            <a:schemeClr val="accent1"/>
+          </a:fillRef>
+          <a:effectRef idx="0">
+            <a:schemeClr val="accent1"/>
+          </a:effectRef>
+          <a:fontRef idx="minor">
+            <a:schemeClr val="tx1"/>
+          </a:fontRef>
+        </p:style>
+      </p:cxnSp>
+      <p:cxnSp>
+        <p:nvCxnSpPr>
+          <p:cNvPr id="9" name="Connecteur droit 8"/>
+          <p:cNvCxnSpPr/>
+          <p:nvPr/>
+        </p:nvCxnSpPr>
+        <p:spPr>
+          <a:xfrm flipH="1">
+            <a:off x="2494280" y="5265420"/>
+            <a:ext cx="168275" cy="0"/>
+          </a:xfrm>
+          <a:prstGeom prst="line">
+            <a:avLst/>
+          </a:prstGeom>
+          <a:ln w="44450" cmpd="dbl">
+            <a:solidFill>
+              <a:schemeClr val="tx1"/>
+            </a:solidFill>
+            <a:headEnd type="stealth" w="sm" len="sm"/>
+            <a:tailEnd type="none"/>
+          </a:ln>
+        </p:spPr>
+        <p:style>
+          <a:lnRef idx="1">
+            <a:schemeClr val="accent1"/>
+          </a:lnRef>
+          <a:fillRef idx="0">
+            <a:schemeClr val="accent1"/>
+          </a:fillRef>
+          <a:effectRef idx="0">
+            <a:schemeClr val="accent1"/>
+          </a:effectRef>
+          <a:fontRef idx="minor">
+            <a:schemeClr val="tx1"/>
+          </a:fontRef>
+        </p:style>
+      </p:cxnSp>
+      <p:cxnSp>
+        <p:nvCxnSpPr>
+          <p:cNvPr id="10" name="Connecteur droit 9"/>
+          <p:cNvCxnSpPr/>
+          <p:nvPr/>
+        </p:nvCxnSpPr>
+        <p:spPr>
+          <a:xfrm flipV="1">
+            <a:off x="6146165" y="2852420"/>
+            <a:ext cx="0" cy="2886075"/>
+          </a:xfrm>
+          <a:prstGeom prst="line">
+            <a:avLst/>
+          </a:prstGeom>
+          <a:ln w="19050">
+            <a:solidFill>
+              <a:schemeClr val="tx1"/>
+            </a:solidFill>
+          </a:ln>
+        </p:spPr>
+        <p:style>
+          <a:lnRef idx="1">
+            <a:schemeClr val="accent1"/>
+          </a:lnRef>
+          <a:fillRef idx="0">
+            <a:schemeClr val="accent1"/>
+          </a:fillRef>
+          <a:effectRef idx="0">
+            <a:schemeClr val="accent1"/>
+          </a:effectRef>
+          <a:fontRef idx="minor">
+            <a:schemeClr val="tx1"/>
+          </a:fontRef>
+        </p:style>
+      </p:cxnSp>
+      <p:cxnSp>
+        <p:nvCxnSpPr>
+          <p:cNvPr id="11" name="Connecteur droit 10"/>
+          <p:cNvCxnSpPr/>
+          <p:nvPr/>
+        </p:nvCxnSpPr>
+        <p:spPr>
+          <a:xfrm flipV="1">
+            <a:off x="6203315" y="2852420"/>
+            <a:ext cx="0" cy="285750"/>
+          </a:xfrm>
+          <a:prstGeom prst="line">
+            <a:avLst/>
+          </a:prstGeom>
+          <a:ln w="19050">
+            <a:solidFill>
+              <a:schemeClr val="tx1"/>
+            </a:solidFill>
+          </a:ln>
+        </p:spPr>
+        <p:style>
+          <a:lnRef idx="1">
+            <a:schemeClr val="accent1"/>
+          </a:lnRef>
+          <a:fillRef idx="0">
+            <a:schemeClr val="accent1"/>
+          </a:fillRef>
+          <a:effectRef idx="0">
+            <a:schemeClr val="accent1"/>
+          </a:effectRef>
+          <a:fontRef idx="minor">
+            <a:schemeClr val="tx1"/>
+          </a:fontRef>
+        </p:style>
+      </p:cxnSp>
+      <p:cxnSp>
+        <p:nvCxnSpPr>
+          <p:cNvPr id="12" name="Connecteur droit 11"/>
+          <p:cNvCxnSpPr/>
+          <p:nvPr/>
+        </p:nvCxnSpPr>
+        <p:spPr>
+          <a:xfrm>
+            <a:off x="6203315" y="3138805"/>
+            <a:ext cx="109855" cy="111125"/>
+          </a:xfrm>
+          <a:prstGeom prst="line">
+            <a:avLst/>
+          </a:prstGeom>
+          <a:ln w="19050">
+            <a:solidFill>
+              <a:schemeClr val="tx1"/>
+            </a:solidFill>
+          </a:ln>
+        </p:spPr>
+        <p:style>
+          <a:lnRef idx="1">
+            <a:schemeClr val="accent1"/>
+          </a:lnRef>
+          <a:fillRef idx="0">
+            <a:schemeClr val="accent1"/>
+          </a:fillRef>
+          <a:effectRef idx="0">
+            <a:schemeClr val="accent1"/>
+          </a:effectRef>
+          <a:fontRef idx="minor">
+            <a:schemeClr val="tx1"/>
+          </a:fontRef>
+        </p:style>
+      </p:cxnSp>
+      <p:cxnSp>
+        <p:nvCxnSpPr>
+          <p:cNvPr id="13" name="Connecteur droit 12"/>
+          <p:cNvCxnSpPr/>
+          <p:nvPr/>
+        </p:nvCxnSpPr>
+        <p:spPr>
+          <a:xfrm flipV="1">
+            <a:off x="6314440" y="3242310"/>
+            <a:ext cx="0" cy="2496185"/>
+          </a:xfrm>
+          <a:prstGeom prst="line">
+            <a:avLst/>
+          </a:prstGeom>
+          <a:ln w="19050">
+            <a:solidFill>
+              <a:schemeClr val="tx1"/>
+            </a:solidFill>
+          </a:ln>
+        </p:spPr>
+        <p:style>
+          <a:lnRef idx="1">
+            <a:schemeClr val="accent1"/>
+          </a:lnRef>
+          <a:fillRef idx="0">
+            <a:schemeClr val="accent1"/>
+          </a:fillRef>
+          <a:effectRef idx="0">
+            <a:schemeClr val="accent1"/>
+          </a:effectRef>
+          <a:fontRef idx="minor">
+            <a:schemeClr val="tx1"/>
+          </a:fontRef>
+        </p:style>
+      </p:cxnSp>
+      <p:cxnSp>
+        <p:nvCxnSpPr>
+          <p:cNvPr id="14" name="Connecteur droit 13"/>
+          <p:cNvCxnSpPr/>
+          <p:nvPr/>
+        </p:nvCxnSpPr>
+        <p:spPr>
+          <a:xfrm flipH="1">
+            <a:off x="6144895" y="5655310"/>
+            <a:ext cx="168275" cy="0"/>
+          </a:xfrm>
+          <a:prstGeom prst="line">
+            <a:avLst/>
+          </a:prstGeom>
+          <a:ln w="44450" cmpd="dbl">
+            <a:solidFill>
+              <a:schemeClr val="tx1"/>
+            </a:solidFill>
+            <a:headEnd type="stealth" w="sm" len="sm"/>
+            <a:tailEnd type="none"/>
+          </a:ln>
+        </p:spPr>
+        <p:style>
+          <a:lnRef idx="1">
+            <a:schemeClr val="accent1"/>
+          </a:lnRef>
+          <a:fillRef idx="0">
+            <a:schemeClr val="accent1"/>
+          </a:fillRef>
+          <a:effectRef idx="0">
+            <a:schemeClr val="accent1"/>
+          </a:effectRef>
+          <a:fontRef idx="minor">
+            <a:schemeClr val="tx1"/>
+          </a:fontRef>
+        </p:style>
+      </p:cxnSp>
+      <p:sp>
+        <p:nvSpPr>
+          <p:cNvPr id="15" name="Zone de texte 83"/>
+          <p:cNvSpPr txBox="1"/>
+          <p:nvPr/>
+        </p:nvSpPr>
+        <p:spPr>
+          <a:xfrm>
+            <a:off x="2115820" y="5126355"/>
+            <a:ext cx="314325" cy="278130"/>
+          </a:xfrm>
+          <a:prstGeom prst="rect">
+            <a:avLst/>
+          </a:prstGeom>
+          <a:solidFill>
+            <a:schemeClr val="lt1"/>
+          </a:solidFill>
+          <a:ln w="6350">
+            <a:noFill/>
+          </a:ln>
+          <a:effectLst/>
+        </p:spPr>
+        <p:style>
+          <a:lnRef idx="0">
+            <a:schemeClr val="accent1"/>
+          </a:lnRef>
+          <a:fillRef idx="0">
+            <a:schemeClr val="accent1"/>
+          </a:fillRef>
+          <a:effectRef idx="0">
+            <a:schemeClr val="accent1"/>
+          </a:effectRef>
+          <a:fontRef idx="minor">
+            <a:schemeClr val="dk1"/>
+          </a:fontRef>
+        </p:style>
+        <p:txBody>
+          <a:bodyPr rot="0" spcFirstLastPara="0" vert="horz" wrap="square" lIns="91440" tIns="45720" rIns="91440" bIns="45720" numCol="1" spcCol="0" rtlCol="0" fromWordArt="0" anchor="t" anchorCtr="0" forceAA="0" compatLnSpc="1">
+            <a:prstTxWarp prst="textNoShape">
+              <a:avLst/>
+            </a:prstTxWarp>
+            <a:noAutofit/>
+          </a:bodyPr>
+          <a:lstStyle/>
+          <a:p>
+            <a:pPr algn="just">
+              <a:spcAft>
+                <a:spcPts val="0"/>
+              </a:spcAft>
+            </a:pPr>
+            <a:r>
+              <a:rPr lang="fr-FR" sz="1100">
+                <a:effectLst/>
+                <a:ea typeface="Times New Roman"/>
+                <a:cs typeface="Times New Roman"/>
+              </a:rPr>
+              <a:t>J1</a:t>
+            </a:r>
+          </a:p>
+        </p:txBody>
+      </p:sp>
+      <p:sp>
+        <p:nvSpPr>
+          <p:cNvPr id="16" name="Zone de texte 84"/>
+          <p:cNvSpPr txBox="1"/>
+          <p:nvPr/>
+        </p:nvSpPr>
+        <p:spPr>
+          <a:xfrm>
+            <a:off x="5742940" y="5507990"/>
+            <a:ext cx="314325" cy="278130"/>
+          </a:xfrm>
+          <a:prstGeom prst="rect">
+            <a:avLst/>
+          </a:prstGeom>
+          <a:solidFill>
+            <a:schemeClr val="lt1"/>
+          </a:solidFill>
+          <a:ln w="6350">
+            <a:noFill/>
+          </a:ln>
+          <a:effectLst/>
+        </p:spPr>
+        <p:style>
+          <a:lnRef idx="0">
+            <a:schemeClr val="accent1"/>
+          </a:lnRef>
+          <a:fillRef idx="0">
+            <a:schemeClr val="accent1"/>
+          </a:fillRef>
+          <a:effectRef idx="0">
+            <a:schemeClr val="accent1"/>
+          </a:effectRef>
+          <a:fontRef idx="minor">
+            <a:schemeClr val="dk1"/>
+          </a:fontRef>
+        </p:style>
+        <p:txBody>
+          <a:bodyPr rot="0" spcFirstLastPara="0" vert="horz" wrap="square" lIns="91440" tIns="45720" rIns="91440" bIns="45720" numCol="1" spcCol="0" rtlCol="0" fromWordArt="0" anchor="t" anchorCtr="0" forceAA="0" compatLnSpc="1">
+            <a:prstTxWarp prst="textNoShape">
+              <a:avLst/>
+            </a:prstTxWarp>
+            <a:noAutofit/>
+          </a:bodyPr>
+          <a:lstStyle/>
+          <a:p>
+            <a:pPr algn="just">
+              <a:spcAft>
+                <a:spcPts val="0"/>
+              </a:spcAft>
+            </a:pPr>
+            <a:r>
+              <a:rPr lang="fr-FR" sz="1100">
+                <a:effectLst/>
+                <a:ea typeface="Times New Roman"/>
+                <a:cs typeface="Times New Roman"/>
+              </a:rPr>
+              <a:t>J2</a:t>
+            </a:r>
+          </a:p>
+        </p:txBody>
+      </p:sp>
+      <p:cxnSp>
+        <p:nvCxnSpPr>
+          <p:cNvPr id="17" name="Connecteur droit 16"/>
+          <p:cNvCxnSpPr/>
+          <p:nvPr/>
+        </p:nvCxnSpPr>
+        <p:spPr>
+          <a:xfrm flipV="1">
+            <a:off x="2495550" y="620688"/>
+            <a:ext cx="0" cy="1907694"/>
+          </a:xfrm>
+          <a:prstGeom prst="line">
+            <a:avLst/>
+          </a:prstGeom>
+          <a:ln w="19050">
+            <a:solidFill>
+              <a:schemeClr val="tx1"/>
+            </a:solidFill>
+          </a:ln>
+        </p:spPr>
+        <p:style>
+          <a:lnRef idx="1">
+            <a:schemeClr val="accent1"/>
+          </a:lnRef>
+          <a:fillRef idx="0">
+            <a:schemeClr val="accent1"/>
+          </a:fillRef>
+          <a:effectRef idx="0">
+            <a:schemeClr val="accent1"/>
+          </a:effectRef>
+          <a:fontRef idx="minor">
+            <a:schemeClr val="tx1"/>
+          </a:fontRef>
+        </p:style>
+      </p:cxnSp>
+      <p:cxnSp>
+        <p:nvCxnSpPr>
+          <p:cNvPr id="20" name="Connecteur droit 19"/>
+          <p:cNvCxnSpPr/>
+          <p:nvPr/>
+        </p:nvCxnSpPr>
+        <p:spPr>
+          <a:xfrm flipV="1">
+            <a:off x="2551818" y="1071880"/>
+            <a:ext cx="0" cy="1456502"/>
+          </a:xfrm>
+          <a:prstGeom prst="line">
+            <a:avLst/>
+          </a:prstGeom>
+          <a:ln w="19050">
+            <a:solidFill>
+              <a:schemeClr val="tx1"/>
+            </a:solidFill>
+          </a:ln>
+        </p:spPr>
+        <p:style>
+          <a:lnRef idx="1">
+            <a:schemeClr val="accent1"/>
+          </a:lnRef>
+          <a:fillRef idx="0">
+            <a:schemeClr val="accent1"/>
+          </a:fillRef>
+          <a:effectRef idx="0">
+            <a:schemeClr val="accent1"/>
+          </a:effectRef>
+          <a:fontRef idx="minor">
+            <a:schemeClr val="tx1"/>
+          </a:fontRef>
+        </p:style>
+      </p:cxnSp>
+      <p:cxnSp>
+        <p:nvCxnSpPr>
+          <p:cNvPr id="21" name="Connecteur droit 20"/>
+          <p:cNvCxnSpPr/>
+          <p:nvPr/>
+        </p:nvCxnSpPr>
+        <p:spPr>
+          <a:xfrm flipV="1">
+            <a:off x="2640750" y="620688"/>
+            <a:ext cx="0" cy="1769616"/>
+          </a:xfrm>
+          <a:prstGeom prst="line">
+            <a:avLst/>
+          </a:prstGeom>
+          <a:ln w="19050">
+            <a:solidFill>
+              <a:schemeClr val="tx1"/>
+            </a:solidFill>
+          </a:ln>
+        </p:spPr>
+        <p:style>
+          <a:lnRef idx="1">
+            <a:schemeClr val="accent1"/>
+          </a:lnRef>
+          <a:fillRef idx="0">
+            <a:schemeClr val="accent1"/>
+          </a:fillRef>
+          <a:effectRef idx="0">
+            <a:schemeClr val="accent1"/>
+          </a:effectRef>
+          <a:fontRef idx="minor">
+            <a:schemeClr val="tx1"/>
+          </a:fontRef>
+        </p:style>
+      </p:cxnSp>
+      <p:cxnSp>
+        <p:nvCxnSpPr>
+          <p:cNvPr id="25" name="Connecteur droit avec flèche 24"/>
+          <p:cNvCxnSpPr/>
+          <p:nvPr/>
+        </p:nvCxnSpPr>
+        <p:spPr>
+          <a:xfrm>
+            <a:off x="2494280" y="764704"/>
+            <a:ext cx="169545" cy="0"/>
+          </a:xfrm>
+          <a:prstGeom prst="straightConnector1">
+            <a:avLst/>
+          </a:prstGeom>
+          <a:ln>
+            <a:solidFill>
+              <a:srgbClr val="FF0000"/>
+            </a:solidFill>
+            <a:tailEnd type="stealth" w="sm" len="med"/>
+          </a:ln>
+        </p:spPr>
+        <p:style>
+          <a:lnRef idx="1">
+            <a:schemeClr val="accent1"/>
+          </a:lnRef>
+          <a:fillRef idx="0">
+            <a:schemeClr val="accent1"/>
+          </a:fillRef>
+          <a:effectRef idx="0">
+            <a:schemeClr val="accent1"/>
+          </a:effectRef>
+          <a:fontRef idx="minor">
+            <a:schemeClr val="tx1"/>
+          </a:fontRef>
+        </p:style>
+      </p:cxnSp>
+      <p:cxnSp>
+        <p:nvCxnSpPr>
+          <p:cNvPr id="27" name="Connecteur droit avec flèche 26"/>
+          <p:cNvCxnSpPr/>
+          <p:nvPr/>
+        </p:nvCxnSpPr>
+        <p:spPr>
+          <a:xfrm flipH="1">
+            <a:off x="2552066" y="1124744"/>
+            <a:ext cx="94614" cy="0"/>
+          </a:xfrm>
+          <a:prstGeom prst="straightConnector1">
+            <a:avLst/>
+          </a:prstGeom>
+          <a:ln>
+            <a:solidFill>
+              <a:srgbClr val="FF0000"/>
+            </a:solidFill>
+            <a:tailEnd type="stealth" w="sm" len="med"/>
+          </a:ln>
+        </p:spPr>
+        <p:style>
+          <a:lnRef idx="1">
+            <a:schemeClr val="accent1"/>
+          </a:lnRef>
+          <a:fillRef idx="0">
+            <a:schemeClr val="accent1"/>
+          </a:fillRef>
+          <a:effectRef idx="0">
+            <a:schemeClr val="accent1"/>
+          </a:effectRef>
+          <a:fontRef idx="minor">
+            <a:schemeClr val="tx1"/>
+          </a:fontRef>
+        </p:style>
+      </p:cxnSp>
+      <p:sp>
+        <p:nvSpPr>
+          <p:cNvPr id="29" name="ZoneTexte 28"/>
+          <p:cNvSpPr txBox="1"/>
+          <p:nvPr/>
+        </p:nvSpPr>
+        <p:spPr>
+          <a:xfrm>
+            <a:off x="2248143" y="607638"/>
+            <a:ext cx="648072" cy="276999"/>
+          </a:xfrm>
+          <a:prstGeom prst="rect">
+            <a:avLst/>
+          </a:prstGeom>
+          <a:noFill/>
+        </p:spPr>
+        <p:txBody>
+          <a:bodyPr wrap="square" rtlCol="0">
+            <a:spAutoFit/>
+          </a:bodyPr>
+          <a:lstStyle/>
+          <a:p>
+            <a:r>
+              <a:rPr lang="fr-FR" sz="1200" dirty="0" smtClean="0">
+                <a:solidFill>
+                  <a:srgbClr val="FF0000"/>
+                </a:solidFill>
+              </a:rPr>
+              <a:t>C</a:t>
+            </a:r>
+            <a:r>
+              <a:rPr lang="fr-FR" sz="1200" baseline="-25000" dirty="0" smtClean="0">
+                <a:solidFill>
+                  <a:srgbClr val="FF0000"/>
+                </a:solidFill>
+              </a:rPr>
+              <a:t>1</a:t>
+            </a:r>
+            <a:endParaRPr lang="fr-FR" sz="1200" baseline="-25000" dirty="0">
+              <a:solidFill>
+                <a:srgbClr val="FF0000"/>
+              </a:solidFill>
+            </a:endParaRPr>
+          </a:p>
+        </p:txBody>
+      </p:sp>
+      <p:sp>
+        <p:nvSpPr>
+          <p:cNvPr id="31" name="ZoneTexte 30"/>
+          <p:cNvSpPr txBox="1"/>
+          <p:nvPr/>
+        </p:nvSpPr>
+        <p:spPr>
+          <a:xfrm>
+            <a:off x="2606992" y="986244"/>
+            <a:ext cx="648072" cy="276999"/>
+          </a:xfrm>
+          <a:prstGeom prst="rect">
+            <a:avLst/>
+          </a:prstGeom>
+          <a:noFill/>
+        </p:spPr>
+        <p:txBody>
+          <a:bodyPr wrap="square" rtlCol="0">
+            <a:spAutoFit/>
+          </a:bodyPr>
+          <a:lstStyle/>
+          <a:p>
+            <a:r>
+              <a:rPr lang="fr-FR" sz="1200" dirty="0" smtClean="0">
+                <a:solidFill>
+                  <a:srgbClr val="FF0000"/>
+                </a:solidFill>
+              </a:rPr>
+              <a:t>C</a:t>
+            </a:r>
+            <a:r>
+              <a:rPr lang="fr-FR" sz="1200" baseline="-25000" dirty="0" smtClean="0">
+                <a:solidFill>
+                  <a:srgbClr val="FF0000"/>
+                </a:solidFill>
+              </a:rPr>
+              <a:t>2</a:t>
+            </a:r>
+            <a:endParaRPr lang="fr-FR" sz="1200" baseline="-25000" dirty="0">
+              <a:solidFill>
+                <a:srgbClr val="FF0000"/>
+              </a:solidFill>
+            </a:endParaRPr>
+          </a:p>
+        </p:txBody>
+      </p:sp>
+      <p:cxnSp>
+        <p:nvCxnSpPr>
+          <p:cNvPr id="32" name="Connecteur droit 31"/>
+          <p:cNvCxnSpPr/>
+          <p:nvPr/>
+        </p:nvCxnSpPr>
+        <p:spPr>
+          <a:xfrm flipV="1">
+            <a:off x="6139179" y="986244"/>
+            <a:ext cx="0" cy="1866176"/>
+          </a:xfrm>
+          <a:prstGeom prst="line">
+            <a:avLst/>
+          </a:prstGeom>
+          <a:ln w="19050">
+            <a:solidFill>
+              <a:schemeClr val="tx1"/>
+            </a:solidFill>
+          </a:ln>
+        </p:spPr>
+        <p:style>
+          <a:lnRef idx="1">
+            <a:schemeClr val="accent1"/>
+          </a:lnRef>
+          <a:fillRef idx="0">
+            <a:schemeClr val="accent1"/>
+          </a:fillRef>
+          <a:effectRef idx="0">
+            <a:schemeClr val="accent1"/>
+          </a:effectRef>
+          <a:fontRef idx="minor">
+            <a:schemeClr val="tx1"/>
+          </a:fontRef>
+        </p:style>
+      </p:cxnSp>
+      <p:cxnSp>
+        <p:nvCxnSpPr>
+          <p:cNvPr id="33" name="Connecteur droit 32"/>
+          <p:cNvCxnSpPr/>
+          <p:nvPr/>
+        </p:nvCxnSpPr>
+        <p:spPr>
+          <a:xfrm flipV="1">
+            <a:off x="6025234" y="884637"/>
+            <a:ext cx="0" cy="1769195"/>
+          </a:xfrm>
+          <a:prstGeom prst="line">
+            <a:avLst/>
+          </a:prstGeom>
+          <a:ln w="19050">
+            <a:solidFill>
+              <a:schemeClr val="tx1"/>
+            </a:solidFill>
+          </a:ln>
+        </p:spPr>
+        <p:style>
+          <a:lnRef idx="1">
+            <a:schemeClr val="accent1"/>
+          </a:lnRef>
+          <a:fillRef idx="0">
+            <a:schemeClr val="accent1"/>
+          </a:fillRef>
+          <a:effectRef idx="0">
+            <a:schemeClr val="accent1"/>
+          </a:effectRef>
+          <a:fontRef idx="minor">
+            <a:schemeClr val="tx1"/>
+          </a:fontRef>
+        </p:style>
+      </p:cxnSp>
+      <p:cxnSp>
+        <p:nvCxnSpPr>
+          <p:cNvPr id="34" name="Connecteur droit 33"/>
+          <p:cNvCxnSpPr/>
+          <p:nvPr/>
+        </p:nvCxnSpPr>
+        <p:spPr>
+          <a:xfrm flipV="1">
+            <a:off x="6203315" y="884637"/>
+            <a:ext cx="0" cy="2009301"/>
+          </a:xfrm>
+          <a:prstGeom prst="line">
+            <a:avLst/>
+          </a:prstGeom>
+          <a:ln w="19050">
+            <a:solidFill>
+              <a:schemeClr val="tx1"/>
+            </a:solidFill>
+          </a:ln>
+        </p:spPr>
+        <p:style>
+          <a:lnRef idx="1">
+            <a:schemeClr val="accent1"/>
+          </a:lnRef>
+          <a:fillRef idx="0">
+            <a:schemeClr val="accent1"/>
+          </a:fillRef>
+          <a:effectRef idx="0">
+            <a:schemeClr val="accent1"/>
+          </a:effectRef>
+          <a:fontRef idx="minor">
+            <a:schemeClr val="tx1"/>
+          </a:fontRef>
+        </p:style>
+      </p:cxnSp>
+      <p:cxnSp>
+        <p:nvCxnSpPr>
+          <p:cNvPr id="40" name="Connecteur droit avec flèche 39"/>
+          <p:cNvCxnSpPr/>
+          <p:nvPr/>
+        </p:nvCxnSpPr>
+        <p:spPr>
+          <a:xfrm flipH="1">
+            <a:off x="6025234" y="1070626"/>
+            <a:ext cx="94614" cy="0"/>
+          </a:xfrm>
+          <a:prstGeom prst="straightConnector1">
+            <a:avLst/>
+          </a:prstGeom>
+          <a:ln>
+            <a:solidFill>
+              <a:srgbClr val="FF0000"/>
+            </a:solidFill>
+            <a:tailEnd type="stealth" w="sm" len="med"/>
+          </a:ln>
+        </p:spPr>
+        <p:style>
+          <a:lnRef idx="1">
+            <a:schemeClr val="accent1"/>
+          </a:lnRef>
+          <a:fillRef idx="0">
+            <a:schemeClr val="accent1"/>
+          </a:fillRef>
+          <a:effectRef idx="0">
+            <a:schemeClr val="accent1"/>
+          </a:effectRef>
+          <a:fontRef idx="minor">
+            <a:schemeClr val="tx1"/>
+          </a:fontRef>
+        </p:style>
+      </p:cxnSp>
+      <p:sp>
+        <p:nvSpPr>
+          <p:cNvPr id="41" name="ZoneTexte 40"/>
+          <p:cNvSpPr txBox="1"/>
+          <p:nvPr/>
+        </p:nvSpPr>
+        <p:spPr>
+          <a:xfrm>
+            <a:off x="5706601" y="933380"/>
+            <a:ext cx="324036" cy="276999"/>
+          </a:xfrm>
+          <a:prstGeom prst="rect">
+            <a:avLst/>
+          </a:prstGeom>
+          <a:noFill/>
+        </p:spPr>
+        <p:txBody>
+          <a:bodyPr wrap="square" rtlCol="0">
+            <a:spAutoFit/>
+          </a:bodyPr>
+          <a:lstStyle/>
+          <a:p>
+            <a:r>
+              <a:rPr lang="fr-FR" sz="1200" dirty="0" smtClean="0">
+                <a:solidFill>
+                  <a:srgbClr val="FF0000"/>
+                </a:solidFill>
+              </a:rPr>
+              <a:t>C</a:t>
+            </a:r>
+            <a:r>
+              <a:rPr lang="fr-FR" sz="1200" baseline="-25000" dirty="0" smtClean="0">
+                <a:solidFill>
+                  <a:srgbClr val="FF0000"/>
+                </a:solidFill>
+              </a:rPr>
+              <a:t>2</a:t>
+            </a:r>
+            <a:endParaRPr lang="fr-FR" sz="1200" baseline="-25000" dirty="0">
+              <a:solidFill>
+                <a:srgbClr val="FF0000"/>
+              </a:solidFill>
+            </a:endParaRPr>
+          </a:p>
+        </p:txBody>
+      </p:sp>
+      <p:cxnSp>
+        <p:nvCxnSpPr>
+          <p:cNvPr id="44" name="Connecteur droit avec flèche 43"/>
+          <p:cNvCxnSpPr/>
+          <p:nvPr/>
+        </p:nvCxnSpPr>
+        <p:spPr>
+          <a:xfrm>
+            <a:off x="6025234" y="933380"/>
+            <a:ext cx="178081" cy="0"/>
+          </a:xfrm>
+          <a:prstGeom prst="straightConnector1">
+            <a:avLst/>
+          </a:prstGeom>
+          <a:ln>
+            <a:solidFill>
+              <a:srgbClr val="FF0000"/>
+            </a:solidFill>
+            <a:tailEnd type="stealth" w="sm" len="med"/>
+          </a:ln>
+        </p:spPr>
+        <p:style>
+          <a:lnRef idx="1">
+            <a:schemeClr val="accent1"/>
+          </a:lnRef>
+          <a:fillRef idx="0">
+            <a:schemeClr val="accent1"/>
+          </a:fillRef>
+          <a:effectRef idx="0">
+            <a:schemeClr val="accent1"/>
+          </a:effectRef>
+          <a:fontRef idx="minor">
+            <a:schemeClr val="tx1"/>
+          </a:fontRef>
+        </p:style>
+      </p:cxnSp>
+      <p:sp>
+        <p:nvSpPr>
+          <p:cNvPr id="47" name="ZoneTexte 46"/>
+          <p:cNvSpPr txBox="1"/>
+          <p:nvPr/>
+        </p:nvSpPr>
+        <p:spPr>
+          <a:xfrm>
+            <a:off x="6171720" y="764704"/>
+            <a:ext cx="439550" cy="276999"/>
+          </a:xfrm>
+          <a:prstGeom prst="rect">
+            <a:avLst/>
+          </a:prstGeom>
+          <a:noFill/>
+        </p:spPr>
+        <p:txBody>
+          <a:bodyPr wrap="square" rtlCol="0">
+            <a:spAutoFit/>
+          </a:bodyPr>
+          <a:lstStyle/>
+          <a:p>
+            <a:r>
+              <a:rPr lang="fr-FR" sz="1200" dirty="0" smtClean="0">
+                <a:solidFill>
+                  <a:srgbClr val="FF0000"/>
+                </a:solidFill>
+              </a:rPr>
+              <a:t>C</a:t>
+            </a:r>
+            <a:r>
+              <a:rPr lang="fr-FR" sz="1200" baseline="-25000" dirty="0" smtClean="0">
+                <a:solidFill>
+                  <a:srgbClr val="FF0000"/>
+                </a:solidFill>
+              </a:rPr>
+              <a:t>12</a:t>
+            </a:r>
+            <a:endParaRPr lang="fr-FR" sz="1200" baseline="-25000" dirty="0">
+              <a:solidFill>
+                <a:srgbClr val="FF0000"/>
+              </a:solidFill>
+            </a:endParaRPr>
+          </a:p>
+        </p:txBody>
+      </p:sp>
+    </p:spTree>
+    <p:extLst>
+      <p:ext uri="{BB962C8B-B14F-4D97-AF65-F5344CB8AC3E}">
+        <p14:creationId xmlns:p14="http://schemas.microsoft.com/office/powerpoint/2010/main" val="2890777149"/>
       </p:ext>
     </p:extLst>
   </p:cSld>

--- a/2014_2015/DS_12_GPS_PPM_Poulie/Figures.pptx
+++ b/2014_2015/DS_12_GPS_PPM_Poulie/Figures.pptx
@@ -9,7 +9,7 @@
     <p:sldId id="257" r:id="rId3"/>
     <p:sldId id="258" r:id="rId4"/>
     <p:sldId id="260" r:id="rId5"/>
-    <p:sldId id="261" r:id="rId6"/>
+    <p:sldId id="264" r:id="rId6"/>
     <p:sldId id="262" r:id="rId7"/>
     <p:sldId id="263" r:id="rId8"/>
     <p:sldId id="259" r:id="rId9"/>
@@ -8067,201 +8067,324 @@
           </a:p>
         </p:txBody>
       </p:sp>
-      <p:sp>
-        <p:nvSpPr>
-          <p:cNvPr id="17" name="Losange 16"/>
-          <p:cNvSpPr/>
-          <p:nvPr/>
-        </p:nvSpPr>
-        <p:spPr>
-          <a:xfrm rot="18826036">
-            <a:off x="2449821" y="2331498"/>
-            <a:ext cx="285788" cy="360040"/>
-          </a:xfrm>
-          <a:prstGeom prst="diamond">
-            <a:avLst/>
-          </a:prstGeom>
-          <a:solidFill>
-            <a:schemeClr val="bg1"/>
-          </a:solidFill>
-        </p:spPr>
-        <p:style>
-          <a:lnRef idx="2">
-            <a:schemeClr val="accent1">
-              <a:shade val="50000"/>
-            </a:schemeClr>
-          </a:lnRef>
-          <a:fillRef idx="1">
-            <a:schemeClr val="accent1"/>
-          </a:fillRef>
-          <a:effectRef idx="0">
-            <a:schemeClr val="accent1"/>
-          </a:effectRef>
-          <a:fontRef idx="minor">
-            <a:schemeClr val="lt1"/>
-          </a:fontRef>
-        </p:style>
-        <p:txBody>
-          <a:bodyPr rtlCol="0" anchor="ctr"/>
-          <a:lstStyle/>
-          <a:p>
-            <a:pPr algn="ctr"/>
-            <a:endParaRPr lang="fr-FR"/>
-          </a:p>
-        </p:txBody>
-      </p:sp>
-      <p:cxnSp>
-        <p:nvCxnSpPr>
-          <p:cNvPr id="19" name="Connecteur droit 18"/>
-          <p:cNvCxnSpPr>
-            <a:stCxn id="17" idx="3"/>
-          </p:cNvCxnSpPr>
+      <p:grpSp>
+        <p:nvGrpSpPr>
+          <p:cNvPr id="30" name="Groupe 29"/>
+          <p:cNvGrpSpPr/>
+          <p:nvPr/>
+        </p:nvGrpSpPr>
+        <p:grpSpPr>
+          <a:xfrm>
+            <a:off x="1903425" y="1778896"/>
+            <a:ext cx="432467" cy="747508"/>
+            <a:chOff x="2340268" y="1906904"/>
+            <a:chExt cx="432467" cy="747508"/>
+          </a:xfrm>
+        </p:grpSpPr>
+        <p:sp>
+          <p:nvSpPr>
+            <p:cNvPr id="17" name="Losange 16"/>
+            <p:cNvSpPr/>
+            <p:nvPr/>
+          </p:nvSpPr>
+          <p:spPr>
+            <a:xfrm rot="18826036">
+              <a:off x="2449821" y="2331498"/>
+              <a:ext cx="285788" cy="360040"/>
+            </a:xfrm>
+            <a:prstGeom prst="diamond">
+              <a:avLst/>
+            </a:prstGeom>
+            <a:solidFill>
+              <a:schemeClr val="bg1"/>
+            </a:solidFill>
+          </p:spPr>
+          <p:style>
+            <a:lnRef idx="2">
+              <a:schemeClr val="accent1">
+                <a:shade val="50000"/>
+              </a:schemeClr>
+            </a:lnRef>
+            <a:fillRef idx="1">
+              <a:schemeClr val="accent1"/>
+            </a:fillRef>
+            <a:effectRef idx="0">
+              <a:schemeClr val="accent1"/>
+            </a:effectRef>
+            <a:fontRef idx="minor">
+              <a:schemeClr val="lt1"/>
+            </a:fontRef>
+          </p:style>
+          <p:txBody>
+            <a:bodyPr rtlCol="0" anchor="ctr"/>
+            <a:lstStyle/>
+            <a:p>
+              <a:pPr algn="ctr"/>
+              <a:endParaRPr lang="fr-FR"/>
+            </a:p>
+          </p:txBody>
+        </p:sp>
+        <p:cxnSp>
+          <p:nvCxnSpPr>
+            <p:cNvPr id="19" name="Connecteur droit 18"/>
+            <p:cNvCxnSpPr>
+              <a:stCxn id="17" idx="3"/>
+            </p:cNvCxnSpPr>
+            <p:nvPr/>
+          </p:nvCxnSpPr>
+          <p:spPr>
+            <a:xfrm flipV="1">
+              <a:off x="2691558" y="1916832"/>
+              <a:ext cx="0" cy="491494"/>
+            </a:xfrm>
+            <a:prstGeom prst="line">
+              <a:avLst/>
+            </a:prstGeom>
+            <a:solidFill>
+              <a:schemeClr val="bg1"/>
+            </a:solidFill>
+          </p:spPr>
+          <p:style>
+            <a:lnRef idx="2">
+              <a:schemeClr val="accent1">
+                <a:shade val="50000"/>
+              </a:schemeClr>
+            </a:lnRef>
+            <a:fillRef idx="1">
+              <a:schemeClr val="accent1"/>
+            </a:fillRef>
+            <a:effectRef idx="0">
+              <a:schemeClr val="accent1"/>
+            </a:effectRef>
+            <a:fontRef idx="minor">
+              <a:schemeClr val="lt1"/>
+            </a:fontRef>
+          </p:style>
+        </p:cxnSp>
+        <p:cxnSp>
+          <p:nvCxnSpPr>
+            <p:cNvPr id="21" name="Connecteur droit 20"/>
+            <p:cNvCxnSpPr/>
+            <p:nvPr/>
+          </p:nvCxnSpPr>
+          <p:spPr>
+            <a:xfrm flipV="1">
+              <a:off x="2340268" y="1906904"/>
+              <a:ext cx="0" cy="604613"/>
+            </a:xfrm>
+            <a:prstGeom prst="line">
+              <a:avLst/>
+            </a:prstGeom>
+            <a:solidFill>
+              <a:schemeClr val="bg1"/>
+            </a:solidFill>
+          </p:spPr>
+          <p:style>
+            <a:lnRef idx="2">
+              <a:schemeClr val="accent1">
+                <a:shade val="50000"/>
+              </a:schemeClr>
+            </a:lnRef>
+            <a:fillRef idx="1">
+              <a:schemeClr val="accent1"/>
+            </a:fillRef>
+            <a:effectRef idx="0">
+              <a:schemeClr val="accent1"/>
+            </a:effectRef>
+            <a:fontRef idx="minor">
+              <a:schemeClr val="lt1"/>
+            </a:fontRef>
+          </p:style>
+        </p:cxnSp>
+        <p:cxnSp>
+          <p:nvCxnSpPr>
+            <p:cNvPr id="22" name="Connecteur droit 21"/>
+            <p:cNvCxnSpPr>
+              <a:stCxn id="17" idx="1"/>
+            </p:cNvCxnSpPr>
+            <p:nvPr/>
+          </p:nvCxnSpPr>
+          <p:spPr>
+            <a:xfrm flipH="1" flipV="1">
+              <a:off x="2340268" y="2511517"/>
+              <a:ext cx="153603" cy="103193"/>
+            </a:xfrm>
+            <a:prstGeom prst="line">
+              <a:avLst/>
+            </a:prstGeom>
+            <a:solidFill>
+              <a:schemeClr val="bg1"/>
+            </a:solidFill>
+          </p:spPr>
+          <p:style>
+            <a:lnRef idx="2">
+              <a:schemeClr val="accent1">
+                <a:shade val="50000"/>
+              </a:schemeClr>
+            </a:lnRef>
+            <a:fillRef idx="1">
+              <a:schemeClr val="accent1"/>
+            </a:fillRef>
+            <a:effectRef idx="0">
+              <a:schemeClr val="accent1"/>
+            </a:effectRef>
+            <a:fontRef idx="minor">
+              <a:schemeClr val="lt1"/>
+            </a:fontRef>
+          </p:style>
+        </p:cxnSp>
+        <p:sp>
+          <p:nvSpPr>
+            <p:cNvPr id="29" name="Ellipse 28"/>
+            <p:cNvSpPr/>
+            <p:nvPr/>
+          </p:nvSpPr>
+          <p:spPr>
+            <a:xfrm flipV="1">
+              <a:off x="2569855" y="2488658"/>
+              <a:ext cx="45720" cy="45720"/>
+            </a:xfrm>
+            <a:prstGeom prst="ellipse">
+              <a:avLst/>
+            </a:prstGeom>
+            <a:solidFill>
+              <a:schemeClr val="bg1"/>
+            </a:solidFill>
+          </p:spPr>
+          <p:style>
+            <a:lnRef idx="2">
+              <a:schemeClr val="accent1">
+                <a:shade val="50000"/>
+              </a:schemeClr>
+            </a:lnRef>
+            <a:fillRef idx="1">
+              <a:schemeClr val="accent1"/>
+            </a:fillRef>
+            <a:effectRef idx="0">
+              <a:schemeClr val="accent1"/>
+            </a:effectRef>
+            <a:fontRef idx="minor">
+              <a:schemeClr val="lt1"/>
+            </a:fontRef>
+          </p:style>
+          <p:txBody>
+            <a:bodyPr rtlCol="0" anchor="ctr"/>
+            <a:lstStyle/>
+            <a:p>
+              <a:pPr algn="ctr"/>
+              <a:endParaRPr lang="fr-FR"/>
+            </a:p>
+          </p:txBody>
+        </p:sp>
+      </p:grpSp>
+      <p:cxnSp>
+        <p:nvCxnSpPr>
+          <p:cNvPr id="32" name="Connecteur droit avec flèche 31"/>
+          <p:cNvCxnSpPr/>
           <p:nvPr/>
         </p:nvCxnSpPr>
         <p:spPr>
           <a:xfrm flipV="1">
-            <a:off x="2691558" y="1916832"/>
-            <a:ext cx="0" cy="491494"/>
-          </a:xfrm>
-          <a:prstGeom prst="line">
-            <a:avLst/>
-          </a:prstGeom>
-          <a:solidFill>
-            <a:schemeClr val="bg1"/>
-          </a:solidFill>
-        </p:spPr>
-        <p:style>
-          <a:lnRef idx="2">
-            <a:schemeClr val="accent1">
-              <a:shade val="50000"/>
-            </a:schemeClr>
-          </a:lnRef>
-          <a:fillRef idx="1">
-            <a:schemeClr val="accent1"/>
-          </a:fillRef>
-          <a:effectRef idx="0">
-            <a:schemeClr val="accent1"/>
-          </a:effectRef>
-          <a:fontRef idx="minor">
-            <a:schemeClr val="lt1"/>
-          </a:fontRef>
-        </p:style>
-      </p:cxnSp>
-      <p:cxnSp>
-        <p:nvCxnSpPr>
-          <p:cNvPr id="21" name="Connecteur droit 20"/>
-          <p:cNvCxnSpPr/>
-          <p:nvPr/>
-        </p:nvCxnSpPr>
-        <p:spPr>
-          <a:xfrm flipV="1">
-            <a:off x="2340268" y="1906904"/>
-            <a:ext cx="0" cy="604613"/>
-          </a:xfrm>
-          <a:prstGeom prst="line">
-            <a:avLst/>
-          </a:prstGeom>
-          <a:solidFill>
-            <a:schemeClr val="bg1"/>
-          </a:solidFill>
-        </p:spPr>
-        <p:style>
-          <a:lnRef idx="2">
-            <a:schemeClr val="accent1">
-              <a:shade val="50000"/>
-            </a:schemeClr>
-          </a:lnRef>
-          <a:fillRef idx="1">
-            <a:schemeClr val="accent1"/>
-          </a:fillRef>
-          <a:effectRef idx="0">
-            <a:schemeClr val="accent1"/>
-          </a:effectRef>
-          <a:fontRef idx="minor">
-            <a:schemeClr val="lt1"/>
-          </a:fontRef>
-        </p:style>
-      </p:cxnSp>
-      <p:cxnSp>
-        <p:nvCxnSpPr>
-          <p:cNvPr id="22" name="Connecteur droit 21"/>
-          <p:cNvCxnSpPr>
-            <a:stCxn id="17" idx="1"/>
-          </p:cNvCxnSpPr>
-          <p:nvPr/>
-        </p:nvCxnSpPr>
-        <p:spPr>
-          <a:xfrm flipH="1" flipV="1">
-            <a:off x="2340268" y="2511517"/>
-            <a:ext cx="153603" cy="103193"/>
-          </a:xfrm>
-          <a:prstGeom prst="line">
-            <a:avLst/>
-          </a:prstGeom>
-          <a:solidFill>
-            <a:schemeClr val="bg1"/>
-          </a:solidFill>
-        </p:spPr>
-        <p:style>
-          <a:lnRef idx="2">
-            <a:schemeClr val="accent1">
-              <a:shade val="50000"/>
-            </a:schemeClr>
-          </a:lnRef>
-          <a:fillRef idx="1">
-            <a:schemeClr val="accent1"/>
-          </a:fillRef>
-          <a:effectRef idx="0">
-            <a:schemeClr val="accent1"/>
-          </a:effectRef>
-          <a:fontRef idx="minor">
-            <a:schemeClr val="lt1"/>
-          </a:fontRef>
-        </p:style>
-      </p:cxnSp>
-      <p:sp>
-        <p:nvSpPr>
-          <p:cNvPr id="29" name="Ellipse 28"/>
-          <p:cNvSpPr/>
-          <p:nvPr/>
-        </p:nvSpPr>
-        <p:spPr>
-          <a:xfrm flipV="1">
-            <a:off x="2569855" y="2488658"/>
-            <a:ext cx="45720" cy="45720"/>
-          </a:xfrm>
-          <a:prstGeom prst="ellipse">
-            <a:avLst/>
-          </a:prstGeom>
-          <a:solidFill>
-            <a:schemeClr val="bg1"/>
-          </a:solidFill>
-        </p:spPr>
-        <p:style>
-          <a:lnRef idx="2">
-            <a:schemeClr val="accent1">
-              <a:shade val="50000"/>
-            </a:schemeClr>
-          </a:lnRef>
-          <a:fillRef idx="1">
-            <a:schemeClr val="accent1"/>
-          </a:fillRef>
-          <a:effectRef idx="0">
-            <a:schemeClr val="accent1"/>
-          </a:effectRef>
-          <a:fontRef idx="minor">
-            <a:schemeClr val="lt1"/>
-          </a:fontRef>
-        </p:style>
-        <p:txBody>
-          <a:bodyPr rtlCol="0" anchor="ctr"/>
-          <a:lstStyle/>
-          <a:p>
-            <a:pPr algn="ctr"/>
-            <a:endParaRPr lang="fr-FR"/>
-          </a:p>
-        </p:txBody>
-      </p:sp>
+            <a:off x="2295626" y="1988840"/>
+            <a:ext cx="692198" cy="571962"/>
+          </a:xfrm>
+          <a:prstGeom prst="straightConnector1">
+            <a:avLst/>
+          </a:prstGeom>
+          <a:ln w="19050">
+            <a:solidFill>
+              <a:srgbClr val="FF0000"/>
+            </a:solidFill>
+            <a:tailEnd type="stealth" w="med" len="lg"/>
+          </a:ln>
+        </p:spPr>
+        <p:style>
+          <a:lnRef idx="1">
+            <a:schemeClr val="accent1"/>
+          </a:lnRef>
+          <a:fillRef idx="0">
+            <a:schemeClr val="accent1"/>
+          </a:fillRef>
+          <a:effectRef idx="0">
+            <a:schemeClr val="accent1"/>
+          </a:effectRef>
+          <a:fontRef idx="minor">
+            <a:schemeClr val="tx1"/>
+          </a:fontRef>
+        </p:style>
+      </p:cxnSp>
+      <p:cxnSp>
+        <p:nvCxnSpPr>
+          <p:cNvPr id="34" name="Connecteur droit avec flèche 33"/>
+          <p:cNvCxnSpPr/>
+          <p:nvPr/>
+        </p:nvCxnSpPr>
+        <p:spPr>
+          <a:xfrm>
+            <a:off x="2988004" y="1988840"/>
+            <a:ext cx="0" cy="571962"/>
+          </a:xfrm>
+          <a:prstGeom prst="straightConnector1">
+            <a:avLst/>
+          </a:prstGeom>
+          <a:ln w="19050">
+            <a:solidFill>
+              <a:srgbClr val="FF0000"/>
+            </a:solidFill>
+            <a:tailEnd type="stealth" w="med" len="lg"/>
+          </a:ln>
+        </p:spPr>
+        <p:style>
+          <a:lnRef idx="1">
+            <a:schemeClr val="accent1"/>
+          </a:lnRef>
+          <a:fillRef idx="0">
+            <a:schemeClr val="accent1"/>
+          </a:fillRef>
+          <a:effectRef idx="0">
+            <a:schemeClr val="accent1"/>
+          </a:effectRef>
+          <a:fontRef idx="minor">
+            <a:schemeClr val="tx1"/>
+          </a:fontRef>
+        </p:style>
+      </p:cxnSp>
+      <p:cxnSp>
+        <p:nvCxnSpPr>
+          <p:cNvPr id="36" name="Connecteur droit avec flèche 35"/>
+          <p:cNvCxnSpPr/>
+          <p:nvPr/>
+        </p:nvCxnSpPr>
+        <p:spPr>
+          <a:xfrm flipH="1">
+            <a:off x="2771800" y="2560802"/>
+            <a:ext cx="216204" cy="0"/>
+          </a:xfrm>
+          <a:prstGeom prst="straightConnector1">
+            <a:avLst/>
+          </a:prstGeom>
+          <a:ln w="19050">
+            <a:solidFill>
+              <a:srgbClr val="FF0000"/>
+            </a:solidFill>
+            <a:tailEnd type="stealth" w="med" len="lg"/>
+          </a:ln>
+        </p:spPr>
+        <p:style>
+          <a:lnRef idx="1">
+            <a:schemeClr val="accent1"/>
+          </a:lnRef>
+          <a:fillRef idx="0">
+            <a:schemeClr val="accent1"/>
+          </a:fillRef>
+          <a:effectRef idx="0">
+            <a:schemeClr val="accent1"/>
+          </a:effectRef>
+          <a:fontRef idx="minor">
+            <a:schemeClr val="tx1"/>
+          </a:fontRef>
+        </p:style>
+      </p:cxnSp>
     </p:spTree>
     <p:extLst>
       <p:ext uri="{BB962C8B-B14F-4D97-AF65-F5344CB8AC3E}">
@@ -8314,10 +8437,961 @@
           </a:prstGeom>
         </p:spPr>
       </p:pic>
+      <p:cxnSp>
+        <p:nvCxnSpPr>
+          <p:cNvPr id="6" name="Connecteur droit avec flèche 5"/>
+          <p:cNvCxnSpPr/>
+          <p:nvPr/>
+        </p:nvCxnSpPr>
+        <p:spPr>
+          <a:xfrm>
+            <a:off x="2998842" y="2276872"/>
+            <a:ext cx="0" cy="307826"/>
+          </a:xfrm>
+          <a:prstGeom prst="straightConnector1">
+            <a:avLst/>
+          </a:prstGeom>
+          <a:ln w="38100">
+            <a:tailEnd type="triangle" w="lg" len="lg"/>
+          </a:ln>
+        </p:spPr>
+        <p:style>
+          <a:lnRef idx="1">
+            <a:schemeClr val="accent1"/>
+          </a:lnRef>
+          <a:fillRef idx="0">
+            <a:schemeClr val="accent1"/>
+          </a:fillRef>
+          <a:effectRef idx="0">
+            <a:schemeClr val="accent1"/>
+          </a:effectRef>
+          <a:fontRef idx="minor">
+            <a:schemeClr val="tx1"/>
+          </a:fontRef>
+        </p:style>
+      </p:cxnSp>
+      <p:cxnSp>
+        <p:nvCxnSpPr>
+          <p:cNvPr id="8" name="Connecteur droit avec flèche 7"/>
+          <p:cNvCxnSpPr/>
+          <p:nvPr/>
+        </p:nvCxnSpPr>
+        <p:spPr>
+          <a:xfrm>
+            <a:off x="2609100" y="2198189"/>
+            <a:ext cx="449174" cy="0"/>
+          </a:xfrm>
+          <a:prstGeom prst="straightConnector1">
+            <a:avLst/>
+          </a:prstGeom>
+          <a:ln w="38100">
+            <a:tailEnd type="triangle" w="lg" len="lg"/>
+          </a:ln>
+        </p:spPr>
+        <p:style>
+          <a:lnRef idx="1">
+            <a:schemeClr val="accent1"/>
+          </a:lnRef>
+          <a:fillRef idx="0">
+            <a:schemeClr val="accent1"/>
+          </a:fillRef>
+          <a:effectRef idx="0">
+            <a:schemeClr val="accent1"/>
+          </a:effectRef>
+          <a:fontRef idx="minor">
+            <a:schemeClr val="tx1"/>
+          </a:fontRef>
+        </p:style>
+      </p:cxnSp>
+      <p:sp>
+        <p:nvSpPr>
+          <p:cNvPr id="10" name="Ellipse 9"/>
+          <p:cNvSpPr/>
+          <p:nvPr/>
+        </p:nvSpPr>
+        <p:spPr>
+          <a:xfrm>
+            <a:off x="2914258" y="3356992"/>
+            <a:ext cx="144016" cy="144016"/>
+          </a:xfrm>
+          <a:prstGeom prst="ellipse">
+            <a:avLst/>
+          </a:prstGeom>
+          <a:solidFill>
+            <a:srgbClr val="0070C0"/>
+          </a:solidFill>
+          <a:ln w="38100">
+            <a:solidFill>
+              <a:srgbClr val="0070C0"/>
+            </a:solidFill>
+            <a:tailEnd type="triangle" w="lg" len="lg"/>
+          </a:ln>
+        </p:spPr>
+        <p:style>
+          <a:lnRef idx="1">
+            <a:schemeClr val="accent1"/>
+          </a:lnRef>
+          <a:fillRef idx="0">
+            <a:schemeClr val="accent1"/>
+          </a:fillRef>
+          <a:effectRef idx="0">
+            <a:schemeClr val="accent1"/>
+          </a:effectRef>
+          <a:fontRef idx="minor">
+            <a:schemeClr val="tx1"/>
+          </a:fontRef>
+        </p:style>
+        <p:txBody>
+          <a:bodyPr rtlCol="0" anchor="ctr"/>
+          <a:lstStyle/>
+          <a:p>
+            <a:pPr algn="ctr"/>
+            <a:endParaRPr lang="fr-FR"/>
+          </a:p>
+        </p:txBody>
+      </p:sp>
+      <p:sp>
+        <p:nvSpPr>
+          <p:cNvPr id="12" name="ZoneTexte 11"/>
+          <p:cNvSpPr txBox="1"/>
+          <p:nvPr/>
+        </p:nvSpPr>
+        <p:spPr>
+          <a:xfrm>
+            <a:off x="2633791" y="3050302"/>
+            <a:ext cx="272914" cy="369332"/>
+          </a:xfrm>
+          <a:prstGeom prst="rect">
+            <a:avLst/>
+          </a:prstGeom>
+          <a:noFill/>
+        </p:spPr>
+        <p:txBody>
+          <a:bodyPr wrap="square" rtlCol="0">
+            <a:spAutoFit/>
+          </a:bodyPr>
+          <a:lstStyle/>
+          <a:p>
+            <a:r>
+              <a:rPr lang="fr-FR" b="1" dirty="0" smtClean="0">
+                <a:solidFill>
+                  <a:srgbClr val="FF0000"/>
+                </a:solidFill>
+              </a:rPr>
+              <a:t>2</a:t>
+            </a:r>
+            <a:endParaRPr lang="fr-FR" b="1" dirty="0">
+              <a:solidFill>
+                <a:srgbClr val="FF0000"/>
+              </a:solidFill>
+            </a:endParaRPr>
+          </a:p>
+        </p:txBody>
+      </p:sp>
+      <p:sp>
+        <p:nvSpPr>
+          <p:cNvPr id="13" name="ZoneTexte 12"/>
+          <p:cNvSpPr txBox="1"/>
+          <p:nvPr/>
+        </p:nvSpPr>
+        <p:spPr>
+          <a:xfrm>
+            <a:off x="2633791" y="1844824"/>
+            <a:ext cx="301686" cy="369332"/>
+          </a:xfrm>
+          <a:prstGeom prst="rect">
+            <a:avLst/>
+          </a:prstGeom>
+          <a:noFill/>
+        </p:spPr>
+        <p:txBody>
+          <a:bodyPr wrap="none" rtlCol="0">
+            <a:spAutoFit/>
+          </a:bodyPr>
+          <a:lstStyle/>
+          <a:p>
+            <a:r>
+              <a:rPr lang="fr-FR" b="1" dirty="0" smtClean="0">
+                <a:solidFill>
+                  <a:srgbClr val="FF0000"/>
+                </a:solidFill>
+              </a:rPr>
+              <a:t>1</a:t>
+            </a:r>
+            <a:endParaRPr lang="fr-FR" b="1" dirty="0">
+              <a:solidFill>
+                <a:srgbClr val="FF0000"/>
+              </a:solidFill>
+            </a:endParaRPr>
+          </a:p>
+        </p:txBody>
+      </p:sp>
+      <p:sp>
+        <p:nvSpPr>
+          <p:cNvPr id="14" name="ZoneTexte 13"/>
+          <p:cNvSpPr txBox="1"/>
+          <p:nvPr/>
+        </p:nvSpPr>
+        <p:spPr>
+          <a:xfrm>
+            <a:off x="2619405" y="4139788"/>
+            <a:ext cx="301686" cy="369332"/>
+          </a:xfrm>
+          <a:prstGeom prst="rect">
+            <a:avLst/>
+          </a:prstGeom>
+          <a:noFill/>
+        </p:spPr>
+        <p:txBody>
+          <a:bodyPr wrap="none" rtlCol="0">
+            <a:spAutoFit/>
+          </a:bodyPr>
+          <a:lstStyle/>
+          <a:p>
+            <a:r>
+              <a:rPr lang="fr-FR" b="1" dirty="0" smtClean="0">
+                <a:solidFill>
+                  <a:srgbClr val="FF0000"/>
+                </a:solidFill>
+              </a:rPr>
+              <a:t>3</a:t>
+            </a:r>
+            <a:endParaRPr lang="fr-FR" b="1" dirty="0">
+              <a:solidFill>
+                <a:srgbClr val="FF0000"/>
+              </a:solidFill>
+            </a:endParaRPr>
+          </a:p>
+        </p:txBody>
+      </p:sp>
+      <p:sp>
+        <p:nvSpPr>
+          <p:cNvPr id="15" name="ZoneTexte 14"/>
+          <p:cNvSpPr txBox="1"/>
+          <p:nvPr/>
+        </p:nvSpPr>
+        <p:spPr>
+          <a:xfrm>
+            <a:off x="2672569" y="2215366"/>
+            <a:ext cx="301686" cy="369332"/>
+          </a:xfrm>
+          <a:prstGeom prst="rect">
+            <a:avLst/>
+          </a:prstGeom>
+          <a:noFill/>
+        </p:spPr>
+        <p:txBody>
+          <a:bodyPr wrap="none" rtlCol="0">
+            <a:spAutoFit/>
+          </a:bodyPr>
+          <a:lstStyle/>
+          <a:p>
+            <a:r>
+              <a:rPr lang="fr-FR" b="1" dirty="0" smtClean="0">
+                <a:solidFill>
+                  <a:srgbClr val="FF0000"/>
+                </a:solidFill>
+              </a:rPr>
+              <a:t>4</a:t>
+            </a:r>
+            <a:endParaRPr lang="fr-FR" b="1" dirty="0">
+              <a:solidFill>
+                <a:srgbClr val="FF0000"/>
+              </a:solidFill>
+            </a:endParaRPr>
+          </a:p>
+        </p:txBody>
+      </p:sp>
+      <p:sp>
+        <p:nvSpPr>
+          <p:cNvPr id="16" name="ZoneTexte 15"/>
+          <p:cNvSpPr txBox="1"/>
+          <p:nvPr/>
+        </p:nvSpPr>
+        <p:spPr>
+          <a:xfrm>
+            <a:off x="3058274" y="3257709"/>
+            <a:ext cx="301686" cy="369332"/>
+          </a:xfrm>
+          <a:prstGeom prst="rect">
+            <a:avLst/>
+          </a:prstGeom>
+          <a:noFill/>
+        </p:spPr>
+        <p:txBody>
+          <a:bodyPr wrap="none" rtlCol="0">
+            <a:spAutoFit/>
+          </a:bodyPr>
+          <a:lstStyle/>
+          <a:p>
+            <a:r>
+              <a:rPr lang="fr-FR" b="1" dirty="0" smtClean="0">
+                <a:solidFill>
+                  <a:srgbClr val="FF0000"/>
+                </a:solidFill>
+              </a:rPr>
+              <a:t>5</a:t>
+            </a:r>
+            <a:endParaRPr lang="fr-FR" b="1" dirty="0">
+              <a:solidFill>
+                <a:srgbClr val="FF0000"/>
+              </a:solidFill>
+            </a:endParaRPr>
+          </a:p>
+        </p:txBody>
+      </p:sp>
+      <p:cxnSp>
+        <p:nvCxnSpPr>
+          <p:cNvPr id="32" name="Connecteur droit avec flèche 31"/>
+          <p:cNvCxnSpPr/>
+          <p:nvPr/>
+        </p:nvCxnSpPr>
+        <p:spPr>
+          <a:xfrm flipH="1">
+            <a:off x="6245077" y="2797884"/>
+            <a:ext cx="156035" cy="127060"/>
+          </a:xfrm>
+          <a:prstGeom prst="straightConnector1">
+            <a:avLst/>
+          </a:prstGeom>
+          <a:ln w="19050">
+            <a:solidFill>
+              <a:srgbClr val="FF0000"/>
+            </a:solidFill>
+            <a:tailEnd type="stealth" w="med" len="lg"/>
+          </a:ln>
+        </p:spPr>
+        <p:style>
+          <a:lnRef idx="1">
+            <a:schemeClr val="accent1"/>
+          </a:lnRef>
+          <a:fillRef idx="0">
+            <a:schemeClr val="accent1"/>
+          </a:fillRef>
+          <a:effectRef idx="0">
+            <a:schemeClr val="accent1"/>
+          </a:effectRef>
+          <a:fontRef idx="minor">
+            <a:schemeClr val="tx1"/>
+          </a:fontRef>
+        </p:style>
+      </p:cxnSp>
+      <p:cxnSp>
+        <p:nvCxnSpPr>
+          <p:cNvPr id="34" name="Connecteur droit avec flèche 33"/>
+          <p:cNvCxnSpPr/>
+          <p:nvPr/>
+        </p:nvCxnSpPr>
+        <p:spPr>
+          <a:xfrm flipH="1" flipV="1">
+            <a:off x="5004048" y="2994304"/>
+            <a:ext cx="792089" cy="1"/>
+          </a:xfrm>
+          <a:prstGeom prst="straightConnector1">
+            <a:avLst/>
+          </a:prstGeom>
+          <a:ln w="19050">
+            <a:solidFill>
+              <a:srgbClr val="FF0000"/>
+            </a:solidFill>
+            <a:tailEnd type="stealth" w="med" len="lg"/>
+          </a:ln>
+        </p:spPr>
+        <p:style>
+          <a:lnRef idx="1">
+            <a:schemeClr val="accent1"/>
+          </a:lnRef>
+          <a:fillRef idx="0">
+            <a:schemeClr val="accent1"/>
+          </a:fillRef>
+          <a:effectRef idx="0">
+            <a:schemeClr val="accent1"/>
+          </a:effectRef>
+          <a:fontRef idx="minor">
+            <a:schemeClr val="tx1"/>
+          </a:fontRef>
+        </p:style>
+      </p:cxnSp>
+      <p:cxnSp>
+        <p:nvCxnSpPr>
+          <p:cNvPr id="36" name="Connecteur droit avec flèche 35"/>
+          <p:cNvCxnSpPr/>
+          <p:nvPr/>
+        </p:nvCxnSpPr>
+        <p:spPr>
+          <a:xfrm flipH="1">
+            <a:off x="5796136" y="2934852"/>
+            <a:ext cx="448941" cy="0"/>
+          </a:xfrm>
+          <a:prstGeom prst="straightConnector1">
+            <a:avLst/>
+          </a:prstGeom>
+          <a:ln w="19050">
+            <a:solidFill>
+              <a:srgbClr val="FF0000"/>
+            </a:solidFill>
+            <a:tailEnd type="stealth" w="med" len="lg"/>
+          </a:ln>
+        </p:spPr>
+        <p:style>
+          <a:lnRef idx="1">
+            <a:schemeClr val="accent1"/>
+          </a:lnRef>
+          <a:fillRef idx="0">
+            <a:schemeClr val="accent1"/>
+          </a:fillRef>
+          <a:effectRef idx="0">
+            <a:schemeClr val="accent1"/>
+          </a:effectRef>
+          <a:fontRef idx="minor">
+            <a:schemeClr val="tx1"/>
+          </a:fontRef>
+        </p:style>
+      </p:cxnSp>
+      <p:cxnSp>
+        <p:nvCxnSpPr>
+          <p:cNvPr id="23" name="Connecteur droit avec flèche 22"/>
+          <p:cNvCxnSpPr/>
+          <p:nvPr/>
+        </p:nvCxnSpPr>
+        <p:spPr>
+          <a:xfrm>
+            <a:off x="2598825" y="3429000"/>
+            <a:ext cx="449174" cy="0"/>
+          </a:xfrm>
+          <a:prstGeom prst="straightConnector1">
+            <a:avLst/>
+          </a:prstGeom>
+          <a:ln w="38100">
+            <a:tailEnd type="triangle" w="lg" len="lg"/>
+          </a:ln>
+        </p:spPr>
+        <p:style>
+          <a:lnRef idx="1">
+            <a:schemeClr val="accent1"/>
+          </a:lnRef>
+          <a:fillRef idx="0">
+            <a:schemeClr val="accent1"/>
+          </a:fillRef>
+          <a:effectRef idx="0">
+            <a:schemeClr val="accent1"/>
+          </a:effectRef>
+          <a:fontRef idx="minor">
+            <a:schemeClr val="tx1"/>
+          </a:fontRef>
+        </p:style>
+      </p:cxnSp>
+      <p:cxnSp>
+        <p:nvCxnSpPr>
+          <p:cNvPr id="24" name="Connecteur droit avec flèche 23"/>
+          <p:cNvCxnSpPr/>
+          <p:nvPr/>
+        </p:nvCxnSpPr>
+        <p:spPr>
+          <a:xfrm>
+            <a:off x="2598825" y="4509120"/>
+            <a:ext cx="449174" cy="0"/>
+          </a:xfrm>
+          <a:prstGeom prst="straightConnector1">
+            <a:avLst/>
+          </a:prstGeom>
+          <a:ln w="38100">
+            <a:tailEnd type="triangle" w="lg" len="lg"/>
+          </a:ln>
+        </p:spPr>
+        <p:style>
+          <a:lnRef idx="1">
+            <a:schemeClr val="accent1"/>
+          </a:lnRef>
+          <a:fillRef idx="0">
+            <a:schemeClr val="accent1"/>
+          </a:fillRef>
+          <a:effectRef idx="0">
+            <a:schemeClr val="accent1"/>
+          </a:effectRef>
+          <a:fontRef idx="minor">
+            <a:schemeClr val="tx1"/>
+          </a:fontRef>
+        </p:style>
+      </p:cxnSp>
+      <p:grpSp>
+        <p:nvGrpSpPr>
+          <p:cNvPr id="44" name="Groupe 43"/>
+          <p:cNvGrpSpPr/>
+          <p:nvPr/>
+        </p:nvGrpSpPr>
+        <p:grpSpPr>
+          <a:xfrm>
+            <a:off x="6188841" y="2235332"/>
+            <a:ext cx="367840" cy="562552"/>
+            <a:chOff x="6076368" y="980714"/>
+            <a:chExt cx="367840" cy="562552"/>
+          </a:xfrm>
+        </p:grpSpPr>
+        <p:cxnSp>
+          <p:nvCxnSpPr>
+            <p:cNvPr id="21" name="Connecteur droit 20"/>
+            <p:cNvCxnSpPr/>
+            <p:nvPr/>
+          </p:nvCxnSpPr>
+          <p:spPr>
+            <a:xfrm flipV="1">
+              <a:off x="6076368" y="980714"/>
+              <a:ext cx="0" cy="238407"/>
+            </a:xfrm>
+            <a:prstGeom prst="line">
+              <a:avLst/>
+            </a:prstGeom>
+            <a:solidFill>
+              <a:schemeClr val="bg1"/>
+            </a:solidFill>
+          </p:spPr>
+          <p:style>
+            <a:lnRef idx="2">
+              <a:schemeClr val="accent1">
+                <a:shade val="50000"/>
+              </a:schemeClr>
+            </a:lnRef>
+            <a:fillRef idx="1">
+              <a:schemeClr val="accent1"/>
+            </a:fillRef>
+            <a:effectRef idx="0">
+              <a:schemeClr val="accent1"/>
+            </a:effectRef>
+            <a:fontRef idx="minor">
+              <a:schemeClr val="lt1"/>
+            </a:fontRef>
+          </p:style>
+        </p:cxnSp>
+        <p:grpSp>
+          <p:nvGrpSpPr>
+            <p:cNvPr id="39" name="Groupe 38"/>
+            <p:cNvGrpSpPr/>
+            <p:nvPr/>
+          </p:nvGrpSpPr>
+          <p:grpSpPr>
+            <a:xfrm>
+              <a:off x="6188841" y="1183226"/>
+              <a:ext cx="142894" cy="360040"/>
+              <a:chOff x="6188841" y="1183226"/>
+              <a:chExt cx="142894" cy="360040"/>
+            </a:xfrm>
+          </p:grpSpPr>
+          <p:sp>
+            <p:nvSpPr>
+              <p:cNvPr id="17" name="Losange 16"/>
+              <p:cNvSpPr/>
+              <p:nvPr/>
+            </p:nvSpPr>
+            <p:spPr>
+              <a:xfrm>
+                <a:off x="6188841" y="1183226"/>
+                <a:ext cx="142894" cy="360040"/>
+              </a:xfrm>
+              <a:prstGeom prst="diamond">
+                <a:avLst/>
+              </a:prstGeom>
+              <a:solidFill>
+                <a:schemeClr val="bg1"/>
+              </a:solidFill>
+            </p:spPr>
+            <p:style>
+              <a:lnRef idx="2">
+                <a:schemeClr val="accent1">
+                  <a:shade val="50000"/>
+                </a:schemeClr>
+              </a:lnRef>
+              <a:fillRef idx="1">
+                <a:schemeClr val="accent1"/>
+              </a:fillRef>
+              <a:effectRef idx="0">
+                <a:schemeClr val="accent1"/>
+              </a:effectRef>
+              <a:fontRef idx="minor">
+                <a:schemeClr val="lt1"/>
+              </a:fontRef>
+            </p:style>
+            <p:txBody>
+              <a:bodyPr rtlCol="0" anchor="ctr"/>
+              <a:lstStyle/>
+              <a:p>
+                <a:pPr algn="ctr"/>
+                <a:endParaRPr lang="fr-FR"/>
+              </a:p>
+            </p:txBody>
+          </p:sp>
+          <p:sp>
+            <p:nvSpPr>
+              <p:cNvPr id="29" name="Ellipse 28"/>
+              <p:cNvSpPr/>
+              <p:nvPr/>
+            </p:nvSpPr>
+            <p:spPr>
+              <a:xfrm flipV="1">
+                <a:off x="6237428" y="1340386"/>
+                <a:ext cx="45720" cy="45720"/>
+              </a:xfrm>
+              <a:prstGeom prst="ellipse">
+                <a:avLst/>
+              </a:prstGeom>
+              <a:solidFill>
+                <a:schemeClr val="bg1"/>
+              </a:solidFill>
+            </p:spPr>
+            <p:style>
+              <a:lnRef idx="2">
+                <a:schemeClr val="accent1">
+                  <a:shade val="50000"/>
+                </a:schemeClr>
+              </a:lnRef>
+              <a:fillRef idx="1">
+                <a:schemeClr val="accent1"/>
+              </a:fillRef>
+              <a:effectRef idx="0">
+                <a:schemeClr val="accent1"/>
+              </a:effectRef>
+              <a:fontRef idx="minor">
+                <a:schemeClr val="lt1"/>
+              </a:fontRef>
+            </p:style>
+            <p:txBody>
+              <a:bodyPr rtlCol="0" anchor="ctr"/>
+              <a:lstStyle/>
+              <a:p>
+                <a:pPr algn="ctr"/>
+                <a:endParaRPr lang="fr-FR"/>
+              </a:p>
+            </p:txBody>
+          </p:sp>
+        </p:grpSp>
+        <p:cxnSp>
+          <p:nvCxnSpPr>
+            <p:cNvPr id="37" name="Connecteur droit 36"/>
+            <p:cNvCxnSpPr>
+              <a:endCxn id="17" idx="3"/>
+            </p:cNvCxnSpPr>
+            <p:nvPr/>
+          </p:nvCxnSpPr>
+          <p:spPr>
+            <a:xfrm flipH="1">
+              <a:off x="6331735" y="1219121"/>
+              <a:ext cx="112473" cy="144125"/>
+            </a:xfrm>
+            <a:prstGeom prst="line">
+              <a:avLst/>
+            </a:prstGeom>
+            <a:solidFill>
+              <a:schemeClr val="bg1"/>
+            </a:solidFill>
+          </p:spPr>
+          <p:style>
+            <a:lnRef idx="2">
+              <a:schemeClr val="accent1">
+                <a:shade val="50000"/>
+              </a:schemeClr>
+            </a:lnRef>
+            <a:fillRef idx="1">
+              <a:schemeClr val="accent1"/>
+            </a:fillRef>
+            <a:effectRef idx="0">
+              <a:schemeClr val="accent1"/>
+            </a:effectRef>
+            <a:fontRef idx="minor">
+              <a:schemeClr val="lt1"/>
+            </a:fontRef>
+          </p:style>
+        </p:cxnSp>
+        <p:cxnSp>
+          <p:nvCxnSpPr>
+            <p:cNvPr id="42" name="Connecteur droit 41"/>
+            <p:cNvCxnSpPr/>
+            <p:nvPr/>
+          </p:nvCxnSpPr>
+          <p:spPr>
+            <a:xfrm>
+              <a:off x="6076368" y="1219121"/>
+              <a:ext cx="112473" cy="144125"/>
+            </a:xfrm>
+            <a:prstGeom prst="line">
+              <a:avLst/>
+            </a:prstGeom>
+            <a:solidFill>
+              <a:schemeClr val="bg1"/>
+            </a:solidFill>
+          </p:spPr>
+          <p:style>
+            <a:lnRef idx="2">
+              <a:schemeClr val="accent1">
+                <a:shade val="50000"/>
+              </a:schemeClr>
+            </a:lnRef>
+            <a:fillRef idx="1">
+              <a:schemeClr val="accent1"/>
+            </a:fillRef>
+            <a:effectRef idx="0">
+              <a:schemeClr val="accent1"/>
+            </a:effectRef>
+            <a:fontRef idx="minor">
+              <a:schemeClr val="lt1"/>
+            </a:fontRef>
+          </p:style>
+        </p:cxnSp>
+        <p:cxnSp>
+          <p:nvCxnSpPr>
+            <p:cNvPr id="43" name="Connecteur droit 42"/>
+            <p:cNvCxnSpPr/>
+            <p:nvPr/>
+          </p:nvCxnSpPr>
+          <p:spPr>
+            <a:xfrm flipV="1">
+              <a:off x="6444208" y="980714"/>
+              <a:ext cx="0" cy="238407"/>
+            </a:xfrm>
+            <a:prstGeom prst="line">
+              <a:avLst/>
+            </a:prstGeom>
+            <a:solidFill>
+              <a:schemeClr val="bg1"/>
+            </a:solidFill>
+          </p:spPr>
+          <p:style>
+            <a:lnRef idx="2">
+              <a:schemeClr val="accent1">
+                <a:shade val="50000"/>
+              </a:schemeClr>
+            </a:lnRef>
+            <a:fillRef idx="1">
+              <a:schemeClr val="accent1"/>
+            </a:fillRef>
+            <a:effectRef idx="0">
+              <a:schemeClr val="accent1"/>
+            </a:effectRef>
+            <a:fontRef idx="minor">
+              <a:schemeClr val="lt1"/>
+            </a:fontRef>
+          </p:style>
+        </p:cxnSp>
+      </p:grpSp>
+      <p:cxnSp>
+        <p:nvCxnSpPr>
+          <p:cNvPr id="49" name="Connecteur droit avec flèche 48"/>
+          <p:cNvCxnSpPr/>
+          <p:nvPr/>
+        </p:nvCxnSpPr>
+        <p:spPr>
+          <a:xfrm flipH="1">
+            <a:off x="4555107" y="2924944"/>
+            <a:ext cx="448941" cy="0"/>
+          </a:xfrm>
+          <a:prstGeom prst="straightConnector1">
+            <a:avLst/>
+          </a:prstGeom>
+          <a:ln w="19050">
+            <a:solidFill>
+              <a:srgbClr val="FF0000"/>
+            </a:solidFill>
+            <a:tailEnd type="stealth" w="med" len="lg"/>
+          </a:ln>
+        </p:spPr>
+        <p:style>
+          <a:lnRef idx="1">
+            <a:schemeClr val="accent1"/>
+          </a:lnRef>
+          <a:fillRef idx="0">
+            <a:schemeClr val="accent1"/>
+          </a:fillRef>
+          <a:effectRef idx="0">
+            <a:schemeClr val="accent1"/>
+          </a:effectRef>
+          <a:fontRef idx="minor">
+            <a:schemeClr val="tx1"/>
+          </a:fontRef>
+        </p:style>
+      </p:cxnSp>
+      <p:cxnSp>
+        <p:nvCxnSpPr>
+          <p:cNvPr id="50" name="Connecteur droit avec flèche 49"/>
+          <p:cNvCxnSpPr/>
+          <p:nvPr/>
+        </p:nvCxnSpPr>
+        <p:spPr>
+          <a:xfrm flipH="1">
+            <a:off x="4123059" y="2861414"/>
+            <a:ext cx="448941" cy="0"/>
+          </a:xfrm>
+          <a:prstGeom prst="straightConnector1">
+            <a:avLst/>
+          </a:prstGeom>
+          <a:ln w="19050">
+            <a:solidFill>
+              <a:srgbClr val="FF0000"/>
+            </a:solidFill>
+            <a:tailEnd type="stealth" w="med" len="lg"/>
+          </a:ln>
+        </p:spPr>
+        <p:style>
+          <a:lnRef idx="1">
+            <a:schemeClr val="accent1"/>
+          </a:lnRef>
+          <a:fillRef idx="0">
+            <a:schemeClr val="accent1"/>
+          </a:fillRef>
+          <a:effectRef idx="0">
+            <a:schemeClr val="accent1"/>
+          </a:effectRef>
+          <a:fontRef idx="minor">
+            <a:schemeClr val="tx1"/>
+          </a:fontRef>
+        </p:style>
+      </p:cxnSp>
+      <p:cxnSp>
+        <p:nvCxnSpPr>
+          <p:cNvPr id="51" name="Connecteur droit avec flèche 50"/>
+          <p:cNvCxnSpPr/>
+          <p:nvPr/>
+        </p:nvCxnSpPr>
+        <p:spPr>
+          <a:xfrm flipV="1">
+            <a:off x="4123059" y="2595004"/>
+            <a:ext cx="0" cy="266410"/>
+          </a:xfrm>
+          <a:prstGeom prst="straightConnector1">
+            <a:avLst/>
+          </a:prstGeom>
+          <a:ln w="19050">
+            <a:solidFill>
+              <a:srgbClr val="FF0000"/>
+            </a:solidFill>
+            <a:tailEnd type="stealth" w="med" len="lg"/>
+          </a:ln>
+        </p:spPr>
+        <p:style>
+          <a:lnRef idx="1">
+            <a:schemeClr val="accent1"/>
+          </a:lnRef>
+          <a:fillRef idx="0">
+            <a:schemeClr val="accent1"/>
+          </a:fillRef>
+          <a:effectRef idx="0">
+            <a:schemeClr val="accent1"/>
+          </a:effectRef>
+          <a:fontRef idx="minor">
+            <a:schemeClr val="tx1"/>
+          </a:fontRef>
+        </p:style>
+      </p:cxnSp>
+      <p:cxnSp>
+        <p:nvCxnSpPr>
+          <p:cNvPr id="54" name="Connecteur droit avec flèche 53"/>
+          <p:cNvCxnSpPr/>
+          <p:nvPr/>
+        </p:nvCxnSpPr>
+        <p:spPr>
+          <a:xfrm flipV="1">
+            <a:off x="4555107" y="2841128"/>
+            <a:ext cx="0" cy="93724"/>
+          </a:xfrm>
+          <a:prstGeom prst="straightConnector1">
+            <a:avLst/>
+          </a:prstGeom>
+          <a:ln w="19050">
+            <a:solidFill>
+              <a:srgbClr val="FF0000"/>
+            </a:solidFill>
+            <a:tailEnd type="stealth" w="med" len="lg"/>
+          </a:ln>
+        </p:spPr>
+        <p:style>
+          <a:lnRef idx="1">
+            <a:schemeClr val="accent1"/>
+          </a:lnRef>
+          <a:fillRef idx="0">
+            <a:schemeClr val="accent1"/>
+          </a:fillRef>
+          <a:effectRef idx="0">
+            <a:schemeClr val="accent1"/>
+          </a:effectRef>
+          <a:fontRef idx="minor">
+            <a:schemeClr val="tx1"/>
+          </a:fontRef>
+        </p:style>
+      </p:cxnSp>
+      <p:cxnSp>
+        <p:nvCxnSpPr>
+          <p:cNvPr id="57" name="Connecteur droit avec flèche 56"/>
+          <p:cNvCxnSpPr/>
+          <p:nvPr/>
+        </p:nvCxnSpPr>
+        <p:spPr>
+          <a:xfrm flipV="1">
+            <a:off x="5004048" y="2900581"/>
+            <a:ext cx="0" cy="93724"/>
+          </a:xfrm>
+          <a:prstGeom prst="straightConnector1">
+            <a:avLst/>
+          </a:prstGeom>
+          <a:ln w="19050">
+            <a:solidFill>
+              <a:srgbClr val="FF0000"/>
+            </a:solidFill>
+            <a:tailEnd type="stealth" w="med" len="lg"/>
+          </a:ln>
+        </p:spPr>
+        <p:style>
+          <a:lnRef idx="1">
+            <a:schemeClr val="accent1"/>
+          </a:lnRef>
+          <a:fillRef idx="0">
+            <a:schemeClr val="accent1"/>
+          </a:fillRef>
+          <a:effectRef idx="0">
+            <a:schemeClr val="accent1"/>
+          </a:effectRef>
+          <a:fontRef idx="minor">
+            <a:schemeClr val="tx1"/>
+          </a:fontRef>
+        </p:style>
+      </p:cxnSp>
+      <p:cxnSp>
+        <p:nvCxnSpPr>
+          <p:cNvPr id="59" name="Connecteur droit avec flèche 58"/>
+          <p:cNvCxnSpPr/>
+          <p:nvPr/>
+        </p:nvCxnSpPr>
+        <p:spPr>
+          <a:xfrm>
+            <a:off x="5797895" y="2924944"/>
+            <a:ext cx="0" cy="93724"/>
+          </a:xfrm>
+          <a:prstGeom prst="straightConnector1">
+            <a:avLst/>
+          </a:prstGeom>
+          <a:ln w="19050">
+            <a:solidFill>
+              <a:srgbClr val="FF0000"/>
+            </a:solidFill>
+            <a:tailEnd type="stealth" w="med" len="lg"/>
+          </a:ln>
+        </p:spPr>
+        <p:style>
+          <a:lnRef idx="1">
+            <a:schemeClr val="accent1"/>
+          </a:lnRef>
+          <a:fillRef idx="0">
+            <a:schemeClr val="accent1"/>
+          </a:fillRef>
+          <a:effectRef idx="0">
+            <a:schemeClr val="accent1"/>
+          </a:effectRef>
+          <a:fontRef idx="minor">
+            <a:schemeClr val="tx1"/>
+          </a:fontRef>
+        </p:style>
+      </p:cxnSp>
     </p:spTree>
     <p:extLst>
       <p:ext uri="{BB962C8B-B14F-4D97-AF65-F5344CB8AC3E}">
-        <p14:creationId xmlns:p14="http://schemas.microsoft.com/office/powerpoint/2010/main" val="979852190"/>
+        <p14:creationId xmlns:p14="http://schemas.microsoft.com/office/powerpoint/2010/main" val="1227424866"/>
       </p:ext>
     </p:extLst>
   </p:cSld>
